--- a/navigateFMRI/flowchart.pptx
+++ b/navigateFMRI/flowchart.pptx
@@ -6732,13 +6732,13 @@
           <p:nvPr/>
         </p:nvCxnSpPr>
         <p:spPr>
-          <a:xfrm flipH="1" flipV="1">
-            <a:off x="21934280" y="13396128"/>
-            <a:ext cx="724242" cy="2780596"/>
+          <a:xfrm flipV="1">
+            <a:off x="21770331" y="13396128"/>
+            <a:ext cx="163949" cy="2641177"/>
           </a:xfrm>
           <a:prstGeom prst="curvedConnector3">
             <a:avLst>
-              <a:gd name="adj1" fmla="val -31564"/>
+              <a:gd name="adj1" fmla="val 239434"/>
             </a:avLst>
           </a:prstGeom>
           <a:ln w="28575">
@@ -7083,8 +7083,8 @@
         </p:nvCxnSpPr>
         <p:spPr>
           <a:xfrm flipV="1">
-            <a:off x="16467606" y="13396128"/>
-            <a:ext cx="2630142" cy="2788744"/>
+            <a:off x="16067618" y="13396128"/>
+            <a:ext cx="3030130" cy="3018200"/>
           </a:xfrm>
           <a:prstGeom prst="curvedConnector3">
             <a:avLst>
@@ -9578,8 +9578,8 @@
         </p:nvCxnSpPr>
         <p:spPr>
           <a:xfrm>
-            <a:off x="14826677" y="15124309"/>
-            <a:ext cx="316702" cy="703160"/>
+            <a:off x="14826677" y="15124316"/>
+            <a:ext cx="154069" cy="779446"/>
           </a:xfrm>
           <a:prstGeom prst="curvedConnector2">
             <a:avLst/>
@@ -9620,8 +9620,8 @@
         </p:nvSpPr>
         <p:spPr>
           <a:xfrm>
-            <a:off x="13819158" y="15827469"/>
-            <a:ext cx="2648455" cy="714806"/>
+            <a:off x="13893874" y="15903762"/>
+            <a:ext cx="2173744" cy="1021131"/>
           </a:xfrm>
           <a:prstGeom prst="roundRect">
             <a:avLst/>
@@ -9680,7 +9680,7 @@
         </p:nvSpPr>
         <p:spPr>
           <a:xfrm>
-            <a:off x="13819857" y="16559191"/>
+            <a:off x="13663150" y="16924893"/>
             <a:ext cx="2648455" cy="584775"/>
           </a:xfrm>
           <a:prstGeom prst="rect">
@@ -9718,8 +9718,8 @@
         </p:nvSpPr>
         <p:spPr>
           <a:xfrm>
-            <a:off x="17032345" y="15666158"/>
-            <a:ext cx="2950534" cy="1021131"/>
+            <a:off x="16662350" y="15373743"/>
+            <a:ext cx="2001703" cy="1327456"/>
           </a:xfrm>
           <a:prstGeom prst="roundRect">
             <a:avLst/>
@@ -9763,17 +9763,20 @@
           </p:cNvPr>
           <p:cNvCxnSpPr>
             <a:cxnSpLocks/>
+            <a:stCxn id="272" idx="3"/>
             <a:endCxn id="285" idx="1"/>
           </p:cNvCxnSpPr>
           <p:nvPr/>
         </p:nvCxnSpPr>
         <p:spPr>
           <a:xfrm flipV="1">
-            <a:off x="16467614" y="16176724"/>
-            <a:ext cx="564731" cy="8298"/>
-          </a:xfrm>
-          <a:prstGeom prst="straightConnector1">
-            <a:avLst/>
+            <a:off x="16067618" y="16037471"/>
+            <a:ext cx="594732" cy="376857"/>
+          </a:xfrm>
+          <a:prstGeom prst="curvedConnector3">
+            <a:avLst>
+              <a:gd name="adj1" fmla="val 20104"/>
+            </a:avLst>
           </a:prstGeom>
           <a:ln w="28575">
             <a:solidFill>
@@ -9812,7 +9815,7 @@
         </p:nvSpPr>
         <p:spPr>
           <a:xfrm>
-            <a:off x="20267100" y="15666158"/>
+            <a:off x="19378909" y="15526739"/>
             <a:ext cx="2391422" cy="1021131"/>
           </a:xfrm>
           <a:prstGeom prst="roundRect">
@@ -9887,9 +9890,9 @@
           <p:nvPr/>
         </p:nvCxnSpPr>
         <p:spPr>
-          <a:xfrm>
-            <a:off x="19982879" y="16176724"/>
-            <a:ext cx="284221" cy="0"/>
+          <a:xfrm flipV="1">
+            <a:off x="18664053" y="16037305"/>
+            <a:ext cx="714856" cy="166"/>
           </a:xfrm>
           <a:prstGeom prst="straightConnector1">
             <a:avLst/>
@@ -9935,8 +9938,8 @@
         </p:nvCxnSpPr>
         <p:spPr>
           <a:xfrm>
-            <a:off x="16467613" y="16184879"/>
-            <a:ext cx="626731" cy="1094069"/>
+            <a:off x="16067618" y="16414328"/>
+            <a:ext cx="1026719" cy="864620"/>
           </a:xfrm>
           <a:prstGeom prst="curvedConnector3">
             <a:avLst>
@@ -10280,8 +10283,8 @@
         </p:nvCxnSpPr>
         <p:spPr>
           <a:xfrm>
-            <a:off x="9404373" y="16176300"/>
-            <a:ext cx="4414785" cy="8579"/>
+            <a:off x="9404373" y="16176293"/>
+            <a:ext cx="4489501" cy="238035"/>
           </a:xfrm>
           <a:prstGeom prst="straightConnector1">
             <a:avLst/>
@@ -10595,12 +10598,12 @@
         </p:nvCxnSpPr>
         <p:spPr>
           <a:xfrm flipV="1">
-            <a:off x="16467613" y="14780822"/>
-            <a:ext cx="626731" cy="1404050"/>
+            <a:off x="16067618" y="14780829"/>
+            <a:ext cx="1026719" cy="1633499"/>
           </a:xfrm>
           <a:prstGeom prst="curvedConnector3">
             <a:avLst>
-              <a:gd name="adj1" fmla="val 50000"/>
+              <a:gd name="adj1" fmla="val 37631"/>
             </a:avLst>
           </a:prstGeom>
           <a:ln w="28575">
@@ -10735,8 +10738,8 @@
         </p:nvCxnSpPr>
         <p:spPr>
           <a:xfrm>
-            <a:off x="9370809" y="11768668"/>
-            <a:ext cx="10155872" cy="507312"/>
+            <a:off x="9370816" y="11768668"/>
+            <a:ext cx="9779272" cy="507312"/>
           </a:xfrm>
           <a:prstGeom prst="straightConnector1">
             <a:avLst/>
@@ -10778,8 +10781,8 @@
         </p:nvSpPr>
         <p:spPr>
           <a:xfrm>
-            <a:off x="19526688" y="11918577"/>
-            <a:ext cx="3451399" cy="714806"/>
+            <a:off x="19150088" y="11918577"/>
+            <a:ext cx="3828000" cy="714806"/>
           </a:xfrm>
           <a:prstGeom prst="roundRect">
             <a:avLst/>
@@ -10816,7 +10819,7 @@
               <a:rPr lang="en-US" sz="1799" dirty="0">
                 <a:latin typeface="Helvetica" pitchFamily="2" charset="0"/>
               </a:rPr>
-              <a:t> stimulus in my stimulus set</a:t>
+              <a:t> stimulus in my stimulus space</a:t>
             </a:r>
           </a:p>
         </p:txBody>
@@ -12014,8 +12017,8 @@
         </p:nvCxnSpPr>
         <p:spPr>
           <a:xfrm flipV="1">
-            <a:off x="22978087" y="10205508"/>
-            <a:ext cx="650127" cy="2070479"/>
+            <a:off x="22978088" y="10205508"/>
+            <a:ext cx="650119" cy="2070472"/>
           </a:xfrm>
           <a:prstGeom prst="curvedConnector3">
             <a:avLst>
@@ -12063,8 +12066,8 @@
         </p:nvCxnSpPr>
         <p:spPr>
           <a:xfrm>
-            <a:off x="22978087" y="12275980"/>
-            <a:ext cx="331547" cy="1400334"/>
+            <a:off x="22978088" y="12275980"/>
+            <a:ext cx="331546" cy="1400334"/>
           </a:xfrm>
           <a:prstGeom prst="straightConnector1">
             <a:avLst/>
@@ -12969,7 +12972,7 @@
         </p:nvSpPr>
         <p:spPr>
           <a:xfrm>
-            <a:off x="11675248" y="3971524"/>
+            <a:off x="12355991" y="3284878"/>
             <a:ext cx="3006159" cy="1021131"/>
           </a:xfrm>
           <a:prstGeom prst="roundRect">
@@ -13055,16 +13058,7 @@
                 </a:solidFill>
                 <a:latin typeface="Helvetica" pitchFamily="2" charset="0"/>
               </a:rPr>
-              <a:t>#</a:t>
-            </a:r>
-            <a:r>
-              <a:rPr lang="en-US" sz="1799" dirty="0" err="1">
-                <a:solidFill>
-                  <a:srgbClr val="FF3F3F"/>
-                </a:solidFill>
-                <a:latin typeface="Helvetica" pitchFamily="2" charset="0"/>
-              </a:rPr>
-              <a:t>retintopy</a:t>
+              <a:t>#retinotopy</a:t>
             </a:r>
             <a:endParaRPr lang="en-US" sz="1799" dirty="0">
               <a:latin typeface="Helvetica" pitchFamily="2" charset="0"/>
@@ -13090,8 +13084,8 @@
         </p:nvCxnSpPr>
         <p:spPr>
           <a:xfrm flipV="1">
-            <a:off x="9370809" y="4482090"/>
-            <a:ext cx="2304432" cy="689235"/>
+            <a:off x="9370816" y="3795444"/>
+            <a:ext cx="2985175" cy="1375881"/>
           </a:xfrm>
           <a:prstGeom prst="curvedConnector3">
             <a:avLst>
@@ -13139,13 +13133,11 @@
         </p:nvCxnSpPr>
         <p:spPr>
           <a:xfrm flipV="1">
-            <a:off x="14681407" y="3272651"/>
-            <a:ext cx="4592791" cy="1209439"/>
-          </a:xfrm>
-          <a:prstGeom prst="curvedConnector3">
-            <a:avLst>
-              <a:gd name="adj1" fmla="val 4911"/>
-            </a:avLst>
+            <a:off x="15362150" y="3272651"/>
+            <a:ext cx="3912041" cy="522793"/>
+          </a:xfrm>
+          <a:prstGeom prst="straightConnector1">
+            <a:avLst/>
           </a:prstGeom>
           <a:ln w="28575">
             <a:solidFill>
@@ -13968,7 +13960,7 @@
         </p:nvSpPr>
         <p:spPr>
           <a:xfrm>
-            <a:off x="20020988" y="14060334"/>
+            <a:off x="19944788" y="14060334"/>
             <a:ext cx="2325050" cy="1077218"/>
           </a:xfrm>
           <a:prstGeom prst="rect">
@@ -14006,7 +13998,7 @@
         </p:nvSpPr>
         <p:spPr>
           <a:xfrm>
-            <a:off x="20114489" y="16695402"/>
+            <a:off x="19898742" y="16555894"/>
             <a:ext cx="2924778" cy="830997"/>
           </a:xfrm>
           <a:prstGeom prst="rect">

--- a/navigateFMRI/flowchart.pptx
+++ b/navigateFMRI/flowchart.pptx
@@ -209,7 +209,7 @@
           <a:p>
             <a:fld id="{0940D478-5DA4-9E48-A18E-691F19DD5404}" type="datetimeFigureOut">
               <a:rPr lang="en-US" smtClean="0"/>
-              <a:t>2/11/21</a:t>
+              <a:t>2/13/21</a:t>
             </a:fld>
             <a:endParaRPr lang="en-US"/>
           </a:p>
@@ -785,7 +785,7 @@
           <a:p>
             <a:fld id="{61C4A074-6837-7843-BEBA-2B882681BD94}" type="datetimeFigureOut">
               <a:rPr lang="en-US" smtClean="0"/>
-              <a:t>2/11/21</a:t>
+              <a:t>2/13/21</a:t>
             </a:fld>
             <a:endParaRPr lang="en-US"/>
           </a:p>
@@ -955,7 +955,7 @@
           <a:p>
             <a:fld id="{61C4A074-6837-7843-BEBA-2B882681BD94}" type="datetimeFigureOut">
               <a:rPr lang="en-US" smtClean="0"/>
-              <a:t>2/11/21</a:t>
+              <a:t>2/13/21</a:t>
             </a:fld>
             <a:endParaRPr lang="en-US"/>
           </a:p>
@@ -1135,7 +1135,7 @@
           <a:p>
             <a:fld id="{61C4A074-6837-7843-BEBA-2B882681BD94}" type="datetimeFigureOut">
               <a:rPr lang="en-US" smtClean="0"/>
-              <a:t>2/11/21</a:t>
+              <a:t>2/13/21</a:t>
             </a:fld>
             <a:endParaRPr lang="en-US"/>
           </a:p>
@@ -1305,7 +1305,7 @@
           <a:p>
             <a:fld id="{61C4A074-6837-7843-BEBA-2B882681BD94}" type="datetimeFigureOut">
               <a:rPr lang="en-US" smtClean="0"/>
-              <a:t>2/11/21</a:t>
+              <a:t>2/13/21</a:t>
             </a:fld>
             <a:endParaRPr lang="en-US"/>
           </a:p>
@@ -1551,7 +1551,7 @@
           <a:p>
             <a:fld id="{61C4A074-6837-7843-BEBA-2B882681BD94}" type="datetimeFigureOut">
               <a:rPr lang="en-US" smtClean="0"/>
-              <a:t>2/11/21</a:t>
+              <a:t>2/13/21</a:t>
             </a:fld>
             <a:endParaRPr lang="en-US"/>
           </a:p>
@@ -1783,7 +1783,7 @@
           <a:p>
             <a:fld id="{61C4A074-6837-7843-BEBA-2B882681BD94}" type="datetimeFigureOut">
               <a:rPr lang="en-US" smtClean="0"/>
-              <a:t>2/11/21</a:t>
+              <a:t>2/13/21</a:t>
             </a:fld>
             <a:endParaRPr lang="en-US"/>
           </a:p>
@@ -2150,7 +2150,7 @@
           <a:p>
             <a:fld id="{61C4A074-6837-7843-BEBA-2B882681BD94}" type="datetimeFigureOut">
               <a:rPr lang="en-US" smtClean="0"/>
-              <a:t>2/11/21</a:t>
+              <a:t>2/13/21</a:t>
             </a:fld>
             <a:endParaRPr lang="en-US"/>
           </a:p>
@@ -2268,7 +2268,7 @@
           <a:p>
             <a:fld id="{61C4A074-6837-7843-BEBA-2B882681BD94}" type="datetimeFigureOut">
               <a:rPr lang="en-US" smtClean="0"/>
-              <a:t>2/11/21</a:t>
+              <a:t>2/13/21</a:t>
             </a:fld>
             <a:endParaRPr lang="en-US"/>
           </a:p>
@@ -2363,7 +2363,7 @@
           <a:p>
             <a:fld id="{61C4A074-6837-7843-BEBA-2B882681BD94}" type="datetimeFigureOut">
               <a:rPr lang="en-US" smtClean="0"/>
-              <a:t>2/11/21</a:t>
+              <a:t>2/13/21</a:t>
             </a:fld>
             <a:endParaRPr lang="en-US"/>
           </a:p>
@@ -2640,7 +2640,7 @@
           <a:p>
             <a:fld id="{61C4A074-6837-7843-BEBA-2B882681BD94}" type="datetimeFigureOut">
               <a:rPr lang="en-US" smtClean="0"/>
-              <a:t>2/11/21</a:t>
+              <a:t>2/13/21</a:t>
             </a:fld>
             <a:endParaRPr lang="en-US"/>
           </a:p>
@@ -2897,7 +2897,7 @@
           <a:p>
             <a:fld id="{61C4A074-6837-7843-BEBA-2B882681BD94}" type="datetimeFigureOut">
               <a:rPr lang="en-US" smtClean="0"/>
-              <a:t>2/11/21</a:t>
+              <a:t>2/13/21</a:t>
             </a:fld>
             <a:endParaRPr lang="en-US"/>
           </a:p>
@@ -3110,7 +3110,7 @@
           <a:p>
             <a:fld id="{61C4A074-6837-7843-BEBA-2B882681BD94}" type="datetimeFigureOut">
               <a:rPr lang="en-US" smtClean="0"/>
-              <a:t>2/11/21</a:t>
+              <a:t>2/13/21</a:t>
             </a:fld>
             <a:endParaRPr lang="en-US"/>
           </a:p>
@@ -6666,6 +6666,66 @@
           <a:chExt cx="0" cy="0"/>
         </a:xfrm>
       </p:grpSpPr>
+      <p:sp>
+        <p:nvSpPr>
+          <p:cNvPr id="272" name="Rounded Rectangle 271">
+            <a:extLst>
+              <a:ext uri="{FF2B5EF4-FFF2-40B4-BE49-F238E27FC236}">
+                <a16:creationId xmlns:a16="http://schemas.microsoft.com/office/drawing/2014/main" id="{0E84452E-7552-0040-BFD4-E16FD46ED995}"/>
+              </a:ext>
+            </a:extLst>
+          </p:cNvPr>
+          <p:cNvSpPr/>
+          <p:nvPr/>
+        </p:nvSpPr>
+        <p:spPr>
+          <a:xfrm>
+            <a:off x="13893874" y="15903762"/>
+            <a:ext cx="2173744" cy="1021131"/>
+          </a:xfrm>
+          <a:prstGeom prst="roundRect">
+            <a:avLst/>
+          </a:prstGeom>
+          <a:solidFill>
+            <a:schemeClr val="bg1"/>
+          </a:solidFill>
+          <a:ln w="38100">
+            <a:solidFill>
+              <a:schemeClr val="tx1"/>
+            </a:solidFill>
+          </a:ln>
+        </p:spPr>
+        <p:txBody>
+          <a:bodyPr wrap="square">
+            <a:spAutoFit/>
+          </a:bodyPr>
+          <a:lstStyle/>
+          <a:p>
+            <a:pPr algn="ctr"/>
+            <a:r>
+              <a:rPr lang="en-US" sz="1799" dirty="0">
+                <a:latin typeface="Helvetica" pitchFamily="2" charset="0"/>
+              </a:rPr>
+              <a:t>Functional connectivity</a:t>
+            </a:r>
+          </a:p>
+          <a:p>
+            <a:pPr algn="ctr"/>
+            <a:r>
+              <a:rPr lang="en-US" sz="1799" dirty="0">
+                <a:solidFill>
+                  <a:srgbClr val="FF3F3F"/>
+                </a:solidFill>
+                <a:latin typeface="Helvetica" pitchFamily="2" charset="0"/>
+              </a:rPr>
+              <a:t>#fc</a:t>
+            </a:r>
+            <a:endParaRPr lang="en-US" sz="1799" dirty="0">
+              <a:latin typeface="Helvetica" pitchFamily="2" charset="0"/>
+            </a:endParaRPr>
+          </a:p>
+        </p:txBody>
+      </p:sp>
       <p:cxnSp>
         <p:nvCxnSpPr>
           <p:cNvPr id="514" name="Curved Connector 513">
@@ -6743,7 +6803,7 @@
           </a:prstGeom>
           <a:ln w="28575">
             <a:solidFill>
-              <a:srgbClr val="AB7942"/>
+              <a:srgbClr val="A97FFF"/>
             </a:solidFill>
             <a:headEnd type="oval" w="lg" len="lg"/>
             <a:tailEnd type="triangle" w="lg" len="lg"/>
@@ -7076,25 +7136,25 @@
           </p:cNvPr>
           <p:cNvCxnSpPr>
             <a:cxnSpLocks/>
-            <a:stCxn id="272" idx="3"/>
             <a:endCxn id="228" idx="1"/>
           </p:cNvCxnSpPr>
           <p:nvPr/>
         </p:nvCxnSpPr>
         <p:spPr>
           <a:xfrm flipV="1">
-            <a:off x="16067618" y="13396128"/>
-            <a:ext cx="3030130" cy="3018200"/>
+            <a:off x="16060763" y="13396128"/>
+            <a:ext cx="3036985" cy="2780165"/>
           </a:xfrm>
           <a:prstGeom prst="curvedConnector3">
             <a:avLst>
-              <a:gd name="adj1" fmla="val 50000"/>
+              <a:gd name="adj1" fmla="val 14008"/>
             </a:avLst>
           </a:prstGeom>
           <a:ln w="28575">
             <a:solidFill>
               <a:srgbClr val="A97FFF"/>
             </a:solidFill>
+            <a:headEnd type="oval" w="lg" len="lg"/>
             <a:tailEnd type="triangle" w="lg" len="lg"/>
           </a:ln>
         </p:spPr>
@@ -9608,66 +9668,6 @@
       </p:cxnSp>
       <p:sp>
         <p:nvSpPr>
-          <p:cNvPr id="272" name="Rounded Rectangle 271">
-            <a:extLst>
-              <a:ext uri="{FF2B5EF4-FFF2-40B4-BE49-F238E27FC236}">
-                <a16:creationId xmlns:a16="http://schemas.microsoft.com/office/drawing/2014/main" id="{0E84452E-7552-0040-BFD4-E16FD46ED995}"/>
-              </a:ext>
-            </a:extLst>
-          </p:cNvPr>
-          <p:cNvSpPr/>
-          <p:nvPr/>
-        </p:nvSpPr>
-        <p:spPr>
-          <a:xfrm>
-            <a:off x="13893874" y="15903762"/>
-            <a:ext cx="2173744" cy="1021131"/>
-          </a:xfrm>
-          <a:prstGeom prst="roundRect">
-            <a:avLst/>
-          </a:prstGeom>
-          <a:solidFill>
-            <a:schemeClr val="bg1"/>
-          </a:solidFill>
-          <a:ln w="38100">
-            <a:solidFill>
-              <a:schemeClr val="tx1"/>
-            </a:solidFill>
-          </a:ln>
-        </p:spPr>
-        <p:txBody>
-          <a:bodyPr wrap="square">
-            <a:spAutoFit/>
-          </a:bodyPr>
-          <a:lstStyle/>
-          <a:p>
-            <a:pPr algn="ctr"/>
-            <a:r>
-              <a:rPr lang="en-US" sz="1799" dirty="0">
-                <a:latin typeface="Helvetica" pitchFamily="2" charset="0"/>
-              </a:rPr>
-              <a:t>Functional connectivity</a:t>
-            </a:r>
-          </a:p>
-          <a:p>
-            <a:pPr algn="ctr"/>
-            <a:r>
-              <a:rPr lang="en-US" sz="1799" dirty="0">
-                <a:solidFill>
-                  <a:srgbClr val="FF3F3F"/>
-                </a:solidFill>
-                <a:latin typeface="Helvetica" pitchFamily="2" charset="0"/>
-              </a:rPr>
-              <a:t>#fc</a:t>
-            </a:r>
-            <a:endParaRPr lang="en-US" sz="1799" dirty="0">
-              <a:latin typeface="Helvetica" pitchFamily="2" charset="0"/>
-            </a:endParaRPr>
-          </a:p>
-        </p:txBody>
-      </p:sp>
-      <p:sp>
-        <p:nvSpPr>
           <p:cNvPr id="273" name="Rectangle 272">
             <a:extLst>
               <a:ext uri="{FF2B5EF4-FFF2-40B4-BE49-F238E27FC236}">
@@ -14136,6 +14136,98 @@
           </a:p>
         </p:txBody>
       </p:sp>
+      <p:cxnSp>
+        <p:nvCxnSpPr>
+          <p:cNvPr id="147" name="Curved Connector 146">
+            <a:extLst>
+              <a:ext uri="{FF2B5EF4-FFF2-40B4-BE49-F238E27FC236}">
+                <a16:creationId xmlns:a16="http://schemas.microsoft.com/office/drawing/2014/main" id="{777BB002-3CDA-A446-B3B1-0D6C6495D5AC}"/>
+              </a:ext>
+            </a:extLst>
+          </p:cNvPr>
+          <p:cNvCxnSpPr>
+            <a:cxnSpLocks/>
+          </p:cNvCxnSpPr>
+          <p:nvPr/>
+        </p:nvCxnSpPr>
+        <p:spPr>
+          <a:xfrm flipV="1">
+            <a:off x="16057738" y="16183608"/>
+            <a:ext cx="604612" cy="387886"/>
+          </a:xfrm>
+          <a:prstGeom prst="curvedConnector3">
+            <a:avLst>
+              <a:gd name="adj1" fmla="val 50000"/>
+            </a:avLst>
+          </a:prstGeom>
+          <a:ln w="28575">
+            <a:solidFill>
+              <a:srgbClr val="A97FFF"/>
+            </a:solidFill>
+            <a:headEnd type="oval" w="lg" len="lg"/>
+            <a:tailEnd type="triangle" w="lg" len="lg"/>
+          </a:ln>
+        </p:spPr>
+        <p:style>
+          <a:lnRef idx="1">
+            <a:schemeClr val="accent1"/>
+          </a:lnRef>
+          <a:fillRef idx="0">
+            <a:schemeClr val="accent1"/>
+          </a:fillRef>
+          <a:effectRef idx="0">
+            <a:schemeClr val="accent1"/>
+          </a:effectRef>
+          <a:fontRef idx="minor">
+            <a:schemeClr val="tx1"/>
+          </a:fontRef>
+        </p:style>
+      </p:cxnSp>
+      <p:cxnSp>
+        <p:nvCxnSpPr>
+          <p:cNvPr id="150" name="Curved Connector 349">
+            <a:extLst>
+              <a:ext uri="{FF2B5EF4-FFF2-40B4-BE49-F238E27FC236}">
+                <a16:creationId xmlns:a16="http://schemas.microsoft.com/office/drawing/2014/main" id="{AA387A32-7E35-6F44-97CB-B78172320711}"/>
+              </a:ext>
+            </a:extLst>
+          </p:cNvPr>
+          <p:cNvCxnSpPr>
+            <a:cxnSpLocks/>
+          </p:cNvCxnSpPr>
+          <p:nvPr/>
+        </p:nvCxnSpPr>
+        <p:spPr>
+          <a:xfrm flipV="1">
+            <a:off x="18664053" y="16217218"/>
+            <a:ext cx="714856" cy="166"/>
+          </a:xfrm>
+          <a:prstGeom prst="straightConnector1">
+            <a:avLst/>
+          </a:prstGeom>
+          <a:ln w="28575">
+            <a:solidFill>
+              <a:srgbClr val="A97FFF"/>
+            </a:solidFill>
+            <a:headEnd type="oval" w="lg" len="lg"/>
+            <a:tailEnd type="triangle" w="lg" len="lg"/>
+          </a:ln>
+        </p:spPr>
+        <p:style>
+          <a:lnRef idx="1">
+            <a:schemeClr val="accent1"/>
+          </a:lnRef>
+          <a:fillRef idx="0">
+            <a:schemeClr val="accent1"/>
+          </a:fillRef>
+          <a:effectRef idx="0">
+            <a:schemeClr val="accent1"/>
+          </a:effectRef>
+          <a:fontRef idx="minor">
+            <a:schemeClr val="tx1"/>
+          </a:fontRef>
+        </p:style>
+      </p:cxnSp>
     </p:spTree>
     <p:extLst>
       <p:ext uri="{BB962C8B-B14F-4D97-AF65-F5344CB8AC3E}">

--- a/navigateFMRI/flowchart.pptx
+++ b/navigateFMRI/flowchart.pptx
@@ -209,7 +209,7 @@
           <a:p>
             <a:fld id="{0940D478-5DA4-9E48-A18E-691F19DD5404}" type="datetimeFigureOut">
               <a:rPr lang="en-US" smtClean="0"/>
-              <a:t>2/13/21</a:t>
+              <a:t>2/15/21</a:t>
             </a:fld>
             <a:endParaRPr lang="en-US"/>
           </a:p>
@@ -785,7 +785,7 @@
           <a:p>
             <a:fld id="{61C4A074-6837-7843-BEBA-2B882681BD94}" type="datetimeFigureOut">
               <a:rPr lang="en-US" smtClean="0"/>
-              <a:t>2/13/21</a:t>
+              <a:t>2/15/21</a:t>
             </a:fld>
             <a:endParaRPr lang="en-US"/>
           </a:p>
@@ -955,7 +955,7 @@
           <a:p>
             <a:fld id="{61C4A074-6837-7843-BEBA-2B882681BD94}" type="datetimeFigureOut">
               <a:rPr lang="en-US" smtClean="0"/>
-              <a:t>2/13/21</a:t>
+              <a:t>2/15/21</a:t>
             </a:fld>
             <a:endParaRPr lang="en-US"/>
           </a:p>
@@ -1135,7 +1135,7 @@
           <a:p>
             <a:fld id="{61C4A074-6837-7843-BEBA-2B882681BD94}" type="datetimeFigureOut">
               <a:rPr lang="en-US" smtClean="0"/>
-              <a:t>2/13/21</a:t>
+              <a:t>2/15/21</a:t>
             </a:fld>
             <a:endParaRPr lang="en-US"/>
           </a:p>
@@ -1305,7 +1305,7 @@
           <a:p>
             <a:fld id="{61C4A074-6837-7843-BEBA-2B882681BD94}" type="datetimeFigureOut">
               <a:rPr lang="en-US" smtClean="0"/>
-              <a:t>2/13/21</a:t>
+              <a:t>2/15/21</a:t>
             </a:fld>
             <a:endParaRPr lang="en-US"/>
           </a:p>
@@ -1551,7 +1551,7 @@
           <a:p>
             <a:fld id="{61C4A074-6837-7843-BEBA-2B882681BD94}" type="datetimeFigureOut">
               <a:rPr lang="en-US" smtClean="0"/>
-              <a:t>2/13/21</a:t>
+              <a:t>2/15/21</a:t>
             </a:fld>
             <a:endParaRPr lang="en-US"/>
           </a:p>
@@ -1783,7 +1783,7 @@
           <a:p>
             <a:fld id="{61C4A074-6837-7843-BEBA-2B882681BD94}" type="datetimeFigureOut">
               <a:rPr lang="en-US" smtClean="0"/>
-              <a:t>2/13/21</a:t>
+              <a:t>2/15/21</a:t>
             </a:fld>
             <a:endParaRPr lang="en-US"/>
           </a:p>
@@ -2150,7 +2150,7 @@
           <a:p>
             <a:fld id="{61C4A074-6837-7843-BEBA-2B882681BD94}" type="datetimeFigureOut">
               <a:rPr lang="en-US" smtClean="0"/>
-              <a:t>2/13/21</a:t>
+              <a:t>2/15/21</a:t>
             </a:fld>
             <a:endParaRPr lang="en-US"/>
           </a:p>
@@ -2268,7 +2268,7 @@
           <a:p>
             <a:fld id="{61C4A074-6837-7843-BEBA-2B882681BD94}" type="datetimeFigureOut">
               <a:rPr lang="en-US" smtClean="0"/>
-              <a:t>2/13/21</a:t>
+              <a:t>2/15/21</a:t>
             </a:fld>
             <a:endParaRPr lang="en-US"/>
           </a:p>
@@ -2363,7 +2363,7 @@
           <a:p>
             <a:fld id="{61C4A074-6837-7843-BEBA-2B882681BD94}" type="datetimeFigureOut">
               <a:rPr lang="en-US" smtClean="0"/>
-              <a:t>2/13/21</a:t>
+              <a:t>2/15/21</a:t>
             </a:fld>
             <a:endParaRPr lang="en-US"/>
           </a:p>
@@ -2640,7 +2640,7 @@
           <a:p>
             <a:fld id="{61C4A074-6837-7843-BEBA-2B882681BD94}" type="datetimeFigureOut">
               <a:rPr lang="en-US" smtClean="0"/>
-              <a:t>2/13/21</a:t>
+              <a:t>2/15/21</a:t>
             </a:fld>
             <a:endParaRPr lang="en-US"/>
           </a:p>
@@ -2897,7 +2897,7 @@
           <a:p>
             <a:fld id="{61C4A074-6837-7843-BEBA-2B882681BD94}" type="datetimeFigureOut">
               <a:rPr lang="en-US" smtClean="0"/>
-              <a:t>2/13/21</a:t>
+              <a:t>2/15/21</a:t>
             </a:fld>
             <a:endParaRPr lang="en-US"/>
           </a:p>
@@ -3110,7 +3110,7 @@
           <a:p>
             <a:fld id="{61C4A074-6837-7843-BEBA-2B882681BD94}" type="datetimeFigureOut">
               <a:rPr lang="en-US" smtClean="0"/>
-              <a:t>2/13/21</a:t>
+              <a:t>2/15/21</a:t>
             </a:fld>
             <a:endParaRPr lang="en-US"/>
           </a:p>
@@ -6720,9 +6720,6 @@
               </a:rPr>
               <a:t>#fc</a:t>
             </a:r>
-            <a:endParaRPr lang="en-US" sz="1799" dirty="0">
-              <a:latin typeface="Helvetica" pitchFamily="2" charset="0"/>
-            </a:endParaRPr>
           </a:p>
         </p:txBody>
       </p:sp>
@@ -6925,9 +6922,6 @@
               </a:rPr>
               <a:t>#searchlight</a:t>
             </a:r>
-            <a:endParaRPr lang="en-US" sz="1799" dirty="0">
-              <a:latin typeface="Helvetica" pitchFamily="2" charset="0"/>
-            </a:endParaRPr>
           </a:p>
         </p:txBody>
       </p:sp>
@@ -6992,17 +6986,18 @@
           <p:cNvCxnSpPr>
             <a:cxnSpLocks/>
             <a:stCxn id="513" idx="3"/>
+            <a:endCxn id="679" idx="1"/>
           </p:cNvCxnSpPr>
           <p:nvPr/>
         </p:nvCxnSpPr>
         <p:spPr>
           <a:xfrm>
-            <a:off x="15309983" y="5699448"/>
-            <a:ext cx="9177519" cy="7274011"/>
+            <a:off x="15309976" y="5699441"/>
+            <a:ext cx="8427995" cy="7373965"/>
           </a:xfrm>
           <a:prstGeom prst="curvedConnector3">
             <a:avLst>
-              <a:gd name="adj1" fmla="val 3187"/>
+              <a:gd name="adj1" fmla="val 3709"/>
             </a:avLst>
           </a:prstGeom>
           <a:ln w="28575">
@@ -8235,9 +8230,12 @@
                 </a:solidFill>
                 <a:latin typeface="Helvetica" pitchFamily="2" charset="0"/>
               </a:rPr>
-              <a:t>rs</a:t>
+              <a:t>rsa</a:t>
             </a:r>
             <a:endParaRPr lang="en-US" sz="1799" dirty="0">
+              <a:solidFill>
+                <a:srgbClr val="FF3F3F"/>
+              </a:solidFill>
               <a:latin typeface="Helvetica" pitchFamily="2" charset="0"/>
             </a:endParaRPr>
           </a:p>
@@ -8964,6 +8962,9 @@
               <a:t>mvpa_correlation</a:t>
             </a:r>
             <a:endParaRPr lang="en-US" sz="1799" dirty="0">
+              <a:solidFill>
+                <a:srgbClr val="FF3F3F"/>
+              </a:solidFill>
               <a:latin typeface="Helvetica" pitchFamily="2" charset="0"/>
             </a:endParaRPr>
           </a:p>
@@ -9082,6 +9083,9 @@
               <a:t>mvpc</a:t>
             </a:r>
             <a:endParaRPr lang="en-US" sz="1799" dirty="0">
+              <a:solidFill>
+                <a:srgbClr val="FF3F3F"/>
+              </a:solidFill>
               <a:latin typeface="Helvetica" pitchFamily="2" charset="0"/>
             </a:endParaRPr>
           </a:p>
@@ -9105,8 +9109,8 @@
         </p:nvCxnSpPr>
         <p:spPr>
           <a:xfrm rot="5400000">
-            <a:off x="19770991" y="7594525"/>
-            <a:ext cx="396196" cy="1742677"/>
+            <a:off x="19770994" y="7594521"/>
+            <a:ext cx="396196" cy="1742684"/>
           </a:xfrm>
           <a:prstGeom prst="curvedConnector3">
             <a:avLst>
@@ -10527,6 +10531,9 @@
               <a:t>graph_theory</a:t>
             </a:r>
             <a:endParaRPr lang="en-US" sz="1799" dirty="0">
+              <a:solidFill>
+                <a:srgbClr val="FF3F3F"/>
+              </a:solidFill>
               <a:latin typeface="Helvetica" pitchFamily="2" charset="0"/>
             </a:endParaRPr>
           </a:p>
@@ -10948,6 +10955,9 @@
               <a:t>rsa</a:t>
             </a:r>
             <a:endParaRPr lang="en-US" sz="1799" dirty="0">
+              <a:solidFill>
+                <a:srgbClr val="FF3F3F"/>
+              </a:solidFill>
               <a:latin typeface="Helvetica" pitchFamily="2" charset="0"/>
             </a:endParaRPr>
           </a:p>
@@ -11079,9 +11089,6 @@
               </a:rPr>
               <a:t>#rsa2</a:t>
             </a:r>
-            <a:endParaRPr lang="en-US" sz="1799" dirty="0">
-              <a:latin typeface="Helvetica" pitchFamily="2" charset="0"/>
-            </a:endParaRPr>
           </a:p>
         </p:txBody>
       </p:sp>
@@ -11234,6 +11241,9 @@
               <a:t>dimensionality_reduction</a:t>
             </a:r>
             <a:endParaRPr lang="en-US" sz="1799" dirty="0">
+              <a:solidFill>
+                <a:srgbClr val="FF3F3F"/>
+              </a:solidFill>
               <a:latin typeface="Helvetica" pitchFamily="2" charset="0"/>
             </a:endParaRPr>
           </a:p>
@@ -11341,7 +11351,7 @@
         <p:spPr>
           <a:xfrm>
             <a:off x="18321591" y="5312135"/>
-            <a:ext cx="910989" cy="714806"/>
+            <a:ext cx="910989" cy="408481"/>
           </a:xfrm>
           <a:prstGeom prst="roundRect">
             <a:avLst/>
@@ -11369,30 +11379,6 @@
               <a:t>PCA</a:t>
             </a:r>
           </a:p>
-          <a:p>
-            <a:pPr algn="ctr"/>
-            <a:r>
-              <a:rPr lang="en-US" sz="1799" dirty="0">
-                <a:solidFill>
-                  <a:srgbClr val="FF3F3F"/>
-                </a:solidFill>
-                <a:latin typeface="Helvetica" pitchFamily="2" charset="0"/>
-              </a:rPr>
-              <a:t>#</a:t>
-            </a:r>
-            <a:r>
-              <a:rPr lang="en-US" sz="1799" dirty="0" err="1">
-                <a:solidFill>
-                  <a:srgbClr val="FF3F3F"/>
-                </a:solidFill>
-                <a:latin typeface="Helvetica" pitchFamily="2" charset="0"/>
-              </a:rPr>
-              <a:t>pca</a:t>
-            </a:r>
-            <a:endParaRPr lang="en-US" sz="1799" dirty="0">
-              <a:latin typeface="Helvetica" pitchFamily="2" charset="0"/>
-            </a:endParaRPr>
-          </a:p>
         </p:txBody>
       </p:sp>
       <p:sp>
@@ -11410,7 +11396,7 @@
         <p:spPr>
           <a:xfrm>
             <a:off x="19276786" y="5316023"/>
-            <a:ext cx="910989" cy="714806"/>
+            <a:ext cx="910989" cy="408481"/>
           </a:xfrm>
           <a:prstGeom prst="roundRect">
             <a:avLst/>
@@ -11438,30 +11424,6 @@
               <a:t>ICA</a:t>
             </a:r>
           </a:p>
-          <a:p>
-            <a:pPr algn="ctr"/>
-            <a:r>
-              <a:rPr lang="en-US" sz="1799" dirty="0">
-                <a:solidFill>
-                  <a:srgbClr val="FF3F3F"/>
-                </a:solidFill>
-                <a:latin typeface="Helvetica" pitchFamily="2" charset="0"/>
-              </a:rPr>
-              <a:t>#</a:t>
-            </a:r>
-            <a:r>
-              <a:rPr lang="en-US" sz="1799" dirty="0" err="1">
-                <a:solidFill>
-                  <a:srgbClr val="FF3F3F"/>
-                </a:solidFill>
-                <a:latin typeface="Helvetica" pitchFamily="2" charset="0"/>
-              </a:rPr>
-              <a:t>ica</a:t>
-            </a:r>
-            <a:endParaRPr lang="en-US" sz="1799" dirty="0">
-              <a:latin typeface="Helvetica" pitchFamily="2" charset="0"/>
-            </a:endParaRPr>
-          </a:p>
         </p:txBody>
       </p:sp>
       <p:sp>
@@ -11478,8 +11440,8 @@
         </p:nvSpPr>
         <p:spPr>
           <a:xfrm>
-            <a:off x="19276786" y="6074460"/>
-            <a:ext cx="910989" cy="714806"/>
+            <a:off x="19276786" y="5774567"/>
+            <a:ext cx="910989" cy="408481"/>
           </a:xfrm>
           <a:prstGeom prst="roundRect">
             <a:avLst/>
@@ -11507,30 +11469,6 @@
               <a:t>LDA</a:t>
             </a:r>
           </a:p>
-          <a:p>
-            <a:pPr algn="ctr"/>
-            <a:r>
-              <a:rPr lang="en-US" sz="1799" dirty="0">
-                <a:solidFill>
-                  <a:srgbClr val="FF3F3F"/>
-                </a:solidFill>
-                <a:latin typeface="Helvetica" pitchFamily="2" charset="0"/>
-              </a:rPr>
-              <a:t>#</a:t>
-            </a:r>
-            <a:r>
-              <a:rPr lang="en-US" sz="1799" dirty="0" err="1">
-                <a:solidFill>
-                  <a:srgbClr val="FF3F3F"/>
-                </a:solidFill>
-                <a:latin typeface="Helvetica" pitchFamily="2" charset="0"/>
-              </a:rPr>
-              <a:t>lda</a:t>
-            </a:r>
-            <a:endParaRPr lang="en-US" sz="1799" dirty="0">
-              <a:latin typeface="Helvetica" pitchFamily="2" charset="0"/>
-            </a:endParaRPr>
-          </a:p>
         </p:txBody>
       </p:sp>
       <p:cxnSp>
@@ -11555,8 +11493,8 @@
           </a:xfrm>
           <a:prstGeom prst="curvedConnector4">
             <a:avLst>
-              <a:gd name="adj1" fmla="val -513327"/>
-              <a:gd name="adj2" fmla="val 91385"/>
+              <a:gd name="adj1" fmla="val -138517"/>
+              <a:gd name="adj2" fmla="val 65585"/>
             </a:avLst>
           </a:prstGeom>
           <a:ln w="28575">
@@ -11954,76 +11892,29 @@
           </a:p>
         </p:txBody>
       </p:sp>
-      <p:sp>
-        <p:nvSpPr>
-          <p:cNvPr id="664" name="Rounded Rectangle 663">
-            <a:extLst>
-              <a:ext uri="{FF2B5EF4-FFF2-40B4-BE49-F238E27FC236}">
-                <a16:creationId xmlns:a16="http://schemas.microsoft.com/office/drawing/2014/main" id="{6AC62CEF-5323-E745-A86F-7E6AF43B6EEF}"/>
-              </a:ext>
-            </a:extLst>
-          </p:cNvPr>
-          <p:cNvSpPr/>
-          <p:nvPr/>
-        </p:nvSpPr>
-        <p:spPr>
-          <a:xfrm>
-            <a:off x="22539475" y="13676314"/>
-            <a:ext cx="1540317" cy="1021131"/>
-          </a:xfrm>
-          <a:prstGeom prst="roundRect">
-            <a:avLst/>
-          </a:prstGeom>
-          <a:solidFill>
-            <a:schemeClr val="bg1"/>
-          </a:solidFill>
-          <a:ln w="38100">
-            <a:solidFill>
-              <a:srgbClr val="7FD5FF"/>
-            </a:solidFill>
-          </a:ln>
-        </p:spPr>
-        <p:txBody>
-          <a:bodyPr wrap="square">
-            <a:spAutoFit/>
-          </a:bodyPr>
-          <a:lstStyle/>
-          <a:p>
-            <a:pPr algn="ctr"/>
-            <a:r>
-              <a:rPr lang="en-US" sz="1799" dirty="0">
-                <a:latin typeface="Helvetica" pitchFamily="2" charset="0"/>
-              </a:rPr>
-              <a:t>Need more control over the model?</a:t>
-            </a:r>
-          </a:p>
-        </p:txBody>
-      </p:sp>
       <p:cxnSp>
         <p:nvCxnSpPr>
-          <p:cNvPr id="665" name="Curved Connector 505">
-            <a:extLst>
-              <a:ext uri="{FF2B5EF4-FFF2-40B4-BE49-F238E27FC236}">
-                <a16:creationId xmlns:a16="http://schemas.microsoft.com/office/drawing/2014/main" id="{2A83695A-3632-F24E-81A2-BF26F9A4793F}"/>
+          <p:cNvPr id="668" name="Curved Connector 505">
+            <a:extLst>
+              <a:ext uri="{FF2B5EF4-FFF2-40B4-BE49-F238E27FC236}">
+                <a16:creationId xmlns:a16="http://schemas.microsoft.com/office/drawing/2014/main" id="{EE924519-9865-F545-A27A-AB6163FC256C}"/>
               </a:ext>
             </a:extLst>
           </p:cNvPr>
           <p:cNvCxnSpPr>
             <a:cxnSpLocks/>
             <a:stCxn id="511" idx="3"/>
-            <a:endCxn id="673" idx="1"/>
+            <a:endCxn id="719" idx="0"/>
           </p:cNvCxnSpPr>
           <p:nvPr/>
         </p:nvCxnSpPr>
         <p:spPr>
-          <a:xfrm flipV="1">
-            <a:off x="22978088" y="10205508"/>
-            <a:ext cx="650119" cy="2070472"/>
-          </a:xfrm>
-          <a:prstGeom prst="curvedConnector3">
-            <a:avLst>
-              <a:gd name="adj1" fmla="val 50000"/>
-            </a:avLst>
+          <a:xfrm>
+            <a:off x="22978088" y="12275980"/>
+            <a:ext cx="5814168" cy="718950"/>
+          </a:xfrm>
+          <a:prstGeom prst="curvedConnector2">
+            <a:avLst/>
           </a:prstGeom>
           <a:ln w="28575">
             <a:solidFill>
@@ -12048,59 +11939,12 @@
           </a:fontRef>
         </p:style>
       </p:cxnSp>
-      <p:cxnSp>
-        <p:nvCxnSpPr>
-          <p:cNvPr id="668" name="Curved Connector 505">
-            <a:extLst>
-              <a:ext uri="{FF2B5EF4-FFF2-40B4-BE49-F238E27FC236}">
-                <a16:creationId xmlns:a16="http://schemas.microsoft.com/office/drawing/2014/main" id="{EE924519-9865-F545-A27A-AB6163FC256C}"/>
-              </a:ext>
-            </a:extLst>
-          </p:cNvPr>
-          <p:cNvCxnSpPr>
-            <a:cxnSpLocks/>
-            <a:stCxn id="511" idx="3"/>
-            <a:endCxn id="664" idx="0"/>
-          </p:cNvCxnSpPr>
-          <p:nvPr/>
-        </p:nvCxnSpPr>
-        <p:spPr>
-          <a:xfrm>
-            <a:off x="22978088" y="12275980"/>
-            <a:ext cx="331546" cy="1400334"/>
-          </a:xfrm>
-          <a:prstGeom prst="straightConnector1">
-            <a:avLst/>
-          </a:prstGeom>
-          <a:ln w="28575">
-            <a:solidFill>
-              <a:srgbClr val="7FD5FF"/>
-            </a:solidFill>
-            <a:headEnd type="oval" w="lg" len="lg"/>
-            <a:tailEnd type="triangle" w="lg" len="lg"/>
-          </a:ln>
-        </p:spPr>
-        <p:style>
-          <a:lnRef idx="1">
-            <a:schemeClr val="accent1"/>
-          </a:lnRef>
-          <a:fillRef idx="0">
-            <a:schemeClr val="accent1"/>
-          </a:fillRef>
-          <a:effectRef idx="0">
-            <a:schemeClr val="accent1"/>
-          </a:effectRef>
-          <a:fontRef idx="minor">
-            <a:schemeClr val="tx1"/>
-          </a:fontRef>
-        </p:style>
-      </p:cxnSp>
-      <p:sp>
-        <p:nvSpPr>
-          <p:cNvPr id="673" name="Rounded Rectangle 672">
-            <a:extLst>
-              <a:ext uri="{FF2B5EF4-FFF2-40B4-BE49-F238E27FC236}">
-                <a16:creationId xmlns:a16="http://schemas.microsoft.com/office/drawing/2014/main" id="{B02155E7-D7D7-5149-9800-579F6892674F}"/>
+      <p:sp>
+        <p:nvSpPr>
+          <p:cNvPr id="679" name="Rounded Rectangle 678">
+            <a:extLst>
+              <a:ext uri="{FF2B5EF4-FFF2-40B4-BE49-F238E27FC236}">
+                <a16:creationId xmlns:a16="http://schemas.microsoft.com/office/drawing/2014/main" id="{26644819-F4BE-0B43-BE10-50BDB076C285}"/>
               </a:ext>
             </a:extLst>
           </p:cNvPr>
@@ -12109,8 +11953,8 @@
         </p:nvSpPr>
         <p:spPr>
           <a:xfrm>
-            <a:off x="23628207" y="9694942"/>
-            <a:ext cx="2011840" cy="1021131"/>
+            <a:off x="23737971" y="12716003"/>
+            <a:ext cx="3152386" cy="714806"/>
           </a:xfrm>
           <a:prstGeom prst="roundRect">
             <a:avLst/>
@@ -12135,7 +11979,7 @@
               <a:rPr lang="en-US" sz="1799" dirty="0">
                 <a:latin typeface="Helvetica" pitchFamily="2" charset="0"/>
               </a:rPr>
-              <a:t>Inverted encoding model</a:t>
+              <a:t>Encoding &amp; decoding model</a:t>
             </a:r>
           </a:p>
           <a:p>
@@ -12156,78 +12000,12 @@
                 </a:solidFill>
                 <a:latin typeface="Helvetica" pitchFamily="2" charset="0"/>
               </a:rPr>
-              <a:t>iem</a:t>
+              <a:t>encoding_decoding</a:t>
             </a:r>
             <a:endParaRPr lang="en-US" sz="1799" dirty="0">
-              <a:latin typeface="Helvetica" pitchFamily="2" charset="0"/>
-            </a:endParaRPr>
-          </a:p>
-        </p:txBody>
-      </p:sp>
-      <p:sp>
-        <p:nvSpPr>
-          <p:cNvPr id="679" name="Rounded Rectangle 678">
-            <a:extLst>
-              <a:ext uri="{FF2B5EF4-FFF2-40B4-BE49-F238E27FC236}">
-                <a16:creationId xmlns:a16="http://schemas.microsoft.com/office/drawing/2014/main" id="{26644819-F4BE-0B43-BE10-50BDB076C285}"/>
-              </a:ext>
-            </a:extLst>
-          </p:cNvPr>
-          <p:cNvSpPr/>
-          <p:nvPr/>
-        </p:nvSpPr>
-        <p:spPr>
-          <a:xfrm>
-            <a:off x="24517521" y="12751101"/>
-            <a:ext cx="3152386" cy="714806"/>
-          </a:xfrm>
-          <a:prstGeom prst="roundRect">
-            <a:avLst/>
-          </a:prstGeom>
-          <a:solidFill>
-            <a:schemeClr val="bg1"/>
-          </a:solidFill>
-          <a:ln w="38100">
-            <a:solidFill>
-              <a:schemeClr val="tx1"/>
-            </a:solidFill>
-          </a:ln>
-        </p:spPr>
-        <p:txBody>
-          <a:bodyPr wrap="square">
-            <a:spAutoFit/>
-          </a:bodyPr>
-          <a:lstStyle/>
-          <a:p>
-            <a:pPr algn="ctr"/>
-            <a:r>
-              <a:rPr lang="en-US" sz="1799" dirty="0">
-                <a:latin typeface="Helvetica" pitchFamily="2" charset="0"/>
-              </a:rPr>
-              <a:t>Encoding &amp; decoding model</a:t>
-            </a:r>
-          </a:p>
-          <a:p>
-            <a:pPr algn="ctr"/>
-            <a:r>
-              <a:rPr lang="en-US" sz="1799" dirty="0">
-                <a:solidFill>
-                  <a:srgbClr val="FF3F3F"/>
-                </a:solidFill>
-                <a:latin typeface="Helvetica" pitchFamily="2" charset="0"/>
-              </a:rPr>
-              <a:t>#</a:t>
-            </a:r>
-            <a:r>
-              <a:rPr lang="en-US" sz="1799" dirty="0" err="1">
-                <a:solidFill>
-                  <a:srgbClr val="FF3F3F"/>
-                </a:solidFill>
-                <a:latin typeface="Helvetica" pitchFamily="2" charset="0"/>
-              </a:rPr>
-              <a:t>encoding_decoding</a:t>
-            </a:r>
-            <a:endParaRPr lang="en-US" sz="1799" dirty="0">
+              <a:solidFill>
+                <a:srgbClr val="FF3F3F"/>
+              </a:solidFill>
               <a:latin typeface="Helvetica" pitchFamily="2" charset="0"/>
             </a:endParaRPr>
           </a:p>
@@ -12292,15 +12070,14 @@
           </p:cNvPr>
           <p:cNvCxnSpPr>
             <a:cxnSpLocks/>
-            <a:stCxn id="664" idx="3"/>
-            <a:endCxn id="679" idx="1"/>
+            <a:stCxn id="511" idx="3"/>
           </p:cNvCxnSpPr>
           <p:nvPr/>
         </p:nvCxnSpPr>
         <p:spPr>
-          <a:xfrm flipV="1">
-            <a:off x="24079792" y="13108504"/>
-            <a:ext cx="437729" cy="1078376"/>
+          <a:xfrm>
+            <a:off x="22978088" y="12275980"/>
+            <a:ext cx="729521" cy="589781"/>
           </a:xfrm>
           <a:prstGeom prst="straightConnector1">
             <a:avLst/>
@@ -12330,10 +12107,10 @@
       </p:cxnSp>
       <p:sp>
         <p:nvSpPr>
-          <p:cNvPr id="691" name="Rectangle 690">
-            <a:extLst>
-              <a:ext uri="{FF2B5EF4-FFF2-40B4-BE49-F238E27FC236}">
-                <a16:creationId xmlns:a16="http://schemas.microsoft.com/office/drawing/2014/main" id="{DE625752-E101-7640-8181-E88003008742}"/>
+          <p:cNvPr id="692" name="Rectangle 691">
+            <a:extLst>
+              <a:ext uri="{FF2B5EF4-FFF2-40B4-BE49-F238E27FC236}">
+                <a16:creationId xmlns:a16="http://schemas.microsoft.com/office/drawing/2014/main" id="{EDE75531-F1FB-164C-ACE3-73F562051C0C}"/>
               </a:ext>
             </a:extLst>
           </p:cNvPr>
@@ -12342,8 +12119,8 @@
         </p:nvSpPr>
         <p:spPr>
           <a:xfrm>
-            <a:off x="23509459" y="10746564"/>
-            <a:ext cx="2380309" cy="584775"/>
+            <a:off x="23912961" y="13420055"/>
+            <a:ext cx="2836532" cy="1077218"/>
           </a:xfrm>
           <a:prstGeom prst="rect">
             <a:avLst/>
@@ -12360,97 +12137,12 @@
               <a:rPr lang="en-US" sz="1600" dirty="0">
                 <a:latin typeface="Helvetica" pitchFamily="2" charset="0"/>
               </a:rPr>
-              <a:t>Linear encoding &amp; decoding model</a:t>
+              <a:t>An encoder models how the brain represents stimuli, a decoder predicts stimuli given brain activity</a:t>
             </a:r>
             <a:endParaRPr lang="en-US" sz="1600" dirty="0"/>
           </a:p>
         </p:txBody>
       </p:sp>
-      <p:sp>
-        <p:nvSpPr>
-          <p:cNvPr id="692" name="Rectangle 691">
-            <a:extLst>
-              <a:ext uri="{FF2B5EF4-FFF2-40B4-BE49-F238E27FC236}">
-                <a16:creationId xmlns:a16="http://schemas.microsoft.com/office/drawing/2014/main" id="{EDE75531-F1FB-164C-ACE3-73F562051C0C}"/>
-              </a:ext>
-            </a:extLst>
-          </p:cNvPr>
-          <p:cNvSpPr/>
-          <p:nvPr/>
-        </p:nvSpPr>
-        <p:spPr>
-          <a:xfrm>
-            <a:off x="24692511" y="13455153"/>
-            <a:ext cx="2836532" cy="1077218"/>
-          </a:xfrm>
-          <a:prstGeom prst="rect">
-            <a:avLst/>
-          </a:prstGeom>
-        </p:spPr>
-        <p:txBody>
-          <a:bodyPr wrap="square">
-            <a:spAutoFit/>
-          </a:bodyPr>
-          <a:lstStyle/>
-          <a:p>
-            <a:pPr algn="ctr"/>
-            <a:r>
-              <a:rPr lang="en-US" sz="1600" dirty="0">
-                <a:latin typeface="Helvetica" pitchFamily="2" charset="0"/>
-              </a:rPr>
-              <a:t>An encoder models how the brain represents stimuli, a decoder predicts stimuli given brain activity</a:t>
-            </a:r>
-            <a:endParaRPr lang="en-US" sz="1600" dirty="0"/>
-          </a:p>
-        </p:txBody>
-      </p:sp>
-      <p:cxnSp>
-        <p:nvCxnSpPr>
-          <p:cNvPr id="716" name="Curved Connector 686">
-            <a:extLst>
-              <a:ext uri="{FF2B5EF4-FFF2-40B4-BE49-F238E27FC236}">
-                <a16:creationId xmlns:a16="http://schemas.microsoft.com/office/drawing/2014/main" id="{5C5F100A-1A65-7B4A-BF71-5BB2A25AF6CB}"/>
-              </a:ext>
-            </a:extLst>
-          </p:cNvPr>
-          <p:cNvCxnSpPr>
-            <a:cxnSpLocks/>
-          </p:cNvCxnSpPr>
-          <p:nvPr/>
-        </p:nvCxnSpPr>
-        <p:spPr>
-          <a:xfrm flipV="1">
-            <a:off x="24079792" y="14052292"/>
-            <a:ext cx="4005711" cy="522434"/>
-          </a:xfrm>
-          <a:prstGeom prst="curvedConnector3">
-            <a:avLst>
-              <a:gd name="adj1" fmla="val 91443"/>
-            </a:avLst>
-          </a:prstGeom>
-          <a:ln w="28575">
-            <a:solidFill>
-              <a:srgbClr val="7FD5FF"/>
-            </a:solidFill>
-            <a:headEnd type="oval" w="lg" len="lg"/>
-            <a:tailEnd type="triangle" w="lg" len="lg"/>
-          </a:ln>
-        </p:spPr>
-        <p:style>
-          <a:lnRef idx="1">
-            <a:schemeClr val="accent1"/>
-          </a:lnRef>
-          <a:fillRef idx="0">
-            <a:schemeClr val="accent1"/>
-          </a:fillRef>
-          <a:effectRef idx="0">
-            <a:schemeClr val="accent1"/>
-          </a:effectRef>
-          <a:fontRef idx="minor">
-            <a:schemeClr val="tx1"/>
-          </a:fontRef>
-        </p:style>
-      </p:cxnSp>
       <p:sp>
         <p:nvSpPr>
           <p:cNvPr id="719" name="Rounded Rectangle 718">
@@ -12515,6 +12207,9 @@
               <a:t>nn</a:t>
             </a:r>
             <a:endParaRPr lang="en-US" sz="1799" dirty="0">
+              <a:solidFill>
+                <a:srgbClr val="FF3F3F"/>
+              </a:solidFill>
               <a:latin typeface="Helvetica" pitchFamily="2" charset="0"/>
             </a:endParaRPr>
           </a:p>
@@ -12584,6 +12279,9 @@
               <a:t>cnn</a:t>
             </a:r>
             <a:endParaRPr lang="en-US" sz="1799" dirty="0">
+              <a:solidFill>
+                <a:srgbClr val="FF3F3F"/>
+              </a:solidFill>
               <a:latin typeface="Helvetica" pitchFamily="2" charset="0"/>
             </a:endParaRPr>
           </a:p>
@@ -12653,6 +12351,9 @@
               <a:t>rnn</a:t>
             </a:r>
             <a:endParaRPr lang="en-US" sz="1799" dirty="0">
+              <a:solidFill>
+                <a:srgbClr val="FF3F3F"/>
+              </a:solidFill>
               <a:latin typeface="Helvetica" pitchFamily="2" charset="0"/>
             </a:endParaRPr>
           </a:p>
@@ -12772,9 +12473,9 @@
           <p:nvPr/>
         </p:nvCxnSpPr>
         <p:spPr>
-          <a:xfrm>
-            <a:off x="21457067" y="11234146"/>
-            <a:ext cx="2052392" cy="680073"/>
+          <a:xfrm flipV="1">
+            <a:off x="21457067" y="10750686"/>
+            <a:ext cx="1871742" cy="483460"/>
           </a:xfrm>
           <a:prstGeom prst="curvedConnector3">
             <a:avLst>
@@ -12878,7 +12579,7 @@
         </p:nvSpPr>
         <p:spPr>
           <a:xfrm>
-            <a:off x="23509459" y="11556816"/>
+            <a:off x="23328809" y="10393283"/>
             <a:ext cx="2792945" cy="714806"/>
           </a:xfrm>
           <a:prstGeom prst="roundRect">
@@ -12927,8 +12628,8 @@
         </p:nvCxnSpPr>
         <p:spPr>
           <a:xfrm flipV="1">
-            <a:off x="26302404" y="10747098"/>
-            <a:ext cx="237490" cy="1167121"/>
+            <a:off x="26121754" y="10747098"/>
+            <a:ext cx="418140" cy="3588"/>
           </a:xfrm>
           <a:prstGeom prst="curvedConnector3">
             <a:avLst>
@@ -13060,9 +12761,6 @@
               </a:rPr>
               <a:t>#retinotopy</a:t>
             </a:r>
-            <a:endParaRPr lang="en-US" sz="1799" dirty="0">
-              <a:latin typeface="Helvetica" pitchFamily="2" charset="0"/>
-            </a:endParaRPr>
           </a:p>
         </p:txBody>
       </p:sp>
@@ -13331,6 +13029,9 @@
               <a:t>prf</a:t>
             </a:r>
             <a:endParaRPr lang="en-US" sz="1799" dirty="0">
+              <a:solidFill>
+                <a:srgbClr val="FF3F3F"/>
+              </a:solidFill>
               <a:latin typeface="Helvetica" pitchFamily="2" charset="0"/>
             </a:endParaRPr>
           </a:p>

--- a/navigateFMRI/flowchart.pptx
+++ b/navigateFMRI/flowchart.pptx
@@ -209,7 +209,7 @@
           <a:p>
             <a:fld id="{0940D478-5DA4-9E48-A18E-691F19DD5404}" type="datetimeFigureOut">
               <a:rPr lang="en-US" smtClean="0"/>
-              <a:t>2/15/21</a:t>
+              <a:t>2/16/21</a:t>
             </a:fld>
             <a:endParaRPr lang="en-US"/>
           </a:p>
@@ -785,7 +785,7 @@
           <a:p>
             <a:fld id="{61C4A074-6837-7843-BEBA-2B882681BD94}" type="datetimeFigureOut">
               <a:rPr lang="en-US" smtClean="0"/>
-              <a:t>2/15/21</a:t>
+              <a:t>2/16/21</a:t>
             </a:fld>
             <a:endParaRPr lang="en-US"/>
           </a:p>
@@ -955,7 +955,7 @@
           <a:p>
             <a:fld id="{61C4A074-6837-7843-BEBA-2B882681BD94}" type="datetimeFigureOut">
               <a:rPr lang="en-US" smtClean="0"/>
-              <a:t>2/15/21</a:t>
+              <a:t>2/16/21</a:t>
             </a:fld>
             <a:endParaRPr lang="en-US"/>
           </a:p>
@@ -1135,7 +1135,7 @@
           <a:p>
             <a:fld id="{61C4A074-6837-7843-BEBA-2B882681BD94}" type="datetimeFigureOut">
               <a:rPr lang="en-US" smtClean="0"/>
-              <a:t>2/15/21</a:t>
+              <a:t>2/16/21</a:t>
             </a:fld>
             <a:endParaRPr lang="en-US"/>
           </a:p>
@@ -1305,7 +1305,7 @@
           <a:p>
             <a:fld id="{61C4A074-6837-7843-BEBA-2B882681BD94}" type="datetimeFigureOut">
               <a:rPr lang="en-US" smtClean="0"/>
-              <a:t>2/15/21</a:t>
+              <a:t>2/16/21</a:t>
             </a:fld>
             <a:endParaRPr lang="en-US"/>
           </a:p>
@@ -1551,7 +1551,7 @@
           <a:p>
             <a:fld id="{61C4A074-6837-7843-BEBA-2B882681BD94}" type="datetimeFigureOut">
               <a:rPr lang="en-US" smtClean="0"/>
-              <a:t>2/15/21</a:t>
+              <a:t>2/16/21</a:t>
             </a:fld>
             <a:endParaRPr lang="en-US"/>
           </a:p>
@@ -1783,7 +1783,7 @@
           <a:p>
             <a:fld id="{61C4A074-6837-7843-BEBA-2B882681BD94}" type="datetimeFigureOut">
               <a:rPr lang="en-US" smtClean="0"/>
-              <a:t>2/15/21</a:t>
+              <a:t>2/16/21</a:t>
             </a:fld>
             <a:endParaRPr lang="en-US"/>
           </a:p>
@@ -2150,7 +2150,7 @@
           <a:p>
             <a:fld id="{61C4A074-6837-7843-BEBA-2B882681BD94}" type="datetimeFigureOut">
               <a:rPr lang="en-US" smtClean="0"/>
-              <a:t>2/15/21</a:t>
+              <a:t>2/16/21</a:t>
             </a:fld>
             <a:endParaRPr lang="en-US"/>
           </a:p>
@@ -2268,7 +2268,7 @@
           <a:p>
             <a:fld id="{61C4A074-6837-7843-BEBA-2B882681BD94}" type="datetimeFigureOut">
               <a:rPr lang="en-US" smtClean="0"/>
-              <a:t>2/15/21</a:t>
+              <a:t>2/16/21</a:t>
             </a:fld>
             <a:endParaRPr lang="en-US"/>
           </a:p>
@@ -2363,7 +2363,7 @@
           <a:p>
             <a:fld id="{61C4A074-6837-7843-BEBA-2B882681BD94}" type="datetimeFigureOut">
               <a:rPr lang="en-US" smtClean="0"/>
-              <a:t>2/15/21</a:t>
+              <a:t>2/16/21</a:t>
             </a:fld>
             <a:endParaRPr lang="en-US"/>
           </a:p>
@@ -2640,7 +2640,7 @@
           <a:p>
             <a:fld id="{61C4A074-6837-7843-BEBA-2B882681BD94}" type="datetimeFigureOut">
               <a:rPr lang="en-US" smtClean="0"/>
-              <a:t>2/15/21</a:t>
+              <a:t>2/16/21</a:t>
             </a:fld>
             <a:endParaRPr lang="en-US"/>
           </a:p>
@@ -2897,7 +2897,7 @@
           <a:p>
             <a:fld id="{61C4A074-6837-7843-BEBA-2B882681BD94}" type="datetimeFigureOut">
               <a:rPr lang="en-US" smtClean="0"/>
-              <a:t>2/15/21</a:t>
+              <a:t>2/16/21</a:t>
             </a:fld>
             <a:endParaRPr lang="en-US"/>
           </a:p>
@@ -3110,7 +3110,7 @@
           <a:p>
             <a:fld id="{61C4A074-6837-7843-BEBA-2B882681BD94}" type="datetimeFigureOut">
               <a:rPr lang="en-US" smtClean="0"/>
-              <a:t>2/15/21</a:t>
+              <a:t>2/16/21</a:t>
             </a:fld>
             <a:endParaRPr lang="en-US"/>
           </a:p>
@@ -8230,7 +8230,7 @@
                 </a:solidFill>
                 <a:latin typeface="Helvetica" pitchFamily="2" charset="0"/>
               </a:rPr>
-              <a:t>rsa</a:t>
+              <a:t>rs</a:t>
             </a:r>
             <a:endParaRPr lang="en-US" sz="1799" dirty="0">
               <a:solidFill>
@@ -10746,7 +10746,7 @@
         <p:spPr>
           <a:xfrm>
             <a:off x="9370816" y="11768668"/>
-            <a:ext cx="9779272" cy="507312"/>
+            <a:ext cx="11023703" cy="457301"/>
           </a:xfrm>
           <a:prstGeom prst="straightConnector1">
             <a:avLst/>
@@ -10788,7 +10788,7 @@
         </p:nvSpPr>
         <p:spPr>
           <a:xfrm>
-            <a:off x="19150088" y="11918577"/>
+            <a:off x="20394519" y="11868566"/>
             <a:ext cx="3828000" cy="714806"/>
           </a:xfrm>
           <a:prstGeom prst="roundRect">
@@ -11493,8 +11493,8 @@
           </a:xfrm>
           <a:prstGeom prst="curvedConnector4">
             <a:avLst>
-              <a:gd name="adj1" fmla="val -138517"/>
-              <a:gd name="adj2" fmla="val 65585"/>
+              <a:gd name="adj1" fmla="val -480918"/>
+              <a:gd name="adj2" fmla="val 96049"/>
             </a:avLst>
           </a:prstGeom>
           <a:ln w="28575">
@@ -11686,10 +11686,8 @@
             <a:off x="16995764" y="4278689"/>
             <a:ext cx="499883" cy="337059"/>
           </a:xfrm>
-          <a:prstGeom prst="curvedConnector3">
-            <a:avLst>
-              <a:gd name="adj1" fmla="val 50000"/>
-            </a:avLst>
+          <a:prstGeom prst="straightConnector1">
+            <a:avLst/>
           </a:prstGeom>
           <a:ln w="28575">
             <a:solidFill>
@@ -11910,8 +11908,8 @@
         </p:nvCxnSpPr>
         <p:spPr>
           <a:xfrm>
-            <a:off x="22978088" y="12275980"/>
-            <a:ext cx="5814168" cy="718950"/>
+            <a:off x="24222519" y="12225969"/>
+            <a:ext cx="4569737" cy="768961"/>
           </a:xfrm>
           <a:prstGeom prst="curvedConnector2">
             <a:avLst/>
@@ -12071,13 +12069,14 @@
           <p:cNvCxnSpPr>
             <a:cxnSpLocks/>
             <a:stCxn id="511" idx="3"/>
+            <a:endCxn id="679" idx="0"/>
           </p:cNvCxnSpPr>
           <p:nvPr/>
         </p:nvCxnSpPr>
         <p:spPr>
           <a:xfrm>
-            <a:off x="22978088" y="12275980"/>
-            <a:ext cx="729521" cy="589781"/>
+            <a:off x="24222519" y="12225969"/>
+            <a:ext cx="1091645" cy="490034"/>
           </a:xfrm>
           <a:prstGeom prst="straightConnector1">
             <a:avLst/>

--- a/navigateFMRI/flowchart.pptx
+++ b/navigateFMRI/flowchart.pptx
@@ -11350,7 +11350,7 @@
         </p:nvSpPr>
         <p:spPr>
           <a:xfrm>
-            <a:off x="18321591" y="5312135"/>
+            <a:off x="18582768" y="5257219"/>
             <a:ext cx="910989" cy="408481"/>
           </a:xfrm>
           <a:prstGeom prst="roundRect">
@@ -11395,7 +11395,7 @@
         </p:nvSpPr>
         <p:spPr>
           <a:xfrm>
-            <a:off x="19276786" y="5316023"/>
+            <a:off x="18579579" y="5710082"/>
             <a:ext cx="910989" cy="408481"/>
           </a:xfrm>
           <a:prstGeom prst="roundRect">
@@ -11440,7 +11440,7 @@
         </p:nvSpPr>
         <p:spPr>
           <a:xfrm>
-            <a:off x="19276786" y="5774567"/>
+            <a:off x="18579579" y="6168626"/>
             <a:ext cx="910989" cy="408481"/>
           </a:xfrm>
           <a:prstGeom prst="roundRect">
@@ -11488,13 +11488,13 @@
         </p:nvCxnSpPr>
         <p:spPr>
           <a:xfrm flipH="1">
-            <a:off x="20356685" y="4278689"/>
-            <a:ext cx="165034" cy="1146661"/>
+            <a:off x="19699842" y="4278689"/>
+            <a:ext cx="821877" cy="1248290"/>
           </a:xfrm>
           <a:prstGeom prst="curvedConnector4">
             <a:avLst>
-              <a:gd name="adj1" fmla="val -480918"/>
-              <a:gd name="adj2" fmla="val 96049"/>
+              <a:gd name="adj1" fmla="val -92169"/>
+              <a:gd name="adj2" fmla="val 92324"/>
             </a:avLst>
           </a:prstGeom>
           <a:ln w="28575">
@@ -12746,7 +12746,7 @@
               <a:rPr lang="en-US" sz="1799" dirty="0">
                 <a:latin typeface="Helvetica" pitchFamily="2" charset="0"/>
               </a:rPr>
-              <a:t>Phase-encoded mapping / Travelling wave</a:t>
+              <a:t>Phase-encoded mapping / Traveling wave</a:t>
             </a:r>
           </a:p>
           <a:p>

--- a/navigateFMRI/flowchart.pptx
+++ b/navigateFMRI/flowchart.pptx
@@ -6774,55 +6774,6 @@
       </p:cxnSp>
       <p:cxnSp>
         <p:nvCxnSpPr>
-          <p:cNvPr id="365" name="Curved Connector 364">
-            <a:extLst>
-              <a:ext uri="{FF2B5EF4-FFF2-40B4-BE49-F238E27FC236}">
-                <a16:creationId xmlns:a16="http://schemas.microsoft.com/office/drawing/2014/main" id="{FB71F351-9BBD-4348-9819-5D8811042953}"/>
-              </a:ext>
-            </a:extLst>
-          </p:cNvPr>
-          <p:cNvCxnSpPr>
-            <a:cxnSpLocks/>
-            <a:stCxn id="343" idx="3"/>
-            <a:endCxn id="228" idx="3"/>
-          </p:cNvCxnSpPr>
-          <p:nvPr/>
-        </p:nvCxnSpPr>
-        <p:spPr>
-          <a:xfrm flipV="1">
-            <a:off x="21770331" y="13396128"/>
-            <a:ext cx="163949" cy="2641177"/>
-          </a:xfrm>
-          <a:prstGeom prst="curvedConnector3">
-            <a:avLst>
-              <a:gd name="adj1" fmla="val 239434"/>
-            </a:avLst>
-          </a:prstGeom>
-          <a:ln w="28575">
-            <a:solidFill>
-              <a:srgbClr val="A97FFF"/>
-            </a:solidFill>
-            <a:headEnd type="oval" w="lg" len="lg"/>
-            <a:tailEnd type="triangle" w="lg" len="lg"/>
-          </a:ln>
-        </p:spPr>
-        <p:style>
-          <a:lnRef idx="1">
-            <a:schemeClr val="accent1"/>
-          </a:lnRef>
-          <a:fillRef idx="0">
-            <a:schemeClr val="accent1"/>
-          </a:fillRef>
-          <a:effectRef idx="0">
-            <a:schemeClr val="accent1"/>
-          </a:effectRef>
-          <a:fontRef idx="minor">
-            <a:schemeClr val="tx1"/>
-          </a:fontRef>
-        </p:style>
-      </p:cxnSp>
-      <p:cxnSp>
-        <p:nvCxnSpPr>
           <p:cNvPr id="346" name="Curved Connector 505">
             <a:extLst>
               <a:ext uri="{FF2B5EF4-FFF2-40B4-BE49-F238E27FC236}">
@@ -7137,13 +7088,11 @@
         </p:nvCxnSpPr>
         <p:spPr>
           <a:xfrm flipV="1">
-            <a:off x="16060763" y="13396128"/>
-            <a:ext cx="3036985" cy="2780165"/>
-          </a:xfrm>
-          <a:prstGeom prst="curvedConnector3">
-            <a:avLst>
-              <a:gd name="adj1" fmla="val 14008"/>
-            </a:avLst>
+            <a:off x="16062695" y="13648893"/>
+            <a:ext cx="3036985" cy="2780168"/>
+          </a:xfrm>
+          <a:prstGeom prst="straightConnector1">
+            <a:avLst/>
           </a:prstGeom>
           <a:ln w="28575">
             <a:solidFill>
@@ -7232,12 +7181,12 @@
         </p:nvCxnSpPr>
         <p:spPr>
           <a:xfrm rot="16200000" flipV="1">
-            <a:off x="12465839" y="8045407"/>
-            <a:ext cx="5375205" cy="5326804"/>
+            <a:off x="11553132" y="8958116"/>
+            <a:ext cx="5469411" cy="3631452"/>
           </a:xfrm>
           <a:prstGeom prst="curvedConnector3">
             <a:avLst>
-              <a:gd name="adj1" fmla="val 25563"/>
+              <a:gd name="adj1" fmla="val 31970"/>
             </a:avLst>
           </a:prstGeom>
           <a:ln w="28575">
@@ -8712,71 +8661,6 @@
           </a:p>
         </p:txBody>
       </p:sp>
-      <p:sp>
-        <p:nvSpPr>
-          <p:cNvPr id="113" name="TextBox 112">
-            <a:extLst>
-              <a:ext uri="{FF2B5EF4-FFF2-40B4-BE49-F238E27FC236}">
-                <a16:creationId xmlns:a16="http://schemas.microsoft.com/office/drawing/2014/main" id="{B4255B89-FB71-544B-837A-71626695324D}"/>
-              </a:ext>
-            </a:extLst>
-          </p:cNvPr>
-          <p:cNvSpPr txBox="1"/>
-          <p:nvPr/>
-        </p:nvSpPr>
-        <p:spPr>
-          <a:xfrm>
-            <a:off x="442365" y="10811104"/>
-            <a:ext cx="4438010" cy="1753557"/>
-          </a:xfrm>
-          <a:prstGeom prst="rect">
-            <a:avLst/>
-          </a:prstGeom>
-          <a:noFill/>
-        </p:spPr>
-        <p:txBody>
-          <a:bodyPr wrap="none" rtlCol="0">
-            <a:spAutoFit/>
-          </a:bodyPr>
-          <a:lstStyle/>
-          <a:p>
-            <a:r>
-              <a:rPr lang="en-US" sz="1799" u="sng" dirty="0"/>
-              <a:t>Glossary</a:t>
-            </a:r>
-          </a:p>
-          <a:p>
-            <a:r>
-              <a:rPr lang="en-US" sz="1799" dirty="0"/>
-              <a:t>fMRI: functional magnetic resonance imaging</a:t>
-            </a:r>
-          </a:p>
-          <a:p>
-            <a:r>
-              <a:rPr lang="en-US" sz="1799" dirty="0"/>
-              <a:t>resting state: fMRI data obtained while </a:t>
-            </a:r>
-          </a:p>
-          <a:p>
-            <a:r>
-              <a:rPr lang="en-US" sz="1799" dirty="0"/>
-              <a:t>		        participant does nothing</a:t>
-            </a:r>
-          </a:p>
-          <a:p>
-            <a:r>
-              <a:rPr lang="en-US" sz="1799" dirty="0"/>
-              <a:t>ROI: brain region of interest</a:t>
-            </a:r>
-          </a:p>
-          <a:p>
-            <a:r>
-              <a:rPr lang="en-US" sz="1799" dirty="0"/>
-              <a:t>voxel: a 3D pixel of the brain</a:t>
-            </a:r>
-          </a:p>
-        </p:txBody>
-      </p:sp>
       <p:cxnSp>
         <p:nvCxnSpPr>
           <p:cNvPr id="114" name="Curved Connector 113">
@@ -9272,7 +9156,7 @@
         </p:nvSpPr>
         <p:spPr>
           <a:xfrm>
-            <a:off x="13873459" y="12736004"/>
+            <a:off x="11180087" y="12806786"/>
             <a:ext cx="3614874" cy="1327456"/>
           </a:xfrm>
           <a:prstGeom prst="roundRect">
@@ -9324,8 +9208,8 @@
         </p:nvCxnSpPr>
         <p:spPr>
           <a:xfrm flipV="1">
-            <a:off x="9404373" y="13399732"/>
-            <a:ext cx="4469093" cy="528076"/>
+            <a:off x="9404373" y="13470514"/>
+            <a:ext cx="1775714" cy="457301"/>
           </a:xfrm>
           <a:prstGeom prst="curvedConnector3">
             <a:avLst>
@@ -9372,14 +9256,12 @@
           <p:nvPr/>
         </p:nvCxnSpPr>
         <p:spPr>
-          <a:xfrm flipV="1">
-            <a:off x="17488340" y="13396128"/>
-            <a:ext cx="1609415" cy="3604"/>
-          </a:xfrm>
-          <a:prstGeom prst="curvedConnector3">
-            <a:avLst>
-              <a:gd name="adj1" fmla="val 50000"/>
-            </a:avLst>
+          <a:xfrm>
+            <a:off x="14794961" y="13470514"/>
+            <a:ext cx="4304719" cy="178379"/>
+          </a:xfrm>
+          <a:prstGeom prst="straightConnector1">
+            <a:avLst/>
           </a:prstGeom>
           <a:ln w="28575">
             <a:solidFill>
@@ -9515,7 +9397,7 @@
         </p:nvSpPr>
         <p:spPr>
           <a:xfrm>
-            <a:off x="19097748" y="12732400"/>
+            <a:off x="19099680" y="12985165"/>
             <a:ext cx="2836532" cy="1327456"/>
           </a:xfrm>
           <a:prstGeom prst="roundRect">
@@ -9708,78 +9590,30 @@
           </a:p>
         </p:txBody>
       </p:sp>
-      <p:sp>
-        <p:nvSpPr>
-          <p:cNvPr id="285" name="Rounded Rectangle 284">
-            <a:extLst>
-              <a:ext uri="{FF2B5EF4-FFF2-40B4-BE49-F238E27FC236}">
-                <a16:creationId xmlns:a16="http://schemas.microsoft.com/office/drawing/2014/main" id="{FDC4ED73-CFDA-4742-A4BE-AF07F522A69F}"/>
-              </a:ext>
-            </a:extLst>
-          </p:cNvPr>
-          <p:cNvSpPr/>
-          <p:nvPr/>
-        </p:nvSpPr>
-        <p:spPr>
-          <a:xfrm>
-            <a:off x="16662350" y="15373743"/>
-            <a:ext cx="2001703" cy="1327456"/>
-          </a:xfrm>
-          <a:prstGeom prst="roundRect">
-            <a:avLst/>
-          </a:prstGeom>
-          <a:solidFill>
-            <a:schemeClr val="bg1"/>
-          </a:solidFill>
-          <a:ln w="38100">
-            <a:solidFill>
-              <a:srgbClr val="AB7942"/>
-            </a:solidFill>
-          </a:ln>
-        </p:spPr>
-        <p:txBody>
-          <a:bodyPr wrap="square">
-            <a:spAutoFit/>
-          </a:bodyPr>
-          <a:lstStyle/>
-          <a:p>
-            <a:pPr algn="ctr"/>
-            <a:r>
-              <a:rPr lang="en-US" sz="1799" dirty="0">
-                <a:latin typeface="Helvetica" pitchFamily="2" charset="0"/>
-              </a:rPr>
-              <a:t>I’m interested in how connectivity is modulated by a task</a:t>
-            </a:r>
-            <a:endParaRPr lang="en-US" sz="1799" i="1" dirty="0">
-              <a:latin typeface="Helvetica" pitchFamily="2" charset="0"/>
-            </a:endParaRPr>
-          </a:p>
-        </p:txBody>
-      </p:sp>
       <p:cxnSp>
         <p:nvCxnSpPr>
-          <p:cNvPr id="295" name="Curved Connector 294">
-            <a:extLst>
-              <a:ext uri="{FF2B5EF4-FFF2-40B4-BE49-F238E27FC236}">
-                <a16:creationId xmlns:a16="http://schemas.microsoft.com/office/drawing/2014/main" id="{52245E46-8B00-1F42-A53F-722E5CC4FECC}"/>
+          <p:cNvPr id="368" name="Curved Connector 367">
+            <a:extLst>
+              <a:ext uri="{FF2B5EF4-FFF2-40B4-BE49-F238E27FC236}">
+                <a16:creationId xmlns:a16="http://schemas.microsoft.com/office/drawing/2014/main" id="{60528B09-368E-6242-8B67-DA930E53BA9E}"/>
               </a:ext>
             </a:extLst>
           </p:cNvPr>
           <p:cNvCxnSpPr>
             <a:cxnSpLocks/>
             <a:stCxn id="272" idx="3"/>
-            <a:endCxn id="285" idx="1"/>
+            <a:endCxn id="371" idx="1"/>
           </p:cNvCxnSpPr>
           <p:nvPr/>
         </p:nvCxnSpPr>
         <p:spPr>
-          <a:xfrm flipV="1">
-            <a:off x="16067618" y="16037471"/>
-            <a:ext cx="594732" cy="376857"/>
+          <a:xfrm>
+            <a:off x="16067618" y="16414328"/>
+            <a:ext cx="1648198" cy="667730"/>
           </a:xfrm>
           <a:prstGeom prst="curvedConnector3">
             <a:avLst>
-              <a:gd name="adj1" fmla="val 20104"/>
+              <a:gd name="adj1" fmla="val 50000"/>
             </a:avLst>
           </a:prstGeom>
           <a:ln w="28575">
@@ -9807,10 +9641,10 @@
       </p:cxnSp>
       <p:sp>
         <p:nvSpPr>
-          <p:cNvPr id="343" name="Rounded Rectangle 342">
-            <a:extLst>
-              <a:ext uri="{FF2B5EF4-FFF2-40B4-BE49-F238E27FC236}">
-                <a16:creationId xmlns:a16="http://schemas.microsoft.com/office/drawing/2014/main" id="{F3A49354-CB9F-CE43-9F30-C7C13579AECE}"/>
+          <p:cNvPr id="371" name="Rounded Rectangle 370">
+            <a:extLst>
+              <a:ext uri="{FF2B5EF4-FFF2-40B4-BE49-F238E27FC236}">
+                <a16:creationId xmlns:a16="http://schemas.microsoft.com/office/drawing/2014/main" id="{BE4D8CBE-64C4-2A4A-A78E-DD2F52BAAA7B}"/>
               </a:ext>
             </a:extLst>
           </p:cNvPr>
@@ -9819,8 +9653,8 @@
         </p:nvSpPr>
         <p:spPr>
           <a:xfrm>
-            <a:off x="19378909" y="15526739"/>
-            <a:ext cx="2391422" cy="1021131"/>
+            <a:off x="17715816" y="16571492"/>
+            <a:ext cx="2950534" cy="1021131"/>
           </a:xfrm>
           <a:prstGeom prst="roundRect">
             <a:avLst/>
@@ -9830,7 +9664,7 @@
           </a:solidFill>
           <a:ln w="38100">
             <a:solidFill>
-              <a:schemeClr val="tx1"/>
+              <a:srgbClr val="AB7942"/>
             </a:solidFill>
           </a:ln>
         </p:spPr>
@@ -9845,7 +9679,79 @@
               <a:rPr lang="en-US" sz="1799" dirty="0">
                 <a:latin typeface="Helvetica" pitchFamily="2" charset="0"/>
               </a:rPr>
-              <a:t>Psychophysiological interaction</a:t>
+              <a:t>I’m interested in </a:t>
+            </a:r>
+            <a:r>
+              <a:rPr lang="en-US" sz="1799" i="1" dirty="0">
+                <a:latin typeface="Helvetica" pitchFamily="2" charset="0"/>
+              </a:rPr>
+              <a:t>causal</a:t>
+            </a:r>
+            <a:r>
+              <a:rPr lang="en-US" sz="1799" dirty="0">
+                <a:latin typeface="Helvetica" pitchFamily="2" charset="0"/>
+              </a:rPr>
+              <a:t> </a:t>
+            </a:r>
+            <a:r>
+              <a:rPr lang="en-US" sz="1799" i="1" dirty="0">
+                <a:latin typeface="Helvetica" pitchFamily="2" charset="0"/>
+              </a:rPr>
+              <a:t>relationships</a:t>
+            </a:r>
+            <a:r>
+              <a:rPr lang="en-US" sz="1799" dirty="0">
+                <a:latin typeface="Helvetica" pitchFamily="2" charset="0"/>
+              </a:rPr>
+              <a:t> for how brain regions interact</a:t>
+            </a:r>
+            <a:endParaRPr lang="en-US" sz="1799" i="1" dirty="0">
+              <a:latin typeface="Helvetica" pitchFamily="2" charset="0"/>
+            </a:endParaRPr>
+          </a:p>
+        </p:txBody>
+      </p:sp>
+      <p:sp>
+        <p:nvSpPr>
+          <p:cNvPr id="373" name="Rounded Rectangle 372">
+            <a:extLst>
+              <a:ext uri="{FF2B5EF4-FFF2-40B4-BE49-F238E27FC236}">
+                <a16:creationId xmlns:a16="http://schemas.microsoft.com/office/drawing/2014/main" id="{1E35A5E0-CBBA-9B47-BDBF-5A03A0463160}"/>
+              </a:ext>
+            </a:extLst>
+          </p:cNvPr>
+          <p:cNvSpPr/>
+          <p:nvPr/>
+        </p:nvSpPr>
+        <p:spPr>
+          <a:xfrm>
+            <a:off x="26724019" y="16571492"/>
+            <a:ext cx="2950534" cy="1021131"/>
+          </a:xfrm>
+          <a:prstGeom prst="roundRect">
+            <a:avLst/>
+          </a:prstGeom>
+          <a:solidFill>
+            <a:schemeClr val="bg1"/>
+          </a:solidFill>
+          <a:ln w="38100">
+            <a:solidFill>
+              <a:schemeClr val="tx1"/>
+            </a:solidFill>
+          </a:ln>
+        </p:spPr>
+        <p:txBody>
+          <a:bodyPr wrap="square">
+            <a:spAutoFit/>
+          </a:bodyPr>
+          <a:lstStyle/>
+          <a:p>
+            <a:pPr algn="ctr"/>
+            <a:r>
+              <a:rPr lang="en-US" sz="1799" dirty="0">
+                <a:latin typeface="Helvetica" pitchFamily="2" charset="0"/>
+              </a:rPr>
+              <a:t>Effective connectivity / Dynamic causal modeling</a:t>
             </a:r>
           </a:p>
           <a:p>
@@ -9866,7 +9772,7 @@
                 </a:solidFill>
                 <a:latin typeface="Helvetica" pitchFamily="2" charset="0"/>
               </a:rPr>
-              <a:t>ppi</a:t>
+              <a:t>dcm</a:t>
             </a:r>
             <a:endParaRPr lang="en-US" sz="1799" dirty="0">
               <a:solidFill>
@@ -9879,267 +9785,27 @@
       </p:sp>
       <p:cxnSp>
         <p:nvCxnSpPr>
-          <p:cNvPr id="350" name="Curved Connector 349">
-            <a:extLst>
-              <a:ext uri="{FF2B5EF4-FFF2-40B4-BE49-F238E27FC236}">
-                <a16:creationId xmlns:a16="http://schemas.microsoft.com/office/drawing/2014/main" id="{E2CBEB6E-39AF-F647-8BA1-EE4A5A35BB6C}"/>
+          <p:cNvPr id="374" name="Curved Connector 373">
+            <a:extLst>
+              <a:ext uri="{FF2B5EF4-FFF2-40B4-BE49-F238E27FC236}">
+                <a16:creationId xmlns:a16="http://schemas.microsoft.com/office/drawing/2014/main" id="{A97A5650-9837-0840-A51F-684B272EA7EC}"/>
               </a:ext>
             </a:extLst>
           </p:cNvPr>
           <p:cNvCxnSpPr>
             <a:cxnSpLocks/>
-            <a:stCxn id="285" idx="3"/>
-            <a:endCxn id="343" idx="1"/>
+            <a:stCxn id="371" idx="3"/>
+            <a:endCxn id="373" idx="1"/>
           </p:cNvCxnSpPr>
           <p:nvPr/>
         </p:nvCxnSpPr>
         <p:spPr>
-          <a:xfrm flipV="1">
-            <a:off x="18664053" y="16037305"/>
-            <a:ext cx="714856" cy="166"/>
+          <a:xfrm>
+            <a:off x="20666350" y="17082058"/>
+            <a:ext cx="6057669" cy="0"/>
           </a:xfrm>
           <a:prstGeom prst="straightConnector1">
             <a:avLst/>
-          </a:prstGeom>
-          <a:ln w="28575">
-            <a:solidFill>
-              <a:srgbClr val="AB7942"/>
-            </a:solidFill>
-            <a:headEnd type="oval" w="lg" len="lg"/>
-            <a:tailEnd type="triangle" w="lg" len="lg"/>
-          </a:ln>
-        </p:spPr>
-        <p:style>
-          <a:lnRef idx="1">
-            <a:schemeClr val="accent1"/>
-          </a:lnRef>
-          <a:fillRef idx="0">
-            <a:schemeClr val="accent1"/>
-          </a:fillRef>
-          <a:effectRef idx="0">
-            <a:schemeClr val="accent1"/>
-          </a:effectRef>
-          <a:fontRef idx="minor">
-            <a:schemeClr val="tx1"/>
-          </a:fontRef>
-        </p:style>
-      </p:cxnSp>
-      <p:cxnSp>
-        <p:nvCxnSpPr>
-          <p:cNvPr id="368" name="Curved Connector 367">
-            <a:extLst>
-              <a:ext uri="{FF2B5EF4-FFF2-40B4-BE49-F238E27FC236}">
-                <a16:creationId xmlns:a16="http://schemas.microsoft.com/office/drawing/2014/main" id="{60528B09-368E-6242-8B67-DA930E53BA9E}"/>
-              </a:ext>
-            </a:extLst>
-          </p:cNvPr>
-          <p:cNvCxnSpPr>
-            <a:cxnSpLocks/>
-            <a:stCxn id="272" idx="3"/>
-            <a:endCxn id="371" idx="1"/>
-          </p:cNvCxnSpPr>
-          <p:nvPr/>
-        </p:nvCxnSpPr>
-        <p:spPr>
-          <a:xfrm>
-            <a:off x="16067618" y="16414328"/>
-            <a:ext cx="1026719" cy="864620"/>
-          </a:xfrm>
-          <a:prstGeom prst="curvedConnector3">
-            <a:avLst>
-              <a:gd name="adj1" fmla="val 50000"/>
-            </a:avLst>
-          </a:prstGeom>
-          <a:ln w="28575">
-            <a:solidFill>
-              <a:srgbClr val="AB7942"/>
-            </a:solidFill>
-            <a:headEnd type="oval" w="lg" len="lg"/>
-            <a:tailEnd type="triangle" w="lg" len="lg"/>
-          </a:ln>
-        </p:spPr>
-        <p:style>
-          <a:lnRef idx="1">
-            <a:schemeClr val="accent1"/>
-          </a:lnRef>
-          <a:fillRef idx="0">
-            <a:schemeClr val="accent1"/>
-          </a:fillRef>
-          <a:effectRef idx="0">
-            <a:schemeClr val="accent1"/>
-          </a:effectRef>
-          <a:fontRef idx="minor">
-            <a:schemeClr val="tx1"/>
-          </a:fontRef>
-        </p:style>
-      </p:cxnSp>
-      <p:sp>
-        <p:nvSpPr>
-          <p:cNvPr id="371" name="Rounded Rectangle 370">
-            <a:extLst>
-              <a:ext uri="{FF2B5EF4-FFF2-40B4-BE49-F238E27FC236}">
-                <a16:creationId xmlns:a16="http://schemas.microsoft.com/office/drawing/2014/main" id="{BE4D8CBE-64C4-2A4A-A78E-DD2F52BAAA7B}"/>
-              </a:ext>
-            </a:extLst>
-          </p:cNvPr>
-          <p:cNvSpPr/>
-          <p:nvPr/>
-        </p:nvSpPr>
-        <p:spPr>
-          <a:xfrm>
-            <a:off x="17094337" y="16768382"/>
-            <a:ext cx="2950534" cy="1021131"/>
-          </a:xfrm>
-          <a:prstGeom prst="roundRect">
-            <a:avLst/>
-          </a:prstGeom>
-          <a:solidFill>
-            <a:schemeClr val="bg1"/>
-          </a:solidFill>
-          <a:ln w="38100">
-            <a:solidFill>
-              <a:srgbClr val="AB7942"/>
-            </a:solidFill>
-          </a:ln>
-        </p:spPr>
-        <p:txBody>
-          <a:bodyPr wrap="square">
-            <a:spAutoFit/>
-          </a:bodyPr>
-          <a:lstStyle/>
-          <a:p>
-            <a:pPr algn="ctr"/>
-            <a:r>
-              <a:rPr lang="en-US" sz="1799" dirty="0">
-                <a:latin typeface="Helvetica" pitchFamily="2" charset="0"/>
-              </a:rPr>
-              <a:t>I’m interested in </a:t>
-            </a:r>
-            <a:r>
-              <a:rPr lang="en-US" sz="1799" i="1" dirty="0">
-                <a:latin typeface="Helvetica" pitchFamily="2" charset="0"/>
-              </a:rPr>
-              <a:t>causal</a:t>
-            </a:r>
-            <a:r>
-              <a:rPr lang="en-US" sz="1799" dirty="0">
-                <a:latin typeface="Helvetica" pitchFamily="2" charset="0"/>
-              </a:rPr>
-              <a:t> </a:t>
-            </a:r>
-            <a:r>
-              <a:rPr lang="en-US" sz="1799" i="1" dirty="0">
-                <a:latin typeface="Helvetica" pitchFamily="2" charset="0"/>
-              </a:rPr>
-              <a:t>relationships</a:t>
-            </a:r>
-            <a:r>
-              <a:rPr lang="en-US" sz="1799" dirty="0">
-                <a:latin typeface="Helvetica" pitchFamily="2" charset="0"/>
-              </a:rPr>
-              <a:t> for how brain regions interact</a:t>
-            </a:r>
-            <a:endParaRPr lang="en-US" sz="1799" i="1" dirty="0">
-              <a:latin typeface="Helvetica" pitchFamily="2" charset="0"/>
-            </a:endParaRPr>
-          </a:p>
-        </p:txBody>
-      </p:sp>
-      <p:sp>
-        <p:nvSpPr>
-          <p:cNvPr id="373" name="Rounded Rectangle 372">
-            <a:extLst>
-              <a:ext uri="{FF2B5EF4-FFF2-40B4-BE49-F238E27FC236}">
-                <a16:creationId xmlns:a16="http://schemas.microsoft.com/office/drawing/2014/main" id="{1E35A5E0-CBBA-9B47-BDBF-5A03A0463160}"/>
-              </a:ext>
-            </a:extLst>
-          </p:cNvPr>
-          <p:cNvSpPr/>
-          <p:nvPr/>
-        </p:nvSpPr>
-        <p:spPr>
-          <a:xfrm>
-            <a:off x="26724019" y="16571492"/>
-            <a:ext cx="2950534" cy="1021131"/>
-          </a:xfrm>
-          <a:prstGeom prst="roundRect">
-            <a:avLst/>
-          </a:prstGeom>
-          <a:solidFill>
-            <a:schemeClr val="bg1"/>
-          </a:solidFill>
-          <a:ln w="38100">
-            <a:solidFill>
-              <a:schemeClr val="tx1"/>
-            </a:solidFill>
-          </a:ln>
-        </p:spPr>
-        <p:txBody>
-          <a:bodyPr wrap="square">
-            <a:spAutoFit/>
-          </a:bodyPr>
-          <a:lstStyle/>
-          <a:p>
-            <a:pPr algn="ctr"/>
-            <a:r>
-              <a:rPr lang="en-US" sz="1799" dirty="0">
-                <a:latin typeface="Helvetica" pitchFamily="2" charset="0"/>
-              </a:rPr>
-              <a:t>Effective connectivity / Dynamic causal modeling</a:t>
-            </a:r>
-          </a:p>
-          <a:p>
-            <a:pPr algn="ctr"/>
-            <a:r>
-              <a:rPr lang="en-US" sz="1799" dirty="0">
-                <a:solidFill>
-                  <a:srgbClr val="FF3F3F"/>
-                </a:solidFill>
-                <a:latin typeface="Helvetica" pitchFamily="2" charset="0"/>
-              </a:rPr>
-              <a:t>#</a:t>
-            </a:r>
-            <a:r>
-              <a:rPr lang="en-US" sz="1799" dirty="0" err="1">
-                <a:solidFill>
-                  <a:srgbClr val="FF3F3F"/>
-                </a:solidFill>
-                <a:latin typeface="Helvetica" pitchFamily="2" charset="0"/>
-              </a:rPr>
-              <a:t>dcm</a:t>
-            </a:r>
-            <a:endParaRPr lang="en-US" sz="1799" dirty="0">
-              <a:solidFill>
-                <a:srgbClr val="FF3F3F"/>
-              </a:solidFill>
-              <a:latin typeface="Helvetica" pitchFamily="2" charset="0"/>
-            </a:endParaRPr>
-          </a:p>
-        </p:txBody>
-      </p:sp>
-      <p:cxnSp>
-        <p:nvCxnSpPr>
-          <p:cNvPr id="374" name="Curved Connector 373">
-            <a:extLst>
-              <a:ext uri="{FF2B5EF4-FFF2-40B4-BE49-F238E27FC236}">
-                <a16:creationId xmlns:a16="http://schemas.microsoft.com/office/drawing/2014/main" id="{A97A5650-9837-0840-A51F-684B272EA7EC}"/>
-              </a:ext>
-            </a:extLst>
-          </p:cNvPr>
-          <p:cNvCxnSpPr>
-            <a:cxnSpLocks/>
-          </p:cNvCxnSpPr>
-          <p:nvPr/>
-        </p:nvCxnSpPr>
-        <p:spPr>
-          <a:xfrm flipV="1">
-            <a:off x="20044871" y="17082058"/>
-            <a:ext cx="6679148" cy="609666"/>
-          </a:xfrm>
-          <a:prstGeom prst="curvedConnector3">
-            <a:avLst>
-              <a:gd name="adj1" fmla="val 50000"/>
-            </a:avLst>
           </a:prstGeom>
           <a:ln w="28575">
             <a:solidFill>
@@ -10553,7 +10219,7 @@
         </p:nvSpPr>
         <p:spPr>
           <a:xfrm>
-            <a:off x="17094337" y="14270263"/>
+            <a:off x="17715816" y="15331082"/>
             <a:ext cx="2950534" cy="1021131"/>
           </a:xfrm>
           <a:prstGeom prst="roundRect">
@@ -10605,12 +10271,12 @@
         </p:nvCxnSpPr>
         <p:spPr>
           <a:xfrm flipV="1">
-            <a:off x="16067618" y="14780829"/>
-            <a:ext cx="1026719" cy="1633499"/>
+            <a:off x="16067618" y="15841648"/>
+            <a:ext cx="1648198" cy="572680"/>
           </a:xfrm>
           <a:prstGeom prst="curvedConnector3">
             <a:avLst>
-              <a:gd name="adj1" fmla="val 37631"/>
+              <a:gd name="adj1" fmla="val 50000"/>
             </a:avLst>
           </a:prstGeom>
           <a:ln w="28575">
@@ -12020,19 +11686,18 @@
           </p:cNvPr>
           <p:cNvCxnSpPr>
             <a:cxnSpLocks/>
+            <a:stCxn id="440" idx="3"/>
             <a:endCxn id="439" idx="1"/>
           </p:cNvCxnSpPr>
           <p:nvPr/>
         </p:nvCxnSpPr>
         <p:spPr>
-          <a:xfrm>
-            <a:off x="20044871" y="15153800"/>
-            <a:ext cx="4474412" cy="276982"/>
-          </a:xfrm>
-          <a:prstGeom prst="curvedConnector3">
-            <a:avLst>
-              <a:gd name="adj1" fmla="val 50000"/>
-            </a:avLst>
+          <a:xfrm flipV="1">
+            <a:off x="20666350" y="15430782"/>
+            <a:ext cx="3852933" cy="410866"/>
+          </a:xfrm>
+          <a:prstGeom prst="straightConnector1">
+            <a:avLst/>
           </a:prstGeom>
           <a:ln w="28575">
             <a:solidFill>
@@ -13660,8 +13325,8 @@
         </p:nvSpPr>
         <p:spPr>
           <a:xfrm>
-            <a:off x="19944788" y="14060334"/>
-            <a:ext cx="2325050" cy="1077218"/>
+            <a:off x="18986484" y="14334539"/>
+            <a:ext cx="3172090" cy="830997"/>
           </a:xfrm>
           <a:prstGeom prst="rect">
             <a:avLst/>
@@ -13686,10 +13351,10 @@
       </p:sp>
       <p:sp>
         <p:nvSpPr>
-          <p:cNvPr id="358" name="Rectangle 357">
-            <a:extLst>
-              <a:ext uri="{FF2B5EF4-FFF2-40B4-BE49-F238E27FC236}">
-                <a16:creationId xmlns:a16="http://schemas.microsoft.com/office/drawing/2014/main" id="{A3503C5F-E1CB-1043-8CD8-FD62A1F4B310}"/>
+          <p:cNvPr id="360" name="Rectangle 359">
+            <a:extLst>
+              <a:ext uri="{FF2B5EF4-FFF2-40B4-BE49-F238E27FC236}">
+                <a16:creationId xmlns:a16="http://schemas.microsoft.com/office/drawing/2014/main" id="{10E298D7-531F-B342-9179-1B795AC9B6E6}"/>
               </a:ext>
             </a:extLst>
           </p:cNvPr>
@@ -13698,8 +13363,8 @@
         </p:nvSpPr>
         <p:spPr>
           <a:xfrm>
-            <a:off x="19898742" y="16555894"/>
-            <a:ext cx="2924778" cy="830997"/>
+            <a:off x="24426926" y="15951759"/>
+            <a:ext cx="3331148" cy="584775"/>
           </a:xfrm>
           <a:prstGeom prst="rect">
             <a:avLst/>
@@ -13716,7 +13381,7 @@
               <a:rPr lang="en-US" sz="1600" dirty="0">
                 <a:latin typeface="Helvetica" pitchFamily="2" charset="0"/>
               </a:rPr>
-              <a:t>Adding regressor to general linear model to characterize task-specific activation</a:t>
+              <a:t>Modeling connectivity as a network of nodes and edges</a:t>
             </a:r>
             <a:endParaRPr lang="en-US" sz="1600" dirty="0"/>
           </a:p>
@@ -13724,10 +13389,10 @@
       </p:sp>
       <p:sp>
         <p:nvSpPr>
-          <p:cNvPr id="360" name="Rectangle 359">
-            <a:extLst>
-              <a:ext uri="{FF2B5EF4-FFF2-40B4-BE49-F238E27FC236}">
-                <a16:creationId xmlns:a16="http://schemas.microsoft.com/office/drawing/2014/main" id="{10E298D7-531F-B342-9179-1B795AC9B6E6}"/>
+          <p:cNvPr id="361" name="Rectangle 360">
+            <a:extLst>
+              <a:ext uri="{FF2B5EF4-FFF2-40B4-BE49-F238E27FC236}">
+                <a16:creationId xmlns:a16="http://schemas.microsoft.com/office/drawing/2014/main" id="{C2119932-CDA3-3648-8432-8A6AC39C13F6}"/>
               </a:ext>
             </a:extLst>
           </p:cNvPr>
@@ -13736,8 +13401,8 @@
         </p:nvSpPr>
         <p:spPr>
           <a:xfrm>
-            <a:off x="24426926" y="15951759"/>
-            <a:ext cx="3331148" cy="584775"/>
+            <a:off x="27694385" y="14150376"/>
+            <a:ext cx="1210012" cy="1569660"/>
           </a:xfrm>
           <a:prstGeom prst="rect">
             <a:avLst/>
@@ -13754,7 +13419,7 @@
               <a:rPr lang="en-US" sz="1600" dirty="0">
                 <a:latin typeface="Helvetica" pitchFamily="2" charset="0"/>
               </a:rPr>
-              <a:t>Modeling connectivity as a network of nodes and edges</a:t>
+              <a:t>Predictive modeling using networks of artificial neurons</a:t>
             </a:r>
             <a:endParaRPr lang="en-US" sz="1600" dirty="0"/>
           </a:p>
@@ -13762,10 +13427,10 @@
       </p:sp>
       <p:sp>
         <p:nvSpPr>
-          <p:cNvPr id="361" name="Rectangle 360">
-            <a:extLst>
-              <a:ext uri="{FF2B5EF4-FFF2-40B4-BE49-F238E27FC236}">
-                <a16:creationId xmlns:a16="http://schemas.microsoft.com/office/drawing/2014/main" id="{C2119932-CDA3-3648-8432-8A6AC39C13F6}"/>
+          <p:cNvPr id="363" name="Rectangle 362">
+            <a:extLst>
+              <a:ext uri="{FF2B5EF4-FFF2-40B4-BE49-F238E27FC236}">
+                <a16:creationId xmlns:a16="http://schemas.microsoft.com/office/drawing/2014/main" id="{D765DAB7-13D0-0741-BCD1-7F33BF58FEE7}"/>
               </a:ext>
             </a:extLst>
           </p:cNvPr>
@@ -13774,8 +13439,8 @@
         </p:nvSpPr>
         <p:spPr>
           <a:xfrm>
-            <a:off x="27694385" y="14150376"/>
-            <a:ext cx="1210012" cy="1569660"/>
+            <a:off x="26735137" y="17592623"/>
+            <a:ext cx="2950534" cy="584775"/>
           </a:xfrm>
           <a:prstGeom prst="rect">
             <a:avLst/>
@@ -13792,7 +13457,7 @@
               <a:rPr lang="en-US" sz="1600" dirty="0">
                 <a:latin typeface="Helvetica" pitchFamily="2" charset="0"/>
               </a:rPr>
-              <a:t>Predictive modeling using networks of artificial neurons</a:t>
+              <a:t>Modeling correlations as causal relations</a:t>
             </a:r>
             <a:endParaRPr lang="en-US" sz="1600" dirty="0"/>
           </a:p>
@@ -13800,134 +13465,112 @@
       </p:sp>
       <p:sp>
         <p:nvSpPr>
-          <p:cNvPr id="363" name="Rectangle 362">
-            <a:extLst>
-              <a:ext uri="{FF2B5EF4-FFF2-40B4-BE49-F238E27FC236}">
-                <a16:creationId xmlns:a16="http://schemas.microsoft.com/office/drawing/2014/main" id="{D765DAB7-13D0-0741-BCD1-7F33BF58FEE7}"/>
-              </a:ext>
-            </a:extLst>
-          </p:cNvPr>
-          <p:cNvSpPr/>
-          <p:nvPr/>
-        </p:nvSpPr>
-        <p:spPr>
-          <a:xfrm>
-            <a:off x="26735137" y="17592623"/>
-            <a:ext cx="2950534" cy="584775"/>
+          <p:cNvPr id="29" name="TextBox 28">
+            <a:extLst>
+              <a:ext uri="{FF2B5EF4-FFF2-40B4-BE49-F238E27FC236}">
+                <a16:creationId xmlns:a16="http://schemas.microsoft.com/office/drawing/2014/main" id="{FFEBA2B2-ECE7-0F4E-8BF6-04CE59CDCEA4}"/>
+              </a:ext>
+            </a:extLst>
+          </p:cNvPr>
+          <p:cNvSpPr txBox="1"/>
+          <p:nvPr/>
+        </p:nvSpPr>
+        <p:spPr>
+          <a:xfrm>
+            <a:off x="442364" y="10841974"/>
+            <a:ext cx="4617195" cy="1477328"/>
           </a:xfrm>
           <a:prstGeom prst="rect">
             <a:avLst/>
           </a:prstGeom>
-        </p:spPr>
-        <p:txBody>
-          <a:bodyPr wrap="square">
+          <a:noFill/>
+        </p:spPr>
+        <p:txBody>
+          <a:bodyPr wrap="square" rtlCol="0">
             <a:spAutoFit/>
           </a:bodyPr>
           <a:lstStyle/>
           <a:p>
-            <a:pPr algn="ctr"/>
-            <a:r>
-              <a:rPr lang="en-US" sz="1600" dirty="0">
-                <a:latin typeface="Helvetica" pitchFamily="2" charset="0"/>
-              </a:rPr>
-              <a:t>Modeling correlations as causal relations</a:t>
-            </a:r>
-            <a:endParaRPr lang="en-US" sz="1600" dirty="0"/>
-          </a:p>
-        </p:txBody>
-      </p:sp>
-      <p:cxnSp>
-        <p:nvCxnSpPr>
-          <p:cNvPr id="147" name="Curved Connector 146">
-            <a:extLst>
-              <a:ext uri="{FF2B5EF4-FFF2-40B4-BE49-F238E27FC236}">
-                <a16:creationId xmlns:a16="http://schemas.microsoft.com/office/drawing/2014/main" id="{777BB002-3CDA-A446-B3B1-0D6C6495D5AC}"/>
-              </a:ext>
-            </a:extLst>
-          </p:cNvPr>
-          <p:cNvCxnSpPr>
-            <a:cxnSpLocks/>
-          </p:cNvCxnSpPr>
-          <p:nvPr/>
-        </p:nvCxnSpPr>
-        <p:spPr>
-          <a:xfrm flipV="1">
-            <a:off x="16057738" y="16183608"/>
-            <a:ext cx="604612" cy="387886"/>
-          </a:xfrm>
-          <a:prstGeom prst="curvedConnector3">
-            <a:avLst>
-              <a:gd name="adj1" fmla="val 50000"/>
-            </a:avLst>
-          </a:prstGeom>
-          <a:ln w="28575">
-            <a:solidFill>
-              <a:srgbClr val="A97FFF"/>
-            </a:solidFill>
-            <a:headEnd type="oval" w="lg" len="lg"/>
-            <a:tailEnd type="triangle" w="lg" len="lg"/>
-          </a:ln>
-        </p:spPr>
-        <p:style>
-          <a:lnRef idx="1">
-            <a:schemeClr val="accent1"/>
-          </a:lnRef>
-          <a:fillRef idx="0">
-            <a:schemeClr val="accent1"/>
-          </a:fillRef>
-          <a:effectRef idx="0">
-            <a:schemeClr val="accent1"/>
-          </a:effectRef>
-          <a:fontRef idx="minor">
-            <a:schemeClr val="tx1"/>
-          </a:fontRef>
-        </p:style>
-      </p:cxnSp>
-      <p:cxnSp>
-        <p:nvCxnSpPr>
-          <p:cNvPr id="150" name="Curved Connector 349">
-            <a:extLst>
-              <a:ext uri="{FF2B5EF4-FFF2-40B4-BE49-F238E27FC236}">
-                <a16:creationId xmlns:a16="http://schemas.microsoft.com/office/drawing/2014/main" id="{AA387A32-7E35-6F44-97CB-B78172320711}"/>
-              </a:ext>
-            </a:extLst>
-          </p:cNvPr>
-          <p:cNvCxnSpPr>
-            <a:cxnSpLocks/>
-          </p:cNvCxnSpPr>
-          <p:nvPr/>
-        </p:nvCxnSpPr>
-        <p:spPr>
-          <a:xfrm flipV="1">
-            <a:off x="18664053" y="16217218"/>
-            <a:ext cx="714856" cy="166"/>
-          </a:xfrm>
-          <a:prstGeom prst="straightConnector1">
-            <a:avLst/>
-          </a:prstGeom>
-          <a:ln w="28575">
-            <a:solidFill>
-              <a:srgbClr val="A97FFF"/>
-            </a:solidFill>
-            <a:headEnd type="oval" w="lg" len="lg"/>
-            <a:tailEnd type="triangle" w="lg" len="lg"/>
-          </a:ln>
-        </p:spPr>
-        <p:style>
-          <a:lnRef idx="1">
-            <a:schemeClr val="accent1"/>
-          </a:lnRef>
-          <a:fillRef idx="0">
-            <a:schemeClr val="accent1"/>
-          </a:fillRef>
-          <a:effectRef idx="0">
-            <a:schemeClr val="accent1"/>
-          </a:effectRef>
-          <a:fontRef idx="minor">
-            <a:schemeClr val="tx1"/>
-          </a:fontRef>
-        </p:style>
-      </p:cxnSp>
+            <a:r>
+              <a:rPr lang="en-US" i="1" dirty="0"/>
+              <a:t>Note: these are all fMRI </a:t>
+            </a:r>
+            <a:r>
+              <a:rPr lang="en-US" b="1" i="1" dirty="0"/>
+              <a:t>post-processing </a:t>
+            </a:r>
+            <a:r>
+              <a:rPr lang="en-US" i="1" dirty="0"/>
+              <a:t>methods, meaning that they would be performed after standard data pre-processing (e.g., motion correction) and processing (e.g., general linear model estimation) steps!</a:t>
+            </a:r>
+          </a:p>
+        </p:txBody>
+      </p:sp>
+      <p:sp>
+        <p:nvSpPr>
+          <p:cNvPr id="160" name="TextBox 159">
+            <a:extLst>
+              <a:ext uri="{FF2B5EF4-FFF2-40B4-BE49-F238E27FC236}">
+                <a16:creationId xmlns:a16="http://schemas.microsoft.com/office/drawing/2014/main" id="{9C364F65-BC15-EA4F-8F67-5ACC72F58186}"/>
+              </a:ext>
+            </a:extLst>
+          </p:cNvPr>
+          <p:cNvSpPr txBox="1"/>
+          <p:nvPr/>
+        </p:nvSpPr>
+        <p:spPr>
+          <a:xfrm>
+            <a:off x="425734" y="12637999"/>
+            <a:ext cx="4438010" cy="1753557"/>
+          </a:xfrm>
+          <a:prstGeom prst="rect">
+            <a:avLst/>
+          </a:prstGeom>
+          <a:noFill/>
+        </p:spPr>
+        <p:txBody>
+          <a:bodyPr wrap="none" rtlCol="0">
+            <a:spAutoFit/>
+          </a:bodyPr>
+          <a:lstStyle/>
+          <a:p>
+            <a:r>
+              <a:rPr lang="en-US" sz="1799" u="sng" dirty="0"/>
+              <a:t>Glossary</a:t>
+            </a:r>
+          </a:p>
+          <a:p>
+            <a:r>
+              <a:rPr lang="en-US" sz="1799" dirty="0"/>
+              <a:t>fMRI: functional magnetic resonance imaging</a:t>
+            </a:r>
+          </a:p>
+          <a:p>
+            <a:r>
+              <a:rPr lang="en-US" sz="1799" dirty="0"/>
+              <a:t>resting state: fMRI data obtained while </a:t>
+            </a:r>
+          </a:p>
+          <a:p>
+            <a:r>
+              <a:rPr lang="en-US" sz="1799" dirty="0"/>
+              <a:t>		        participant does nothing</a:t>
+            </a:r>
+          </a:p>
+          <a:p>
+            <a:r>
+              <a:rPr lang="en-US" sz="1799" dirty="0"/>
+              <a:t>ROI: brain region of interest</a:t>
+            </a:r>
+          </a:p>
+          <a:p>
+            <a:r>
+              <a:rPr lang="en-US" sz="1799" dirty="0"/>
+              <a:t>voxel: a 3D pixel of the brain</a:t>
+            </a:r>
+          </a:p>
+        </p:txBody>
+      </p:sp>
     </p:spTree>
     <p:extLst>
       <p:ext uri="{BB962C8B-B14F-4D97-AF65-F5344CB8AC3E}">

--- a/navigateFMRI/flowchart.pptx
+++ b/navigateFMRI/flowchart.pptx
@@ -9038,8 +9038,8 @@
         </p:nvSpPr>
         <p:spPr>
           <a:xfrm>
-            <a:off x="17831660" y="9692756"/>
-            <a:ext cx="2532193" cy="830997"/>
+            <a:off x="17831660" y="9674827"/>
+            <a:ext cx="2532193" cy="1077218"/>
           </a:xfrm>
           <a:prstGeom prst="rect">
             <a:avLst/>
@@ -9056,7 +9056,7 @@
               <a:rPr lang="en-US" sz="1600" dirty="0">
                 <a:latin typeface="Helvetica" pitchFamily="2" charset="0"/>
               </a:rPr>
-              <a:t>Test difference in correlations between experimental conditions</a:t>
+              <a:t>Split data in half, correlate one half to other half for both same- and different-conditions</a:t>
             </a:r>
             <a:endParaRPr lang="en-US" sz="1600" dirty="0">
               <a:solidFill>

--- a/navigateFMRI/flowchart.pptx
+++ b/navigateFMRI/flowchart.pptx
@@ -8872,8 +8872,8 @@
         </p:nvCxnSpPr>
         <p:spPr>
           <a:xfrm rot="16200000" flipH="1">
-            <a:off x="21258969" y="7849229"/>
-            <a:ext cx="396197" cy="1233267"/>
+            <a:off x="21556487" y="7551712"/>
+            <a:ext cx="514931" cy="1947036"/>
           </a:xfrm>
           <a:prstGeom prst="curvedConnector3">
             <a:avLst>
@@ -8917,8 +8917,8 @@
         </p:nvSpPr>
         <p:spPr>
           <a:xfrm>
-            <a:off x="20691780" y="8663962"/>
-            <a:ext cx="2763841" cy="1021131"/>
+            <a:off x="20868141" y="8782696"/>
+            <a:ext cx="3838658" cy="1021131"/>
           </a:xfrm>
           <a:prstGeom prst="roundRect">
             <a:avLst/>
@@ -8943,7 +8943,7 @@
               <a:rPr lang="en-US" sz="1799" dirty="0">
                 <a:latin typeface="Helvetica" pitchFamily="2" charset="0"/>
               </a:rPr>
-              <a:t>Multivariate pattern classification</a:t>
+              <a:t>Multivariate pattern classification / Support vector machine</a:t>
             </a:r>
           </a:p>
           <a:p>
@@ -9063,44 +9063,6 @@
                 <a:srgbClr val="7030A0"/>
               </a:solidFill>
             </a:endParaRPr>
-          </a:p>
-        </p:txBody>
-      </p:sp>
-      <p:sp>
-        <p:nvSpPr>
-          <p:cNvPr id="173" name="Rectangle 172">
-            <a:extLst>
-              <a:ext uri="{FF2B5EF4-FFF2-40B4-BE49-F238E27FC236}">
-                <a16:creationId xmlns:a16="http://schemas.microsoft.com/office/drawing/2014/main" id="{C13A3605-8156-3447-A8F2-7556A73AD514}"/>
-              </a:ext>
-            </a:extLst>
-          </p:cNvPr>
-          <p:cNvSpPr/>
-          <p:nvPr/>
-        </p:nvSpPr>
-        <p:spPr>
-          <a:xfrm>
-            <a:off x="20558711" y="9692756"/>
-            <a:ext cx="3122965" cy="830997"/>
-          </a:xfrm>
-          <a:prstGeom prst="rect">
-            <a:avLst/>
-          </a:prstGeom>
-        </p:spPr>
-        <p:txBody>
-          <a:bodyPr wrap="square">
-            <a:spAutoFit/>
-          </a:bodyPr>
-          <a:lstStyle/>
-          <a:p>
-            <a:pPr algn="ctr"/>
-            <a:r>
-              <a:rPr lang="en-US" sz="1600" dirty="0">
-                <a:latin typeface="Helvetica" pitchFamily="2" charset="0"/>
-              </a:rPr>
-              <a:t>Train linear classifier to predict the experimental conditions of held-out test data</a:t>
-            </a:r>
-            <a:endParaRPr lang="en-US" sz="1600" dirty="0"/>
           </a:p>
         </p:txBody>
       </p:sp>
@@ -9473,14 +9435,14 @@
         </p:nvCxnSpPr>
         <p:spPr>
           <a:xfrm flipH="1" flipV="1">
-            <a:off x="20691780" y="9174521"/>
-            <a:ext cx="765287" cy="2059618"/>
+            <a:off x="20868141" y="9293262"/>
+            <a:ext cx="588926" cy="1940884"/>
           </a:xfrm>
           <a:prstGeom prst="curvedConnector5">
             <a:avLst>
-              <a:gd name="adj1" fmla="val -29871"/>
-              <a:gd name="adj2" fmla="val 38665"/>
-              <a:gd name="adj3" fmla="val 129871"/>
+              <a:gd name="adj1" fmla="val -38816"/>
+              <a:gd name="adj2" fmla="val 50000"/>
+              <a:gd name="adj3" fmla="val 138816"/>
             </a:avLst>
           </a:prstGeom>
           <a:ln w="28575">
@@ -13568,6 +13530,44 @@
               <a:rPr lang="en-US" sz="1799" dirty="0"/>
               <a:t>voxel: a 3D pixel of the brain</a:t>
             </a:r>
+          </a:p>
+        </p:txBody>
+      </p:sp>
+      <p:sp>
+        <p:nvSpPr>
+          <p:cNvPr id="141" name="Rectangle 140">
+            <a:extLst>
+              <a:ext uri="{FF2B5EF4-FFF2-40B4-BE49-F238E27FC236}">
+                <a16:creationId xmlns:a16="http://schemas.microsoft.com/office/drawing/2014/main" id="{8D09C288-663D-E441-8518-22137B7BC88C}"/>
+              </a:ext>
+            </a:extLst>
+          </p:cNvPr>
+          <p:cNvSpPr/>
+          <p:nvPr/>
+        </p:nvSpPr>
+        <p:spPr>
+          <a:xfrm>
+            <a:off x="20363853" y="9802586"/>
+            <a:ext cx="4907356" cy="584775"/>
+          </a:xfrm>
+          <a:prstGeom prst="rect">
+            <a:avLst/>
+          </a:prstGeom>
+        </p:spPr>
+        <p:txBody>
+          <a:bodyPr wrap="square">
+            <a:spAutoFit/>
+          </a:bodyPr>
+          <a:lstStyle/>
+          <a:p>
+            <a:pPr algn="ctr"/>
+            <a:r>
+              <a:rPr lang="en-US" sz="1600" dirty="0">
+                <a:latin typeface="Helvetica" pitchFamily="2" charset="0"/>
+              </a:rPr>
+              <a:t>Train linear classifier to predict the experimental conditions of held-out test data</a:t>
+            </a:r>
+            <a:endParaRPr lang="en-US" sz="1600" dirty="0"/>
           </a:p>
         </p:txBody>
       </p:sp>

--- a/navigateFMRI/flowchart.pptx
+++ b/navigateFMRI/flowchart.pptx
@@ -209,7 +209,7 @@
           <a:p>
             <a:fld id="{0940D478-5DA4-9E48-A18E-691F19DD5404}" type="datetimeFigureOut">
               <a:rPr lang="en-US" smtClean="0"/>
-              <a:t>2/16/21</a:t>
+              <a:t>2/19/21</a:t>
             </a:fld>
             <a:endParaRPr lang="en-US"/>
           </a:p>
@@ -785,7 +785,7 @@
           <a:p>
             <a:fld id="{61C4A074-6837-7843-BEBA-2B882681BD94}" type="datetimeFigureOut">
               <a:rPr lang="en-US" smtClean="0"/>
-              <a:t>2/16/21</a:t>
+              <a:t>2/19/21</a:t>
             </a:fld>
             <a:endParaRPr lang="en-US"/>
           </a:p>
@@ -955,7 +955,7 @@
           <a:p>
             <a:fld id="{61C4A074-6837-7843-BEBA-2B882681BD94}" type="datetimeFigureOut">
               <a:rPr lang="en-US" smtClean="0"/>
-              <a:t>2/16/21</a:t>
+              <a:t>2/19/21</a:t>
             </a:fld>
             <a:endParaRPr lang="en-US"/>
           </a:p>
@@ -1135,7 +1135,7 @@
           <a:p>
             <a:fld id="{61C4A074-6837-7843-BEBA-2B882681BD94}" type="datetimeFigureOut">
               <a:rPr lang="en-US" smtClean="0"/>
-              <a:t>2/16/21</a:t>
+              <a:t>2/19/21</a:t>
             </a:fld>
             <a:endParaRPr lang="en-US"/>
           </a:p>
@@ -1305,7 +1305,7 @@
           <a:p>
             <a:fld id="{61C4A074-6837-7843-BEBA-2B882681BD94}" type="datetimeFigureOut">
               <a:rPr lang="en-US" smtClean="0"/>
-              <a:t>2/16/21</a:t>
+              <a:t>2/19/21</a:t>
             </a:fld>
             <a:endParaRPr lang="en-US"/>
           </a:p>
@@ -1551,7 +1551,7 @@
           <a:p>
             <a:fld id="{61C4A074-6837-7843-BEBA-2B882681BD94}" type="datetimeFigureOut">
               <a:rPr lang="en-US" smtClean="0"/>
-              <a:t>2/16/21</a:t>
+              <a:t>2/19/21</a:t>
             </a:fld>
             <a:endParaRPr lang="en-US"/>
           </a:p>
@@ -1783,7 +1783,7 @@
           <a:p>
             <a:fld id="{61C4A074-6837-7843-BEBA-2B882681BD94}" type="datetimeFigureOut">
               <a:rPr lang="en-US" smtClean="0"/>
-              <a:t>2/16/21</a:t>
+              <a:t>2/19/21</a:t>
             </a:fld>
             <a:endParaRPr lang="en-US"/>
           </a:p>
@@ -2150,7 +2150,7 @@
           <a:p>
             <a:fld id="{61C4A074-6837-7843-BEBA-2B882681BD94}" type="datetimeFigureOut">
               <a:rPr lang="en-US" smtClean="0"/>
-              <a:t>2/16/21</a:t>
+              <a:t>2/19/21</a:t>
             </a:fld>
             <a:endParaRPr lang="en-US"/>
           </a:p>
@@ -2268,7 +2268,7 @@
           <a:p>
             <a:fld id="{61C4A074-6837-7843-BEBA-2B882681BD94}" type="datetimeFigureOut">
               <a:rPr lang="en-US" smtClean="0"/>
-              <a:t>2/16/21</a:t>
+              <a:t>2/19/21</a:t>
             </a:fld>
             <a:endParaRPr lang="en-US"/>
           </a:p>
@@ -2363,7 +2363,7 @@
           <a:p>
             <a:fld id="{61C4A074-6837-7843-BEBA-2B882681BD94}" type="datetimeFigureOut">
               <a:rPr lang="en-US" smtClean="0"/>
-              <a:t>2/16/21</a:t>
+              <a:t>2/19/21</a:t>
             </a:fld>
             <a:endParaRPr lang="en-US"/>
           </a:p>
@@ -2640,7 +2640,7 @@
           <a:p>
             <a:fld id="{61C4A074-6837-7843-BEBA-2B882681BD94}" type="datetimeFigureOut">
               <a:rPr lang="en-US" smtClean="0"/>
-              <a:t>2/16/21</a:t>
+              <a:t>2/19/21</a:t>
             </a:fld>
             <a:endParaRPr lang="en-US"/>
           </a:p>
@@ -2897,7 +2897,7 @@
           <a:p>
             <a:fld id="{61C4A074-6837-7843-BEBA-2B882681BD94}" type="datetimeFigureOut">
               <a:rPr lang="en-US" smtClean="0"/>
-              <a:t>2/16/21</a:t>
+              <a:t>2/19/21</a:t>
             </a:fld>
             <a:endParaRPr lang="en-US"/>
           </a:p>
@@ -3110,7 +3110,7 @@
           <a:p>
             <a:fld id="{61C4A074-6837-7843-BEBA-2B882681BD94}" type="datetimeFigureOut">
               <a:rPr lang="en-US" smtClean="0"/>
-              <a:t>2/16/21</a:t>
+              <a:t>2/19/21</a:t>
             </a:fld>
             <a:endParaRPr lang="en-US"/>
           </a:p>
@@ -6784,17 +6784,18 @@
           <p:cNvCxnSpPr>
             <a:cxnSpLocks/>
             <a:stCxn id="471" idx="3"/>
-            <a:endCxn id="719" idx="0"/>
           </p:cNvCxnSpPr>
           <p:nvPr/>
         </p:nvCxnSpPr>
         <p:spPr>
           <a:xfrm>
             <a:off x="21457067" y="11234146"/>
-            <a:ext cx="7335189" cy="1760784"/>
-          </a:xfrm>
-          <a:prstGeom prst="curvedConnector2">
-            <a:avLst/>
+            <a:ext cx="6441774" cy="1958619"/>
+          </a:xfrm>
+          <a:prstGeom prst="curvedConnector3">
+            <a:avLst>
+              <a:gd name="adj1" fmla="val 95712"/>
+            </a:avLst>
           </a:prstGeom>
           <a:ln w="28575">
             <a:solidFill>
@@ -10100,8 +10101,8 @@
         </p:nvSpPr>
         <p:spPr>
           <a:xfrm>
-            <a:off x="24519283" y="14920216"/>
-            <a:ext cx="3150624" cy="1021131"/>
+            <a:off x="26724019" y="14892250"/>
+            <a:ext cx="2961652" cy="1021131"/>
           </a:xfrm>
           <a:prstGeom prst="roundRect">
             <a:avLst/>
@@ -11530,17 +11531,19 @@
           <p:cNvCxnSpPr>
             <a:cxnSpLocks/>
             <a:stCxn id="511" idx="3"/>
-            <a:endCxn id="719" idx="0"/>
+            <a:endCxn id="719" idx="1"/>
           </p:cNvCxnSpPr>
           <p:nvPr/>
         </p:nvCxnSpPr>
         <p:spPr>
           <a:xfrm>
             <a:off x="24222519" y="12225969"/>
-            <a:ext cx="4569737" cy="768961"/>
-          </a:xfrm>
-          <a:prstGeom prst="curvedConnector2">
-            <a:avLst/>
+            <a:ext cx="3676322" cy="1279527"/>
+          </a:xfrm>
+          <a:prstGeom prst="curvedConnector3">
+            <a:avLst>
+              <a:gd name="adj1" fmla="val 84569"/>
+            </a:avLst>
           </a:prstGeom>
           <a:ln w="28575">
             <a:solidFill>
@@ -11655,8 +11658,8 @@
         </p:nvCxnSpPr>
         <p:spPr>
           <a:xfrm flipV="1">
-            <a:off x="20666350" y="15430782"/>
-            <a:ext cx="3852933" cy="410866"/>
+            <a:off x="20666350" y="15402816"/>
+            <a:ext cx="6057669" cy="438832"/>
           </a:xfrm>
           <a:prstGeom prst="straightConnector1">
             <a:avLst/>
@@ -11784,7 +11787,7 @@
         <p:spPr>
           <a:xfrm>
             <a:off x="27898841" y="12994930"/>
-            <a:ext cx="1786830" cy="1021131"/>
+            <a:ext cx="1760214" cy="1021131"/>
           </a:xfrm>
           <a:prstGeom prst="roundRect">
             <a:avLst/>
@@ -11855,8 +11858,8 @@
         </p:nvSpPr>
         <p:spPr>
           <a:xfrm>
-            <a:off x="28855661" y="14106310"/>
-            <a:ext cx="818894" cy="714806"/>
+            <a:off x="27929837" y="12497330"/>
+            <a:ext cx="818894" cy="408481"/>
           </a:xfrm>
           <a:prstGeom prst="roundRect">
             <a:avLst/>
@@ -11884,33 +11887,6 @@
               <a:t>CNN</a:t>
             </a:r>
           </a:p>
-          <a:p>
-            <a:pPr algn="ctr"/>
-            <a:r>
-              <a:rPr lang="en-US" sz="1799" dirty="0">
-                <a:solidFill>
-                  <a:srgbClr val="FF3F3F"/>
-                </a:solidFill>
-                <a:latin typeface="Helvetica" pitchFamily="2" charset="0"/>
-              </a:rPr>
-              <a:t>#</a:t>
-            </a:r>
-            <a:r>
-              <a:rPr lang="en-US" sz="1799" dirty="0" err="1">
-                <a:solidFill>
-                  <a:srgbClr val="FF3F3F"/>
-                </a:solidFill>
-                <a:latin typeface="Helvetica" pitchFamily="2" charset="0"/>
-              </a:rPr>
-              <a:t>cnn</a:t>
-            </a:r>
-            <a:endParaRPr lang="en-US" sz="1799" dirty="0">
-              <a:solidFill>
-                <a:srgbClr val="FF3F3F"/>
-              </a:solidFill>
-              <a:latin typeface="Helvetica" pitchFamily="2" charset="0"/>
-            </a:endParaRPr>
-          </a:p>
         </p:txBody>
       </p:sp>
       <p:sp>
@@ -11927,8 +11903,8 @@
         </p:nvSpPr>
         <p:spPr>
           <a:xfrm>
-            <a:off x="28855660" y="14920210"/>
-            <a:ext cx="818894" cy="714806"/>
+            <a:off x="28840161" y="12497330"/>
+            <a:ext cx="818894" cy="408481"/>
           </a:xfrm>
           <a:prstGeom prst="roundRect">
             <a:avLst/>
@@ -11956,65 +11932,39 @@
               <a:t>RNN</a:t>
             </a:r>
           </a:p>
-          <a:p>
-            <a:pPr algn="ctr"/>
-            <a:r>
-              <a:rPr lang="en-US" sz="1799" dirty="0">
-                <a:solidFill>
-                  <a:srgbClr val="FF3F3F"/>
-                </a:solidFill>
-                <a:latin typeface="Helvetica" pitchFamily="2" charset="0"/>
-              </a:rPr>
-              <a:t>#</a:t>
-            </a:r>
-            <a:r>
-              <a:rPr lang="en-US" sz="1799" dirty="0" err="1">
-                <a:solidFill>
-                  <a:srgbClr val="FF3F3F"/>
-                </a:solidFill>
-                <a:latin typeface="Helvetica" pitchFamily="2" charset="0"/>
-              </a:rPr>
-              <a:t>rnn</a:t>
-            </a:r>
-            <a:endParaRPr lang="en-US" sz="1799" dirty="0">
-              <a:solidFill>
-                <a:srgbClr val="FF3F3F"/>
-              </a:solidFill>
-              <a:latin typeface="Helvetica" pitchFamily="2" charset="0"/>
-            </a:endParaRPr>
-          </a:p>
         </p:txBody>
       </p:sp>
       <p:cxnSp>
         <p:nvCxnSpPr>
-          <p:cNvPr id="725" name="Curved Connector 724">
-            <a:extLst>
-              <a:ext uri="{FF2B5EF4-FFF2-40B4-BE49-F238E27FC236}">
-                <a16:creationId xmlns:a16="http://schemas.microsoft.com/office/drawing/2014/main" id="{49B0AAF2-830A-3445-A15F-D57BFFC7E4E4}"/>
+          <p:cNvPr id="740" name="Curved Connector 505">
+            <a:extLst>
+              <a:ext uri="{FF2B5EF4-FFF2-40B4-BE49-F238E27FC236}">
+                <a16:creationId xmlns:a16="http://schemas.microsoft.com/office/drawing/2014/main" id="{D9E297D1-FC31-8E44-8B7F-3B95A683EEE3}"/>
               </a:ext>
             </a:extLst>
           </p:cNvPr>
           <p:cNvCxnSpPr>
             <a:cxnSpLocks/>
-            <a:stCxn id="719" idx="3"/>
-            <a:endCxn id="723" idx="3"/>
+            <a:stCxn id="471" idx="3"/>
+            <a:endCxn id="767" idx="1"/>
           </p:cNvCxnSpPr>
           <p:nvPr/>
         </p:nvCxnSpPr>
         <p:spPr>
-          <a:xfrm flipH="1">
-            <a:off x="29674555" y="13505496"/>
-            <a:ext cx="11116" cy="958221"/>
+          <a:xfrm flipV="1">
+            <a:off x="21457067" y="10750686"/>
+            <a:ext cx="1871742" cy="483460"/>
           </a:xfrm>
           <a:prstGeom prst="curvedConnector3">
             <a:avLst>
-              <a:gd name="adj1" fmla="val -2056495"/>
+              <a:gd name="adj1" fmla="val 50000"/>
             </a:avLst>
           </a:prstGeom>
           <a:ln w="28575">
             <a:solidFill>
               <a:srgbClr val="7FD5FF"/>
             </a:solidFill>
+            <a:headEnd type="oval" w="lg" len="lg"/>
             <a:tailEnd type="triangle" w="lg" len="lg"/>
           </a:ln>
         </p:spPr>
@@ -12033,104 +11983,6 @@
           </a:fontRef>
         </p:style>
       </p:cxnSp>
-      <p:cxnSp>
-        <p:nvCxnSpPr>
-          <p:cNvPr id="728" name="Curved Connector 727">
-            <a:extLst>
-              <a:ext uri="{FF2B5EF4-FFF2-40B4-BE49-F238E27FC236}">
-                <a16:creationId xmlns:a16="http://schemas.microsoft.com/office/drawing/2014/main" id="{86BBBB01-991B-EE45-82AB-130E4CD046FC}"/>
-              </a:ext>
-            </a:extLst>
-          </p:cNvPr>
-          <p:cNvCxnSpPr>
-            <a:cxnSpLocks/>
-            <a:stCxn id="719" idx="3"/>
-            <a:endCxn id="724" idx="3"/>
-          </p:cNvCxnSpPr>
-          <p:nvPr/>
-        </p:nvCxnSpPr>
-        <p:spPr>
-          <a:xfrm flipH="1">
-            <a:off x="29674558" y="13505496"/>
-            <a:ext cx="11117" cy="1772121"/>
-          </a:xfrm>
-          <a:prstGeom prst="curvedConnector3">
-            <a:avLst>
-              <a:gd name="adj1" fmla="val -2056310"/>
-            </a:avLst>
-          </a:prstGeom>
-          <a:ln w="28575">
-            <a:solidFill>
-              <a:srgbClr val="7FD5FF"/>
-            </a:solidFill>
-            <a:headEnd type="oval" w="lg" len="lg"/>
-            <a:tailEnd type="triangle" w="lg" len="lg"/>
-          </a:ln>
-        </p:spPr>
-        <p:style>
-          <a:lnRef idx="1">
-            <a:schemeClr val="accent1"/>
-          </a:lnRef>
-          <a:fillRef idx="0">
-            <a:schemeClr val="accent1"/>
-          </a:fillRef>
-          <a:effectRef idx="0">
-            <a:schemeClr val="accent1"/>
-          </a:effectRef>
-          <a:fontRef idx="minor">
-            <a:schemeClr val="tx1"/>
-          </a:fontRef>
-        </p:style>
-      </p:cxnSp>
-      <p:cxnSp>
-        <p:nvCxnSpPr>
-          <p:cNvPr id="740" name="Curved Connector 505">
-            <a:extLst>
-              <a:ext uri="{FF2B5EF4-FFF2-40B4-BE49-F238E27FC236}">
-                <a16:creationId xmlns:a16="http://schemas.microsoft.com/office/drawing/2014/main" id="{D9E297D1-FC31-8E44-8B7F-3B95A683EEE3}"/>
-              </a:ext>
-            </a:extLst>
-          </p:cNvPr>
-          <p:cNvCxnSpPr>
-            <a:cxnSpLocks/>
-            <a:stCxn id="471" idx="3"/>
-            <a:endCxn id="767" idx="1"/>
-          </p:cNvCxnSpPr>
-          <p:nvPr/>
-        </p:nvCxnSpPr>
-        <p:spPr>
-          <a:xfrm flipV="1">
-            <a:off x="21457067" y="10750686"/>
-            <a:ext cx="1871742" cy="483460"/>
-          </a:xfrm>
-          <a:prstGeom prst="curvedConnector3">
-            <a:avLst>
-              <a:gd name="adj1" fmla="val 50000"/>
-            </a:avLst>
-          </a:prstGeom>
-          <a:ln w="28575">
-            <a:solidFill>
-              <a:srgbClr val="7FD5FF"/>
-            </a:solidFill>
-            <a:headEnd type="oval" w="lg" len="lg"/>
-            <a:tailEnd type="triangle" w="lg" len="lg"/>
-          </a:ln>
-        </p:spPr>
-        <p:style>
-          <a:lnRef idx="1">
-            <a:schemeClr val="accent1"/>
-          </a:lnRef>
-          <a:fillRef idx="0">
-            <a:schemeClr val="accent1"/>
-          </a:fillRef>
-          <a:effectRef idx="0">
-            <a:schemeClr val="accent1"/>
-          </a:effectRef>
-          <a:fontRef idx="minor">
-            <a:schemeClr val="tx1"/>
-          </a:fontRef>
-        </p:style>
-      </p:cxnSp>
       <p:sp>
         <p:nvSpPr>
           <p:cNvPr id="743" name="Rounded Rectangle 742">
@@ -12145,7 +11997,7 @@
         </p:nvSpPr>
         <p:spPr>
           <a:xfrm>
-            <a:off x="26539894" y="10094974"/>
+            <a:off x="26539894" y="9289061"/>
             <a:ext cx="1130021" cy="1304248"/>
           </a:xfrm>
           <a:prstGeom prst="roundRect">
@@ -12254,8 +12106,8 @@
         </p:nvCxnSpPr>
         <p:spPr>
           <a:xfrm flipV="1">
-            <a:off x="26121754" y="10747098"/>
-            <a:ext cx="418140" cy="3588"/>
+            <a:off x="26121754" y="9941185"/>
+            <a:ext cx="418140" cy="809501"/>
           </a:xfrm>
           <a:prstGeom prst="curvedConnector3">
             <a:avLst>
@@ -13250,7 +13102,7 @@
         </p:nvSpPr>
         <p:spPr>
           <a:xfrm>
-            <a:off x="27669907" y="10388619"/>
+            <a:off x="27669907" y="9582706"/>
             <a:ext cx="2380309" cy="1077218"/>
           </a:xfrm>
           <a:prstGeom prst="rect">
@@ -13325,7 +13177,7 @@
         </p:nvSpPr>
         <p:spPr>
           <a:xfrm>
-            <a:off x="24426926" y="15951759"/>
+            <a:off x="26330824" y="15915296"/>
             <a:ext cx="3331148" cy="584775"/>
           </a:xfrm>
           <a:prstGeom prst="rect">
@@ -13363,8 +13215,8 @@
         </p:nvSpPr>
         <p:spPr>
           <a:xfrm>
-            <a:off x="27694385" y="14150376"/>
-            <a:ext cx="1210012" cy="1569660"/>
+            <a:off x="27810851" y="14026295"/>
+            <a:ext cx="1964670" cy="830997"/>
           </a:xfrm>
           <a:prstGeom prst="rect">
             <a:avLst/>
@@ -13571,6 +13423,53 @@
           </a:p>
         </p:txBody>
       </p:sp>
+      <p:cxnSp>
+        <p:nvCxnSpPr>
+          <p:cNvPr id="143" name="Curved Connector 505">
+            <a:extLst>
+              <a:ext uri="{FF2B5EF4-FFF2-40B4-BE49-F238E27FC236}">
+                <a16:creationId xmlns:a16="http://schemas.microsoft.com/office/drawing/2014/main" id="{F94FC7A7-6FA1-8348-95D5-4B275E69FD8F}"/>
+              </a:ext>
+            </a:extLst>
+          </p:cNvPr>
+          <p:cNvCxnSpPr>
+            <a:cxnSpLocks/>
+            <a:stCxn id="767" idx="3"/>
+            <a:endCxn id="724" idx="0"/>
+          </p:cNvCxnSpPr>
+          <p:nvPr/>
+        </p:nvCxnSpPr>
+        <p:spPr>
+          <a:xfrm>
+            <a:off x="26121754" y="10750686"/>
+            <a:ext cx="3127854" cy="1746644"/>
+          </a:xfrm>
+          <a:prstGeom prst="curvedConnector2">
+            <a:avLst/>
+          </a:prstGeom>
+          <a:ln w="28575">
+            <a:solidFill>
+              <a:srgbClr val="7FD5FF"/>
+            </a:solidFill>
+            <a:headEnd type="oval" w="lg" len="lg"/>
+            <a:tailEnd type="triangle" w="lg" len="lg"/>
+          </a:ln>
+        </p:spPr>
+        <p:style>
+          <a:lnRef idx="1">
+            <a:schemeClr val="accent1"/>
+          </a:lnRef>
+          <a:fillRef idx="0">
+            <a:schemeClr val="accent1"/>
+          </a:fillRef>
+          <a:effectRef idx="0">
+            <a:schemeClr val="accent1"/>
+          </a:effectRef>
+          <a:fontRef idx="minor">
+            <a:schemeClr val="tx1"/>
+          </a:fontRef>
+        </p:style>
+      </p:cxnSp>
     </p:spTree>
     <p:extLst>
       <p:ext uri="{BB962C8B-B14F-4D97-AF65-F5344CB8AC3E}">

--- a/navigateFMRI/flowchart.pptx
+++ b/navigateFMRI/flowchart.pptx
@@ -7042,7 +7042,7 @@
         <p:spPr>
           <a:xfrm flipV="1">
             <a:off x="17887450" y="6043787"/>
-            <a:ext cx="2830262" cy="34417"/>
+            <a:ext cx="2202463" cy="34417"/>
           </a:xfrm>
           <a:prstGeom prst="curvedConnector3">
             <a:avLst>
@@ -7083,17 +7083,19 @@
           </p:cNvPr>
           <p:cNvCxnSpPr>
             <a:cxnSpLocks/>
-            <a:endCxn id="228" idx="1"/>
+            <a:stCxn id="272" idx="3"/>
           </p:cNvCxnSpPr>
           <p:nvPr/>
         </p:nvCxnSpPr>
         <p:spPr>
           <a:xfrm flipV="1">
-            <a:off x="16062695" y="13648893"/>
-            <a:ext cx="3036985" cy="2780168"/>
-          </a:xfrm>
-          <a:prstGeom prst="straightConnector1">
-            <a:avLst/>
+            <a:off x="16067618" y="14081760"/>
+            <a:ext cx="4448193" cy="2332568"/>
+          </a:xfrm>
+          <a:prstGeom prst="curvedConnector3">
+            <a:avLst>
+              <a:gd name="adj1" fmla="val 18978"/>
+            </a:avLst>
           </a:prstGeom>
           <a:ln w="28575">
             <a:solidFill>
@@ -8583,11 +8585,13 @@
         </p:nvCxnSpPr>
         <p:spPr>
           <a:xfrm flipV="1">
-            <a:off x="18679374" y="7532610"/>
-            <a:ext cx="563421" cy="146893"/>
-          </a:xfrm>
-          <a:prstGeom prst="straightConnector1">
-            <a:avLst/>
+            <a:off x="18679367" y="6494653"/>
+            <a:ext cx="1418428" cy="1184850"/>
+          </a:xfrm>
+          <a:prstGeom prst="curvedConnector3">
+            <a:avLst>
+              <a:gd name="adj1" fmla="val 50000"/>
+            </a:avLst>
           </a:prstGeom>
           <a:ln w="28575">
             <a:solidFill>
@@ -8713,10 +8717,10 @@
       </p:cxnSp>
       <p:sp>
         <p:nvSpPr>
-          <p:cNvPr id="129" name="Rounded Rectangle 128">
-            <a:extLst>
-              <a:ext uri="{FF2B5EF4-FFF2-40B4-BE49-F238E27FC236}">
-                <a16:creationId xmlns:a16="http://schemas.microsoft.com/office/drawing/2014/main" id="{28371DA5-A3FD-6842-B870-15B79244F286}"/>
+          <p:cNvPr id="145" name="Rounded Rectangle 144">
+            <a:extLst>
+              <a:ext uri="{FF2B5EF4-FFF2-40B4-BE49-F238E27FC236}">
+                <a16:creationId xmlns:a16="http://schemas.microsoft.com/office/drawing/2014/main" id="{12B63715-3AB0-9D42-A757-911B976D5358}"/>
               </a:ext>
             </a:extLst>
           </p:cNvPr>
@@ -8725,8 +8729,8 @@
         </p:nvSpPr>
         <p:spPr>
           <a:xfrm>
-            <a:off x="19242794" y="7246634"/>
-            <a:ext cx="3195279" cy="1021131"/>
+            <a:off x="22648263" y="8851047"/>
+            <a:ext cx="3724439" cy="1021131"/>
           </a:xfrm>
           <a:prstGeom prst="roundRect">
             <a:avLst/>
@@ -8751,7 +8755,7 @@
               <a:rPr lang="en-US" sz="1799" dirty="0">
                 <a:latin typeface="Helvetica" pitchFamily="2" charset="0"/>
               </a:rPr>
-              <a:t>Multivariate (or multivoxel) pattern analysis</a:t>
+              <a:t>Multivariate pattern classification / Support vector machine</a:t>
             </a:r>
           </a:p>
           <a:p>
@@ -8772,297 +8776,13 @@
                 </a:solidFill>
                 <a:latin typeface="Helvetica" pitchFamily="2" charset="0"/>
               </a:rPr>
-              <a:t>mvpa</a:t>
+              <a:t>mvpc</a:t>
             </a:r>
             <a:endParaRPr lang="en-US" sz="1799" dirty="0">
               <a:solidFill>
                 <a:srgbClr val="FF3F3F"/>
               </a:solidFill>
               <a:latin typeface="Helvetica" pitchFamily="2" charset="0"/>
-            </a:endParaRPr>
-          </a:p>
-        </p:txBody>
-      </p:sp>
-      <p:sp>
-        <p:nvSpPr>
-          <p:cNvPr id="140" name="Rounded Rectangle 139">
-            <a:extLst>
-              <a:ext uri="{FF2B5EF4-FFF2-40B4-BE49-F238E27FC236}">
-                <a16:creationId xmlns:a16="http://schemas.microsoft.com/office/drawing/2014/main" id="{04185374-E59F-0842-B07B-F6ADDCCF0873}"/>
-              </a:ext>
-            </a:extLst>
-          </p:cNvPr>
-          <p:cNvSpPr/>
-          <p:nvPr/>
-        </p:nvSpPr>
-        <p:spPr>
-          <a:xfrm>
-            <a:off x="17945655" y="8663961"/>
-            <a:ext cx="2304190" cy="1021131"/>
-          </a:xfrm>
-          <a:prstGeom prst="roundRect">
-            <a:avLst/>
-          </a:prstGeom>
-          <a:solidFill>
-            <a:schemeClr val="bg1"/>
-          </a:solidFill>
-          <a:ln w="38100">
-            <a:solidFill>
-              <a:schemeClr val="tx1"/>
-            </a:solidFill>
-          </a:ln>
-        </p:spPr>
-        <p:txBody>
-          <a:bodyPr wrap="square">
-            <a:spAutoFit/>
-          </a:bodyPr>
-          <a:lstStyle/>
-          <a:p>
-            <a:pPr algn="ctr"/>
-            <a:r>
-              <a:rPr lang="en-US" sz="1799" dirty="0">
-                <a:latin typeface="Helvetica" pitchFamily="2" charset="0"/>
-              </a:rPr>
-              <a:t>Correlation-based analysis</a:t>
-            </a:r>
-          </a:p>
-          <a:p>
-            <a:pPr algn="ctr"/>
-            <a:r>
-              <a:rPr lang="en-US" sz="1799" dirty="0">
-                <a:solidFill>
-                  <a:srgbClr val="FF3F3F"/>
-                </a:solidFill>
-                <a:latin typeface="Helvetica" pitchFamily="2" charset="0"/>
-              </a:rPr>
-              <a:t>#</a:t>
-            </a:r>
-            <a:r>
-              <a:rPr lang="en-US" sz="1799" dirty="0" err="1">
-                <a:solidFill>
-                  <a:srgbClr val="FF3F3F"/>
-                </a:solidFill>
-                <a:latin typeface="Helvetica" pitchFamily="2" charset="0"/>
-              </a:rPr>
-              <a:t>mvpa_correlation</a:t>
-            </a:r>
-            <a:endParaRPr lang="en-US" sz="1799" dirty="0">
-              <a:solidFill>
-                <a:srgbClr val="FF3F3F"/>
-              </a:solidFill>
-              <a:latin typeface="Helvetica" pitchFamily="2" charset="0"/>
-            </a:endParaRPr>
-          </a:p>
-        </p:txBody>
-      </p:sp>
-      <p:cxnSp>
-        <p:nvCxnSpPr>
-          <p:cNvPr id="142" name="Curved Connector 141">
-            <a:extLst>
-              <a:ext uri="{FF2B5EF4-FFF2-40B4-BE49-F238E27FC236}">
-                <a16:creationId xmlns:a16="http://schemas.microsoft.com/office/drawing/2014/main" id="{F746CA80-B2A2-8445-A9F0-5D6A1CDC9164}"/>
-              </a:ext>
-            </a:extLst>
-          </p:cNvPr>
-          <p:cNvCxnSpPr>
-            <a:cxnSpLocks/>
-            <a:stCxn id="129" idx="2"/>
-            <a:endCxn id="145" idx="0"/>
-          </p:cNvCxnSpPr>
-          <p:nvPr/>
-        </p:nvCxnSpPr>
-        <p:spPr>
-          <a:xfrm rot="16200000" flipH="1">
-            <a:off x="21556487" y="7551712"/>
-            <a:ext cx="514931" cy="1947036"/>
-          </a:xfrm>
-          <a:prstGeom prst="curvedConnector3">
-            <a:avLst>
-              <a:gd name="adj1" fmla="val 50000"/>
-            </a:avLst>
-          </a:prstGeom>
-          <a:ln w="28575">
-            <a:solidFill>
-              <a:srgbClr val="90C840"/>
-            </a:solidFill>
-            <a:headEnd type="oval" w="lg" len="lg"/>
-            <a:tailEnd type="triangle" w="lg" len="lg"/>
-          </a:ln>
-        </p:spPr>
-        <p:style>
-          <a:lnRef idx="1">
-            <a:schemeClr val="accent1"/>
-          </a:lnRef>
-          <a:fillRef idx="0">
-            <a:schemeClr val="accent1"/>
-          </a:fillRef>
-          <a:effectRef idx="0">
-            <a:schemeClr val="accent1"/>
-          </a:effectRef>
-          <a:fontRef idx="minor">
-            <a:schemeClr val="tx1"/>
-          </a:fontRef>
-        </p:style>
-      </p:cxnSp>
-      <p:sp>
-        <p:nvSpPr>
-          <p:cNvPr id="145" name="Rounded Rectangle 144">
-            <a:extLst>
-              <a:ext uri="{FF2B5EF4-FFF2-40B4-BE49-F238E27FC236}">
-                <a16:creationId xmlns:a16="http://schemas.microsoft.com/office/drawing/2014/main" id="{12B63715-3AB0-9D42-A757-911B976D5358}"/>
-              </a:ext>
-            </a:extLst>
-          </p:cNvPr>
-          <p:cNvSpPr/>
-          <p:nvPr/>
-        </p:nvSpPr>
-        <p:spPr>
-          <a:xfrm>
-            <a:off x="20868141" y="8782696"/>
-            <a:ext cx="3838658" cy="1021131"/>
-          </a:xfrm>
-          <a:prstGeom prst="roundRect">
-            <a:avLst/>
-          </a:prstGeom>
-          <a:solidFill>
-            <a:schemeClr val="bg1"/>
-          </a:solidFill>
-          <a:ln w="38100">
-            <a:solidFill>
-              <a:schemeClr val="tx1"/>
-            </a:solidFill>
-          </a:ln>
-        </p:spPr>
-        <p:txBody>
-          <a:bodyPr wrap="square">
-            <a:spAutoFit/>
-          </a:bodyPr>
-          <a:lstStyle/>
-          <a:p>
-            <a:pPr algn="ctr"/>
-            <a:r>
-              <a:rPr lang="en-US" sz="1799" dirty="0">
-                <a:latin typeface="Helvetica" pitchFamily="2" charset="0"/>
-              </a:rPr>
-              <a:t>Multivariate pattern classification / Support vector machine</a:t>
-            </a:r>
-          </a:p>
-          <a:p>
-            <a:pPr algn="ctr"/>
-            <a:r>
-              <a:rPr lang="en-US" sz="1799" dirty="0">
-                <a:solidFill>
-                  <a:srgbClr val="FF3F3F"/>
-                </a:solidFill>
-                <a:latin typeface="Helvetica" pitchFamily="2" charset="0"/>
-              </a:rPr>
-              <a:t>#</a:t>
-            </a:r>
-            <a:r>
-              <a:rPr lang="en-US" sz="1799" dirty="0" err="1">
-                <a:solidFill>
-                  <a:srgbClr val="FF3F3F"/>
-                </a:solidFill>
-                <a:latin typeface="Helvetica" pitchFamily="2" charset="0"/>
-              </a:rPr>
-              <a:t>mvpc</a:t>
-            </a:r>
-            <a:endParaRPr lang="en-US" sz="1799" dirty="0">
-              <a:solidFill>
-                <a:srgbClr val="FF3F3F"/>
-              </a:solidFill>
-              <a:latin typeface="Helvetica" pitchFamily="2" charset="0"/>
-            </a:endParaRPr>
-          </a:p>
-        </p:txBody>
-      </p:sp>
-      <p:cxnSp>
-        <p:nvCxnSpPr>
-          <p:cNvPr id="156" name="Curved Connector 155">
-            <a:extLst>
-              <a:ext uri="{FF2B5EF4-FFF2-40B4-BE49-F238E27FC236}">
-                <a16:creationId xmlns:a16="http://schemas.microsoft.com/office/drawing/2014/main" id="{3AEF2108-79C8-244A-A8CD-866708B2D9B9}"/>
-              </a:ext>
-            </a:extLst>
-          </p:cNvPr>
-          <p:cNvCxnSpPr>
-            <a:cxnSpLocks/>
-            <a:stCxn id="129" idx="2"/>
-            <a:endCxn id="140" idx="0"/>
-          </p:cNvCxnSpPr>
-          <p:nvPr/>
-        </p:nvCxnSpPr>
-        <p:spPr>
-          <a:xfrm rot="5400000">
-            <a:off x="19770994" y="7594521"/>
-            <a:ext cx="396196" cy="1742684"/>
-          </a:xfrm>
-          <a:prstGeom prst="curvedConnector3">
-            <a:avLst>
-              <a:gd name="adj1" fmla="val 50000"/>
-            </a:avLst>
-          </a:prstGeom>
-          <a:ln w="28575">
-            <a:solidFill>
-              <a:srgbClr val="90C840"/>
-            </a:solidFill>
-            <a:headEnd type="oval" w="lg" len="lg"/>
-            <a:tailEnd type="triangle" w="lg" len="lg"/>
-          </a:ln>
-        </p:spPr>
-        <p:style>
-          <a:lnRef idx="1">
-            <a:schemeClr val="accent1"/>
-          </a:lnRef>
-          <a:fillRef idx="0">
-            <a:schemeClr val="accent1"/>
-          </a:fillRef>
-          <a:effectRef idx="0">
-            <a:schemeClr val="accent1"/>
-          </a:effectRef>
-          <a:fontRef idx="minor">
-            <a:schemeClr val="tx1"/>
-          </a:fontRef>
-        </p:style>
-      </p:cxnSp>
-      <p:sp>
-        <p:nvSpPr>
-          <p:cNvPr id="172" name="Rectangle 171">
-            <a:extLst>
-              <a:ext uri="{FF2B5EF4-FFF2-40B4-BE49-F238E27FC236}">
-                <a16:creationId xmlns:a16="http://schemas.microsoft.com/office/drawing/2014/main" id="{C26427B9-5E98-FD45-821E-047A3AEEEE36}"/>
-              </a:ext>
-            </a:extLst>
-          </p:cNvPr>
-          <p:cNvSpPr/>
-          <p:nvPr/>
-        </p:nvSpPr>
-        <p:spPr>
-          <a:xfrm>
-            <a:off x="17831660" y="9674827"/>
-            <a:ext cx="2532193" cy="1077218"/>
-          </a:xfrm>
-          <a:prstGeom prst="rect">
-            <a:avLst/>
-          </a:prstGeom>
-        </p:spPr>
-        <p:txBody>
-          <a:bodyPr wrap="square">
-            <a:spAutoFit/>
-          </a:bodyPr>
-          <a:lstStyle/>
-          <a:p>
-            <a:pPr algn="ctr"/>
-            <a:r>
-              <a:rPr lang="en-US" sz="1600" dirty="0">
-                <a:latin typeface="Helvetica" pitchFamily="2" charset="0"/>
-              </a:rPr>
-              <a:t>Split data in half, correlate one half to other half for both same- and different-conditions</a:t>
-            </a:r>
-            <a:endParaRPr lang="en-US" sz="1600" dirty="0">
-              <a:solidFill>
-                <a:srgbClr val="7030A0"/>
-              </a:solidFill>
             </a:endParaRPr>
           </a:p>
         </p:txBody>
@@ -9213,15 +8933,13 @@
           </p:cNvPr>
           <p:cNvCxnSpPr>
             <a:cxnSpLocks/>
-            <a:stCxn id="193" idx="3"/>
-            <a:endCxn id="228" idx="1"/>
           </p:cNvCxnSpPr>
           <p:nvPr/>
         </p:nvCxnSpPr>
         <p:spPr>
           <a:xfrm>
-            <a:off x="14794961" y="13470514"/>
-            <a:ext cx="4304719" cy="178379"/>
+            <a:off x="14794961" y="13437264"/>
+            <a:ext cx="5716456" cy="410362"/>
           </a:xfrm>
           <a:prstGeom prst="straightConnector1">
             <a:avLst/>
@@ -9360,7 +9078,7 @@
         </p:nvSpPr>
         <p:spPr>
           <a:xfrm>
-            <a:off x="19099680" y="12985165"/>
+            <a:off x="20511417" y="13217148"/>
             <a:ext cx="2836532" cy="1327456"/>
           </a:xfrm>
           <a:prstGeom prst="roundRect">
@@ -9435,15 +9153,13 @@
           <p:nvPr/>
         </p:nvCxnSpPr>
         <p:spPr>
-          <a:xfrm flipH="1" flipV="1">
-            <a:off x="20868141" y="9293262"/>
-            <a:ext cx="588926" cy="1940884"/>
-          </a:xfrm>
-          <a:prstGeom prst="curvedConnector5">
+          <a:xfrm flipV="1">
+            <a:off x="21457067" y="9361613"/>
+            <a:ext cx="1191196" cy="1872533"/>
+          </a:xfrm>
+          <a:prstGeom prst="curvedConnector3">
             <a:avLst>
-              <a:gd name="adj1" fmla="val -38816"/>
-              <a:gd name="adj2" fmla="val 50000"/>
-              <a:gd name="adj3" fmla="val 138816"/>
+              <a:gd name="adj1" fmla="val 50000"/>
             </a:avLst>
           </a:prstGeom>
           <a:ln w="28575">
@@ -10534,8 +10250,8 @@
         </p:nvSpPr>
         <p:spPr>
           <a:xfrm>
-            <a:off x="20717712" y="5533221"/>
-            <a:ext cx="2763841" cy="1021131"/>
+            <a:off x="20089913" y="5533221"/>
+            <a:ext cx="2068661" cy="1021131"/>
           </a:xfrm>
           <a:prstGeom prst="roundRect">
             <a:avLst/>
@@ -10669,8 +10385,8 @@
         </p:nvSpPr>
         <p:spPr>
           <a:xfrm>
-            <a:off x="23092677" y="6836222"/>
-            <a:ext cx="3577345" cy="1327456"/>
+            <a:off x="20097795" y="7243600"/>
+            <a:ext cx="3449198" cy="1327456"/>
           </a:xfrm>
           <a:prstGeom prst="roundRect">
             <a:avLst/>
@@ -10738,9 +10454,9 @@
           <p:nvPr/>
         </p:nvCxnSpPr>
         <p:spPr>
-          <a:xfrm flipV="1">
-            <a:off x="23481553" y="5568654"/>
-            <a:ext cx="350993" cy="475133"/>
+          <a:xfrm>
+            <a:off x="22158574" y="6043787"/>
+            <a:ext cx="808533" cy="8079"/>
           </a:xfrm>
           <a:prstGeom prst="straightConnector1">
             <a:avLst/>
@@ -10782,7 +10498,7 @@
         </p:nvSpPr>
         <p:spPr>
           <a:xfrm>
-            <a:off x="20584644" y="6562548"/>
+            <a:off x="19679691" y="6575915"/>
             <a:ext cx="3122965" cy="584775"/>
           </a:xfrm>
           <a:prstGeom prst="rect">
@@ -11355,8 +11071,8 @@
         </p:nvSpPr>
         <p:spPr>
           <a:xfrm>
-            <a:off x="23328809" y="8169093"/>
-            <a:ext cx="3122965" cy="584775"/>
+            <a:off x="23428746" y="7367520"/>
+            <a:ext cx="2163180" cy="1077218"/>
           </a:xfrm>
           <a:prstGeom prst="rect">
             <a:avLst/>
@@ -11393,7 +11109,7 @@
         </p:nvSpPr>
         <p:spPr>
           <a:xfrm>
-            <a:off x="23832546" y="4904926"/>
+            <a:off x="22967107" y="5388138"/>
             <a:ext cx="2250101" cy="1327456"/>
           </a:xfrm>
           <a:prstGeom prst="roundRect">
@@ -11439,14 +11155,13 @@
           <p:cNvCxnSpPr>
             <a:cxnSpLocks/>
             <a:stCxn id="647" idx="2"/>
-            <a:endCxn id="552" idx="0"/>
           </p:cNvCxnSpPr>
           <p:nvPr/>
         </p:nvCxnSpPr>
         <p:spPr>
           <a:xfrm flipH="1">
-            <a:off x="24881350" y="6232382"/>
-            <a:ext cx="76247" cy="603840"/>
+            <a:off x="23467180" y="6715594"/>
+            <a:ext cx="624978" cy="585634"/>
           </a:xfrm>
           <a:prstGeom prst="straightConnector1">
             <a:avLst/>
@@ -11952,8 +11667,8 @@
         </p:nvCxnSpPr>
         <p:spPr>
           <a:xfrm flipV="1">
-            <a:off x="21457067" y="10750686"/>
-            <a:ext cx="1871742" cy="483460"/>
+            <a:off x="21457067" y="10908743"/>
+            <a:ext cx="2021831" cy="325403"/>
           </a:xfrm>
           <a:prstGeom prst="curvedConnector3">
             <a:avLst>
@@ -12057,7 +11772,7 @@
         </p:nvSpPr>
         <p:spPr>
           <a:xfrm>
-            <a:off x="23328809" y="10393283"/>
+            <a:off x="23478898" y="10551340"/>
             <a:ext cx="2792945" cy="714806"/>
           </a:xfrm>
           <a:prstGeom prst="roundRect">
@@ -12106,8 +11821,8 @@
         </p:nvCxnSpPr>
         <p:spPr>
           <a:xfrm flipV="1">
-            <a:off x="26121754" y="9941185"/>
-            <a:ext cx="418140" cy="809501"/>
+            <a:off x="26271843" y="9941185"/>
+            <a:ext cx="268051" cy="967558"/>
           </a:xfrm>
           <a:prstGeom prst="curvedConnector3">
             <a:avLst>
@@ -12199,8 +11914,8 @@
         </p:nvSpPr>
         <p:spPr>
           <a:xfrm>
-            <a:off x="19274191" y="2762085"/>
-            <a:ext cx="3026072" cy="1021131"/>
+            <a:off x="21114461" y="3035183"/>
+            <a:ext cx="2897796" cy="1021131"/>
           </a:xfrm>
           <a:prstGeom prst="roundRect">
             <a:avLst/>
@@ -12309,8 +12024,8 @@
         </p:nvCxnSpPr>
         <p:spPr>
           <a:xfrm flipV="1">
-            <a:off x="15362150" y="3272651"/>
-            <a:ext cx="3912041" cy="522793"/>
+            <a:off x="15362150" y="3545749"/>
+            <a:ext cx="5752311" cy="249695"/>
           </a:xfrm>
           <a:prstGeom prst="straightConnector1">
             <a:avLst/>
@@ -12409,13 +12124,14 @@
           </p:cNvPr>
           <p:cNvCxnSpPr>
             <a:cxnSpLocks/>
+            <a:stCxn id="134" idx="3"/>
           </p:cNvCxnSpPr>
           <p:nvPr/>
         </p:nvCxnSpPr>
         <p:spPr>
           <a:xfrm flipV="1">
-            <a:off x="22300263" y="2596748"/>
-            <a:ext cx="677824" cy="714813"/>
+            <a:off x="24012257" y="2608652"/>
+            <a:ext cx="298987" cy="937097"/>
           </a:xfrm>
           <a:prstGeom prst="curvedConnector2">
             <a:avLst/>
@@ -13026,7 +12742,7 @@
         </p:nvSpPr>
         <p:spPr>
           <a:xfrm>
-            <a:off x="20457916" y="3771930"/>
+            <a:off x="21071119" y="4058654"/>
             <a:ext cx="2936712" cy="584775"/>
           </a:xfrm>
           <a:prstGeom prst="rect">
@@ -13139,7 +12855,7 @@
         </p:nvSpPr>
         <p:spPr>
           <a:xfrm>
-            <a:off x="18986484" y="14334539"/>
+            <a:off x="20304346" y="14550138"/>
             <a:ext cx="3172090" cy="830997"/>
           </a:xfrm>
           <a:prstGeom prst="rect">
@@ -13399,8 +13115,8 @@
         </p:nvSpPr>
         <p:spPr>
           <a:xfrm>
-            <a:off x="20363853" y="9802586"/>
-            <a:ext cx="4907356" cy="584775"/>
+            <a:off x="22648264" y="9859971"/>
+            <a:ext cx="3724438" cy="584775"/>
           </a:xfrm>
           <a:prstGeom prst="rect">
             <a:avLst/>
@@ -13417,7 +13133,7 @@
               <a:rPr lang="en-US" sz="1600" dirty="0">
                 <a:latin typeface="Helvetica" pitchFamily="2" charset="0"/>
               </a:rPr>
-              <a:t>Train linear classifier to predict the experimental conditions of held-out test data</a:t>
+              <a:t>Machine learning to find optimal boundary between conditions/classes</a:t>
             </a:r>
             <a:endParaRPr lang="en-US" sz="1600" dirty="0"/>
           </a:p>
@@ -13441,8 +13157,8 @@
         </p:nvCxnSpPr>
         <p:spPr>
           <a:xfrm>
-            <a:off x="26121754" y="10750686"/>
-            <a:ext cx="3127854" cy="1746644"/>
+            <a:off x="26271843" y="10908743"/>
+            <a:ext cx="2977765" cy="1588587"/>
           </a:xfrm>
           <a:prstGeom prst="curvedConnector2">
             <a:avLst/>
@@ -13464,6 +13180,54 @@
           </a:fillRef>
           <a:effectRef idx="0">
             <a:schemeClr val="accent1"/>
+          </a:effectRef>
+          <a:fontRef idx="minor">
+            <a:schemeClr val="tx1"/>
+          </a:fontRef>
+        </p:style>
+      </p:cxnSp>
+      <p:cxnSp>
+        <p:nvCxnSpPr>
+          <p:cNvPr id="158" name="Straight Arrow Connector 105">
+            <a:extLst>
+              <a:ext uri="{FF2B5EF4-FFF2-40B4-BE49-F238E27FC236}">
+                <a16:creationId xmlns:a16="http://schemas.microsoft.com/office/drawing/2014/main" id="{EC32A0C0-0DA7-CD46-BFC0-963D26AD2FE0}"/>
+              </a:ext>
+            </a:extLst>
+          </p:cNvPr>
+          <p:cNvCxnSpPr>
+            <a:cxnSpLocks/>
+            <a:stCxn id="87" idx="3"/>
+            <a:endCxn id="145" idx="1"/>
+          </p:cNvCxnSpPr>
+          <p:nvPr/>
+        </p:nvCxnSpPr>
+        <p:spPr>
+          <a:xfrm>
+            <a:off x="18679367" y="7679503"/>
+            <a:ext cx="3968896" cy="1682110"/>
+          </a:xfrm>
+          <a:prstGeom prst="curvedConnector3">
+            <a:avLst>
+              <a:gd name="adj1" fmla="val 24029"/>
+            </a:avLst>
+          </a:prstGeom>
+          <a:ln w="28575">
+            <a:solidFill>
+              <a:srgbClr val="90C840"/>
+            </a:solidFill>
+            <a:tailEnd type="triangle" w="lg" len="lg"/>
+          </a:ln>
+        </p:spPr>
+        <p:style>
+          <a:lnRef idx="1">
+            <a:schemeClr val="dk1"/>
+          </a:lnRef>
+          <a:fillRef idx="0">
+            <a:schemeClr val="dk1"/>
+          </a:fillRef>
+          <a:effectRef idx="0">
+            <a:schemeClr val="dk1"/>
           </a:effectRef>
           <a:fontRef idx="minor">
             <a:schemeClr val="tx1"/>

--- a/navigateFMRI/flowchart.pptx
+++ b/navigateFMRI/flowchart.pptx
@@ -5,11 +5,12 @@
     <p:sldMasterId id="2147483732" r:id="rId1"/>
   </p:sldMasterIdLst>
   <p:notesMasterIdLst>
-    <p:notesMasterId r:id="rId4"/>
+    <p:notesMasterId r:id="rId5"/>
   </p:notesMasterIdLst>
   <p:sldIdLst>
     <p:sldId id="257" r:id="rId2"/>
-    <p:sldId id="256" r:id="rId3"/>
+    <p:sldId id="258" r:id="rId3"/>
+    <p:sldId id="256" r:id="rId4"/>
   </p:sldIdLst>
   <p:sldSz cx="30175200" cy="18288000"/>
   <p:notesSz cx="6858000" cy="9144000"/>
@@ -209,7 +210,7 @@
           <a:p>
             <a:fld id="{0940D478-5DA4-9E48-A18E-691F19DD5404}" type="datetimeFigureOut">
               <a:rPr lang="en-US" smtClean="0"/>
-              <a:t>3/5/21</a:t>
+              <a:t>3/11/21</a:t>
             </a:fld>
             <a:endParaRPr lang="en-US"/>
           </a:p>
@@ -635,7 +636,7 @@
           <a:p>
             <a:fld id="{16337847-32B7-3448-9BE9-A1A83FF46491}" type="slidenum">
               <a:rPr lang="en-US" smtClean="0"/>
-              <a:t>2</a:t>
+              <a:t>3</a:t>
             </a:fld>
             <a:endParaRPr lang="en-US"/>
           </a:p>
@@ -785,7 +786,7 @@
           <a:p>
             <a:fld id="{61C4A074-6837-7843-BEBA-2B882681BD94}" type="datetimeFigureOut">
               <a:rPr lang="en-US" smtClean="0"/>
-              <a:t>3/5/21</a:t>
+              <a:t>3/11/21</a:t>
             </a:fld>
             <a:endParaRPr lang="en-US"/>
           </a:p>
@@ -955,7 +956,7 @@
           <a:p>
             <a:fld id="{61C4A074-6837-7843-BEBA-2B882681BD94}" type="datetimeFigureOut">
               <a:rPr lang="en-US" smtClean="0"/>
-              <a:t>3/5/21</a:t>
+              <a:t>3/11/21</a:t>
             </a:fld>
             <a:endParaRPr lang="en-US"/>
           </a:p>
@@ -1135,7 +1136,7 @@
           <a:p>
             <a:fld id="{61C4A074-6837-7843-BEBA-2B882681BD94}" type="datetimeFigureOut">
               <a:rPr lang="en-US" smtClean="0"/>
-              <a:t>3/5/21</a:t>
+              <a:t>3/11/21</a:t>
             </a:fld>
             <a:endParaRPr lang="en-US"/>
           </a:p>
@@ -1305,7 +1306,7 @@
           <a:p>
             <a:fld id="{61C4A074-6837-7843-BEBA-2B882681BD94}" type="datetimeFigureOut">
               <a:rPr lang="en-US" smtClean="0"/>
-              <a:t>3/5/21</a:t>
+              <a:t>3/11/21</a:t>
             </a:fld>
             <a:endParaRPr lang="en-US"/>
           </a:p>
@@ -1551,7 +1552,7 @@
           <a:p>
             <a:fld id="{61C4A074-6837-7843-BEBA-2B882681BD94}" type="datetimeFigureOut">
               <a:rPr lang="en-US" smtClean="0"/>
-              <a:t>3/5/21</a:t>
+              <a:t>3/11/21</a:t>
             </a:fld>
             <a:endParaRPr lang="en-US"/>
           </a:p>
@@ -1783,7 +1784,7 @@
           <a:p>
             <a:fld id="{61C4A074-6837-7843-BEBA-2B882681BD94}" type="datetimeFigureOut">
               <a:rPr lang="en-US" smtClean="0"/>
-              <a:t>3/5/21</a:t>
+              <a:t>3/11/21</a:t>
             </a:fld>
             <a:endParaRPr lang="en-US"/>
           </a:p>
@@ -2150,7 +2151,7 @@
           <a:p>
             <a:fld id="{61C4A074-6837-7843-BEBA-2B882681BD94}" type="datetimeFigureOut">
               <a:rPr lang="en-US" smtClean="0"/>
-              <a:t>3/5/21</a:t>
+              <a:t>3/11/21</a:t>
             </a:fld>
             <a:endParaRPr lang="en-US"/>
           </a:p>
@@ -2268,7 +2269,7 @@
           <a:p>
             <a:fld id="{61C4A074-6837-7843-BEBA-2B882681BD94}" type="datetimeFigureOut">
               <a:rPr lang="en-US" smtClean="0"/>
-              <a:t>3/5/21</a:t>
+              <a:t>3/11/21</a:t>
             </a:fld>
             <a:endParaRPr lang="en-US"/>
           </a:p>
@@ -2363,7 +2364,7 @@
           <a:p>
             <a:fld id="{61C4A074-6837-7843-BEBA-2B882681BD94}" type="datetimeFigureOut">
               <a:rPr lang="en-US" smtClean="0"/>
-              <a:t>3/5/21</a:t>
+              <a:t>3/11/21</a:t>
             </a:fld>
             <a:endParaRPr lang="en-US"/>
           </a:p>
@@ -2640,7 +2641,7 @@
           <a:p>
             <a:fld id="{61C4A074-6837-7843-BEBA-2B882681BD94}" type="datetimeFigureOut">
               <a:rPr lang="en-US" smtClean="0"/>
-              <a:t>3/5/21</a:t>
+              <a:t>3/11/21</a:t>
             </a:fld>
             <a:endParaRPr lang="en-US"/>
           </a:p>
@@ -2897,7 +2898,7 @@
           <a:p>
             <a:fld id="{61C4A074-6837-7843-BEBA-2B882681BD94}" type="datetimeFigureOut">
               <a:rPr lang="en-US" smtClean="0"/>
-              <a:t>3/5/21</a:t>
+              <a:t>3/11/21</a:t>
             </a:fld>
             <a:endParaRPr lang="en-US"/>
           </a:p>
@@ -3110,7 +3111,7 @@
           <a:p>
             <a:fld id="{61C4A074-6837-7843-BEBA-2B882681BD94}" type="datetimeFigureOut">
               <a:rPr lang="en-US" smtClean="0"/>
-              <a:t>3/5/21</a:t>
+              <a:t>3/11/21</a:t>
             </a:fld>
             <a:endParaRPr lang="en-US"/>
           </a:p>
@@ -10097,6 +10098,112 @@
 </file>
 
 <file path=ppt/slides/slide2.xml><?xml version="1.0" encoding="utf-8"?>
+<p:sld xmlns:a="http://schemas.openxmlformats.org/drawingml/2006/main" xmlns:r="http://schemas.openxmlformats.org/officeDocument/2006/relationships" xmlns:p="http://schemas.openxmlformats.org/presentationml/2006/main">
+  <p:cSld>
+    <p:spTree>
+      <p:nvGrpSpPr>
+        <p:cNvPr id="1" name=""/>
+        <p:cNvGrpSpPr/>
+        <p:nvPr/>
+      </p:nvGrpSpPr>
+      <p:grpSpPr>
+        <a:xfrm>
+          <a:off x="0" y="0"/>
+          <a:ext cx="0" cy="0"/>
+          <a:chOff x="0" y="0"/>
+          <a:chExt cx="0" cy="0"/>
+        </a:xfrm>
+      </p:grpSpPr>
+      <p:sp>
+        <p:nvSpPr>
+          <p:cNvPr id="4" name="TextBox 3">
+            <a:extLst>
+              <a:ext uri="{FF2B5EF4-FFF2-40B4-BE49-F238E27FC236}">
+                <a16:creationId xmlns:a16="http://schemas.microsoft.com/office/drawing/2014/main" id="{E6DE4E18-E063-B34B-9F6D-DE8BB03F3D68}"/>
+              </a:ext>
+            </a:extLst>
+          </p:cNvPr>
+          <p:cNvSpPr txBox="1"/>
+          <p:nvPr/>
+        </p:nvSpPr>
+        <p:spPr>
+          <a:xfrm>
+            <a:off x="13581418" y="1037969"/>
+            <a:ext cx="3012363" cy="1015663"/>
+          </a:xfrm>
+          <a:prstGeom prst="rect">
+            <a:avLst/>
+          </a:prstGeom>
+          <a:noFill/>
+        </p:spPr>
+        <p:txBody>
+          <a:bodyPr wrap="none" rtlCol="0">
+            <a:spAutoFit/>
+          </a:bodyPr>
+          <a:lstStyle/>
+          <a:p>
+            <a:r>
+              <a:rPr lang="en-US" sz="6000" dirty="0">
+                <a:latin typeface="Cordia New" panose="020B0304020202020204" pitchFamily="34" charset="-34"/>
+                <a:cs typeface="Cordia New" panose="020B0304020202020204" pitchFamily="34" charset="-34"/>
+              </a:rPr>
+              <a:t>T-test (A , B)</a:t>
+            </a:r>
+          </a:p>
+        </p:txBody>
+      </p:sp>
+      <p:sp>
+        <p:nvSpPr>
+          <p:cNvPr id="5" name="TextBox 4">
+            <a:extLst>
+              <a:ext uri="{FF2B5EF4-FFF2-40B4-BE49-F238E27FC236}">
+                <a16:creationId xmlns:a16="http://schemas.microsoft.com/office/drawing/2014/main" id="{3BC67B4A-187B-E44B-8137-1BEA2871BB6A}"/>
+              </a:ext>
+            </a:extLst>
+          </p:cNvPr>
+          <p:cNvSpPr txBox="1"/>
+          <p:nvPr/>
+        </p:nvSpPr>
+        <p:spPr>
+          <a:xfrm>
+            <a:off x="12908156" y="3414585"/>
+            <a:ext cx="4358886" cy="1015663"/>
+          </a:xfrm>
+          <a:prstGeom prst="rect">
+            <a:avLst/>
+          </a:prstGeom>
+          <a:noFill/>
+        </p:spPr>
+        <p:txBody>
+          <a:bodyPr wrap="none" rtlCol="0">
+            <a:spAutoFit/>
+          </a:bodyPr>
+          <a:lstStyle/>
+          <a:p>
+            <a:r>
+              <a:rPr lang="en-US" sz="6000" dirty="0">
+                <a:latin typeface="Cordia New" panose="020B0304020202020204" pitchFamily="34" charset="-34"/>
+                <a:cs typeface="Cordia New" panose="020B0304020202020204" pitchFamily="34" charset="-34"/>
+              </a:rPr>
+              <a:t>T-test (A , chance)</a:t>
+            </a:r>
+          </a:p>
+        </p:txBody>
+      </p:sp>
+    </p:spTree>
+    <p:extLst>
+      <p:ext uri="{BB962C8B-B14F-4D97-AF65-F5344CB8AC3E}">
+        <p14:creationId xmlns:p14="http://schemas.microsoft.com/office/powerpoint/2010/main" val="30506246"/>
+      </p:ext>
+    </p:extLst>
+  </p:cSld>
+  <p:clrMapOvr>
+    <a:masterClrMapping/>
+  </p:clrMapOvr>
+</p:sld>
+</file>
+
+<file path=ppt/slides/slide3.xml><?xml version="1.0" encoding="utf-8"?>
 <p:sld xmlns:a="http://schemas.openxmlformats.org/drawingml/2006/main" xmlns:r="http://schemas.openxmlformats.org/officeDocument/2006/relationships" xmlns:p="http://schemas.openxmlformats.org/presentationml/2006/main">
   <p:cSld>
     <p:spTree>

--- a/navigateFMRI/flowchart.pptx
+++ b/navigateFMRI/flowchart.pptx
@@ -3842,12 +3842,12 @@
         </p:nvCxnSpPr>
         <p:spPr>
           <a:xfrm flipH="1">
-            <a:off x="9370802" y="7679503"/>
-            <a:ext cx="9308565" cy="3810226"/>
+            <a:off x="9404365" y="8175563"/>
+            <a:ext cx="8342230" cy="3825714"/>
           </a:xfrm>
           <a:prstGeom prst="curvedConnector3">
             <a:avLst>
-              <a:gd name="adj1" fmla="val -2456"/>
+              <a:gd name="adj1" fmla="val -7612"/>
             </a:avLst>
           </a:prstGeom>
           <a:ln w="28575">
@@ -3884,20 +3884,16 @@
           </p:cNvPr>
           <p:cNvCxnSpPr>
             <a:cxnSpLocks/>
-            <a:stCxn id="599" idx="3"/>
-            <a:endCxn id="519" idx="1"/>
           </p:cNvCxnSpPr>
           <p:nvPr/>
         </p:nvCxnSpPr>
         <p:spPr>
-          <a:xfrm flipV="1">
-            <a:off x="17887450" y="6043787"/>
-            <a:ext cx="2202463" cy="34417"/>
-          </a:xfrm>
-          <a:prstGeom prst="curvedConnector3">
-            <a:avLst>
-              <a:gd name="adj1" fmla="val 50000"/>
-            </a:avLst>
+          <a:xfrm>
+            <a:off x="17887450" y="6078204"/>
+            <a:ext cx="269921" cy="1962"/>
+          </a:xfrm>
+          <a:prstGeom prst="straightConnector1">
+            <a:avLst/>
           </a:prstGeom>
           <a:ln w="28575">
             <a:solidFill>
@@ -5291,7 +5287,7 @@
         </p:nvSpPr>
         <p:spPr>
           <a:xfrm>
-            <a:off x="16975201" y="7168937"/>
+            <a:off x="16042429" y="7664997"/>
             <a:ext cx="1704166" cy="1021131"/>
           </a:xfrm>
           <a:prstGeom prst="roundRect">
@@ -5341,13 +5337,11 @@
         </p:nvCxnSpPr>
         <p:spPr>
           <a:xfrm>
-            <a:off x="15309975" y="7532392"/>
-            <a:ext cx="1665226" cy="147104"/>
-          </a:xfrm>
-          <a:prstGeom prst="curvedConnector3">
-            <a:avLst>
-              <a:gd name="adj1" fmla="val 50000"/>
-            </a:avLst>
+            <a:off x="15309982" y="7532399"/>
+            <a:ext cx="732447" cy="643164"/>
+          </a:xfrm>
+          <a:prstGeom prst="straightConnector1">
+            <a:avLst/>
           </a:prstGeom>
           <a:ln w="28575">
             <a:solidFill>
@@ -5388,12 +5382,15 @@
           <p:nvPr/>
         </p:nvCxnSpPr>
         <p:spPr>
-          <a:xfrm flipV="1">
-            <a:off x="17187516" y="8190068"/>
-            <a:ext cx="639775" cy="1537689"/>
-          </a:xfrm>
-          <a:prstGeom prst="curvedConnector2">
-            <a:avLst/>
+          <a:xfrm flipH="1" flipV="1">
+            <a:off x="16894512" y="8686128"/>
+            <a:ext cx="293004" cy="1041629"/>
+          </a:xfrm>
+          <a:prstGeom prst="curvedConnector4">
+            <a:avLst>
+              <a:gd name="adj1" fmla="val -78019"/>
+              <a:gd name="adj2" fmla="val 74508"/>
+            </a:avLst>
           </a:prstGeom>
           <a:ln w="28575">
             <a:solidFill>
@@ -5430,18 +5427,17 @@
           <p:cNvCxnSpPr>
             <a:cxnSpLocks/>
             <a:stCxn id="87" idx="3"/>
+            <a:endCxn id="135" idx="2"/>
           </p:cNvCxnSpPr>
           <p:nvPr/>
         </p:nvCxnSpPr>
         <p:spPr>
           <a:xfrm flipV="1">
-            <a:off x="18679367" y="6494653"/>
-            <a:ext cx="1418428" cy="1184850"/>
-          </a:xfrm>
-          <a:prstGeom prst="curvedConnector3">
-            <a:avLst>
-              <a:gd name="adj1" fmla="val 50000"/>
-            </a:avLst>
+            <a:off x="17746595" y="7355907"/>
+            <a:ext cx="1253670" cy="819656"/>
+          </a:xfrm>
+          <a:prstGeom prst="curvedConnector2">
+            <a:avLst/>
           </a:prstGeom>
           <a:ln w="28575">
             <a:solidFill>
@@ -7100,7 +7096,7 @@
         </p:nvSpPr>
         <p:spPr>
           <a:xfrm>
-            <a:off x="20089913" y="5533221"/>
+            <a:off x="20469922" y="5533221"/>
             <a:ext cx="2068661" cy="1021131"/>
           </a:xfrm>
           <a:prstGeom prst="roundRect">
@@ -7235,7 +7231,7 @@
         </p:nvSpPr>
         <p:spPr>
           <a:xfrm>
-            <a:off x="20097795" y="7243600"/>
+            <a:off x="20469922" y="7243600"/>
             <a:ext cx="3449198" cy="1327456"/>
           </a:xfrm>
           <a:prstGeom prst="roundRect">
@@ -7305,7 +7301,7 @@
         </p:nvCxnSpPr>
         <p:spPr>
           <a:xfrm>
-            <a:off x="22158574" y="6043787"/>
+            <a:off x="22538583" y="6043787"/>
             <a:ext cx="808533" cy="8079"/>
           </a:xfrm>
           <a:prstGeom prst="straightConnector1">
@@ -7348,7 +7344,7 @@
         </p:nvSpPr>
         <p:spPr>
           <a:xfrm>
-            <a:off x="19679691" y="6575915"/>
+            <a:off x="20059700" y="6575915"/>
             <a:ext cx="3122965" cy="584775"/>
           </a:xfrm>
           <a:prstGeom prst="rect">
@@ -7366,7 +7362,7 @@
               <a:rPr lang="en-US" sz="1600" dirty="0">
                 <a:latin typeface="Helvetica" pitchFamily="2" charset="0"/>
               </a:rPr>
-              <a:t>Pairwise correlations of conditions</a:t>
+              <a:t>Correlate the correlations of conditions</a:t>
             </a:r>
             <a:endParaRPr lang="en-US" sz="1600" dirty="0"/>
           </a:p>
@@ -7531,190 +7527,6 @@
           </a:p>
         </p:txBody>
       </p:sp>
-      <p:sp>
-        <p:nvSpPr>
-          <p:cNvPr id="574" name="Rounded Rectangle 573">
-            <a:extLst>
-              <a:ext uri="{FF2B5EF4-FFF2-40B4-BE49-F238E27FC236}">
-                <a16:creationId xmlns:a16="http://schemas.microsoft.com/office/drawing/2014/main" id="{30BF97D9-D847-EA4A-BF58-DA6784D5CB75}"/>
-              </a:ext>
-            </a:extLst>
-          </p:cNvPr>
-          <p:cNvSpPr/>
-          <p:nvPr/>
-        </p:nvSpPr>
-        <p:spPr>
-          <a:xfrm>
-            <a:off x="18582768" y="5257219"/>
-            <a:ext cx="910989" cy="408481"/>
-          </a:xfrm>
-          <a:prstGeom prst="roundRect">
-            <a:avLst/>
-          </a:prstGeom>
-          <a:solidFill>
-            <a:schemeClr val="bg1"/>
-          </a:solidFill>
-          <a:ln w="38100">
-            <a:solidFill>
-              <a:schemeClr val="tx1"/>
-            </a:solidFill>
-          </a:ln>
-        </p:spPr>
-        <p:txBody>
-          <a:bodyPr wrap="square">
-            <a:spAutoFit/>
-          </a:bodyPr>
-          <a:lstStyle/>
-          <a:p>
-            <a:pPr algn="ctr"/>
-            <a:r>
-              <a:rPr lang="en-US" sz="1799" dirty="0">
-                <a:latin typeface="Helvetica" pitchFamily="2" charset="0"/>
-              </a:rPr>
-              <a:t>PCA</a:t>
-            </a:r>
-          </a:p>
-        </p:txBody>
-      </p:sp>
-      <p:sp>
-        <p:nvSpPr>
-          <p:cNvPr id="577" name="Rounded Rectangle 576">
-            <a:extLst>
-              <a:ext uri="{FF2B5EF4-FFF2-40B4-BE49-F238E27FC236}">
-                <a16:creationId xmlns:a16="http://schemas.microsoft.com/office/drawing/2014/main" id="{53B0B2A3-06BF-AB49-9DD3-7C7753BE8809}"/>
-              </a:ext>
-            </a:extLst>
-          </p:cNvPr>
-          <p:cNvSpPr/>
-          <p:nvPr/>
-        </p:nvSpPr>
-        <p:spPr>
-          <a:xfrm>
-            <a:off x="18579579" y="5710082"/>
-            <a:ext cx="910989" cy="408481"/>
-          </a:xfrm>
-          <a:prstGeom prst="roundRect">
-            <a:avLst/>
-          </a:prstGeom>
-          <a:solidFill>
-            <a:schemeClr val="bg1"/>
-          </a:solidFill>
-          <a:ln w="38100">
-            <a:solidFill>
-              <a:schemeClr val="tx1"/>
-            </a:solidFill>
-          </a:ln>
-        </p:spPr>
-        <p:txBody>
-          <a:bodyPr wrap="square">
-            <a:spAutoFit/>
-          </a:bodyPr>
-          <a:lstStyle/>
-          <a:p>
-            <a:pPr algn="ctr"/>
-            <a:r>
-              <a:rPr lang="en-US" sz="1799" dirty="0">
-                <a:latin typeface="Helvetica" pitchFamily="2" charset="0"/>
-              </a:rPr>
-              <a:t>ICA</a:t>
-            </a:r>
-          </a:p>
-        </p:txBody>
-      </p:sp>
-      <p:sp>
-        <p:nvSpPr>
-          <p:cNvPr id="578" name="Rounded Rectangle 577">
-            <a:extLst>
-              <a:ext uri="{FF2B5EF4-FFF2-40B4-BE49-F238E27FC236}">
-                <a16:creationId xmlns:a16="http://schemas.microsoft.com/office/drawing/2014/main" id="{D457CD13-08BD-0D48-8866-41D197806B57}"/>
-              </a:ext>
-            </a:extLst>
-          </p:cNvPr>
-          <p:cNvSpPr/>
-          <p:nvPr/>
-        </p:nvSpPr>
-        <p:spPr>
-          <a:xfrm>
-            <a:off x="18579579" y="6168626"/>
-            <a:ext cx="910989" cy="408481"/>
-          </a:xfrm>
-          <a:prstGeom prst="roundRect">
-            <a:avLst/>
-          </a:prstGeom>
-          <a:solidFill>
-            <a:schemeClr val="bg1"/>
-          </a:solidFill>
-          <a:ln w="38100">
-            <a:solidFill>
-              <a:schemeClr val="tx1"/>
-            </a:solidFill>
-          </a:ln>
-        </p:spPr>
-        <p:txBody>
-          <a:bodyPr wrap="square">
-            <a:spAutoFit/>
-          </a:bodyPr>
-          <a:lstStyle/>
-          <a:p>
-            <a:pPr algn="ctr"/>
-            <a:r>
-              <a:rPr lang="en-US" sz="1799" dirty="0">
-                <a:latin typeface="Helvetica" pitchFamily="2" charset="0"/>
-              </a:rPr>
-              <a:t>LDA</a:t>
-            </a:r>
-          </a:p>
-        </p:txBody>
-      </p:sp>
-      <p:cxnSp>
-        <p:nvCxnSpPr>
-          <p:cNvPr id="583" name="Curved Connector 582">
-            <a:extLst>
-              <a:ext uri="{FF2B5EF4-FFF2-40B4-BE49-F238E27FC236}">
-                <a16:creationId xmlns:a16="http://schemas.microsoft.com/office/drawing/2014/main" id="{5013B27C-6E3B-3F4A-BB92-0F1E87CBB88D}"/>
-              </a:ext>
-            </a:extLst>
-          </p:cNvPr>
-          <p:cNvCxnSpPr>
-            <a:cxnSpLocks/>
-            <a:stCxn id="566" idx="3"/>
-          </p:cNvCxnSpPr>
-          <p:nvPr/>
-        </p:nvCxnSpPr>
-        <p:spPr>
-          <a:xfrm flipH="1">
-            <a:off x="19699842" y="4278689"/>
-            <a:ext cx="821877" cy="1248290"/>
-          </a:xfrm>
-          <a:prstGeom prst="curvedConnector4">
-            <a:avLst>
-              <a:gd name="adj1" fmla="val -92169"/>
-              <a:gd name="adj2" fmla="val 92324"/>
-            </a:avLst>
-          </a:prstGeom>
-          <a:ln w="28575">
-            <a:solidFill>
-              <a:srgbClr val="90C840"/>
-            </a:solidFill>
-            <a:headEnd type="oval" w="lg" len="lg"/>
-            <a:tailEnd type="triangle" w="lg" len="lg"/>
-          </a:ln>
-        </p:spPr>
-        <p:style>
-          <a:lnRef idx="1">
-            <a:schemeClr val="accent1"/>
-          </a:lnRef>
-          <a:fillRef idx="0">
-            <a:schemeClr val="accent1"/>
-          </a:fillRef>
-          <a:effectRef idx="0">
-            <a:schemeClr val="accent1"/>
-          </a:effectRef>
-          <a:fontRef idx="minor">
-            <a:schemeClr val="tx1"/>
-          </a:fontRef>
-        </p:style>
-      </p:cxnSp>
       <p:sp>
         <p:nvSpPr>
           <p:cNvPr id="598" name="Rounded Rectangle 597">
@@ -7921,7 +7733,7 @@
         </p:nvSpPr>
         <p:spPr>
           <a:xfrm>
-            <a:off x="23428746" y="7367520"/>
+            <a:off x="23845772" y="7367836"/>
             <a:ext cx="2163180" cy="1077218"/>
           </a:xfrm>
           <a:prstGeom prst="rect">
@@ -7959,7 +7771,7 @@
         </p:nvSpPr>
         <p:spPr>
           <a:xfrm>
-            <a:off x="22967107" y="5388138"/>
+            <a:off x="23347116" y="5388138"/>
             <a:ext cx="2250101" cy="1327456"/>
           </a:xfrm>
           <a:prstGeom prst="roundRect">
@@ -8010,7 +7822,7 @@
         </p:nvCxnSpPr>
         <p:spPr>
           <a:xfrm flipH="1">
-            <a:off x="23467180" y="6715594"/>
+            <a:off x="23847189" y="6715594"/>
             <a:ext cx="624978" cy="585634"/>
           </a:xfrm>
           <a:prstGeom prst="straightConnector1">
@@ -10054,12 +9866,12 @@
         </p:nvCxnSpPr>
         <p:spPr>
           <a:xfrm>
-            <a:off x="18679367" y="7679503"/>
-            <a:ext cx="3968896" cy="1682110"/>
+            <a:off x="17746595" y="8175563"/>
+            <a:ext cx="4901668" cy="1186050"/>
           </a:xfrm>
           <a:prstGeom prst="curvedConnector3">
             <a:avLst>
-              <a:gd name="adj1" fmla="val 24029"/>
+              <a:gd name="adj1" fmla="val 50000"/>
             </a:avLst>
           </a:prstGeom>
           <a:ln w="28575">
@@ -10078,6 +9890,123 @@
           </a:fillRef>
           <a:effectRef idx="0">
             <a:schemeClr val="dk1"/>
+          </a:effectRef>
+          <a:fontRef idx="minor">
+            <a:schemeClr val="tx1"/>
+          </a:fontRef>
+        </p:style>
+      </p:cxnSp>
+      <p:sp>
+        <p:nvSpPr>
+          <p:cNvPr id="135" name="Rounded Rectangle 134">
+            <a:extLst>
+              <a:ext uri="{FF2B5EF4-FFF2-40B4-BE49-F238E27FC236}">
+                <a16:creationId xmlns:a16="http://schemas.microsoft.com/office/drawing/2014/main" id="{BB5081EA-5C38-7C49-A812-C4C069EAF496}"/>
+              </a:ext>
+            </a:extLst>
+          </p:cNvPr>
+          <p:cNvSpPr/>
+          <p:nvPr/>
+        </p:nvSpPr>
+        <p:spPr>
+          <a:xfrm>
+            <a:off x="18148181" y="5449719"/>
+            <a:ext cx="1704167" cy="1906188"/>
+          </a:xfrm>
+          <a:prstGeom prst="roundRect">
+            <a:avLst/>
+          </a:prstGeom>
+          <a:solidFill>
+            <a:schemeClr val="bg1"/>
+          </a:solidFill>
+          <a:ln w="38100">
+            <a:solidFill>
+              <a:schemeClr val="tx1"/>
+            </a:solidFill>
+          </a:ln>
+        </p:spPr>
+        <p:txBody>
+          <a:bodyPr wrap="square">
+            <a:spAutoFit/>
+          </a:bodyPr>
+          <a:lstStyle/>
+          <a:p>
+            <a:pPr algn="ctr"/>
+            <a:r>
+              <a:rPr lang="en-US" sz="1799" dirty="0">
+                <a:latin typeface="Helvetica" pitchFamily="2" charset="0"/>
+              </a:rPr>
+              <a:t>Correlation-based multivariate pattern analysis</a:t>
+            </a:r>
+          </a:p>
+          <a:p>
+            <a:pPr algn="ctr"/>
+            <a:r>
+              <a:rPr lang="en-US" sz="1799" dirty="0">
+                <a:solidFill>
+                  <a:srgbClr val="FF3F3F"/>
+                </a:solidFill>
+                <a:latin typeface="Helvetica" pitchFamily="2" charset="0"/>
+              </a:rPr>
+              <a:t>#</a:t>
+            </a:r>
+            <a:r>
+              <a:rPr lang="en-US" sz="1799" dirty="0" err="1">
+                <a:solidFill>
+                  <a:srgbClr val="FF3F3F"/>
+                </a:solidFill>
+                <a:latin typeface="Helvetica" pitchFamily="2" charset="0"/>
+              </a:rPr>
+              <a:t>mvpa</a:t>
+            </a:r>
+            <a:endParaRPr lang="en-US" sz="1799" dirty="0">
+              <a:solidFill>
+                <a:srgbClr val="FF3F3F"/>
+              </a:solidFill>
+              <a:latin typeface="Helvetica" pitchFamily="2" charset="0"/>
+            </a:endParaRPr>
+          </a:p>
+        </p:txBody>
+      </p:sp>
+      <p:cxnSp>
+        <p:nvCxnSpPr>
+          <p:cNvPr id="142" name="Curved Connector 589">
+            <a:extLst>
+              <a:ext uri="{FF2B5EF4-FFF2-40B4-BE49-F238E27FC236}">
+                <a16:creationId xmlns:a16="http://schemas.microsoft.com/office/drawing/2014/main" id="{B126C230-7C0D-B64B-BBD5-FE03846B751D}"/>
+              </a:ext>
+            </a:extLst>
+          </p:cNvPr>
+          <p:cNvCxnSpPr>
+            <a:cxnSpLocks/>
+          </p:cNvCxnSpPr>
+          <p:nvPr/>
+        </p:nvCxnSpPr>
+        <p:spPr>
+          <a:xfrm flipV="1">
+            <a:off x="19879294" y="6079413"/>
+            <a:ext cx="590628" cy="753"/>
+          </a:xfrm>
+          <a:prstGeom prst="straightConnector1">
+            <a:avLst/>
+          </a:prstGeom>
+          <a:ln w="28575">
+            <a:solidFill>
+              <a:srgbClr val="90C840"/>
+            </a:solidFill>
+            <a:headEnd type="oval" w="lg" len="lg"/>
+            <a:tailEnd type="triangle" w="lg" len="lg"/>
+          </a:ln>
+        </p:spPr>
+        <p:style>
+          <a:lnRef idx="1">
+            <a:schemeClr val="accent1"/>
+          </a:lnRef>
+          <a:fillRef idx="0">
+            <a:schemeClr val="accent1"/>
+          </a:fillRef>
+          <a:effectRef idx="0">
+            <a:schemeClr val="accent1"/>
           </a:effectRef>
           <a:fontRef idx="minor">
             <a:schemeClr val="tx1"/>

--- a/navigateFMRI/flowchart.pptx
+++ b/navigateFMRI/flowchart.pptx
@@ -10013,6 +10013,44 @@
           </a:fontRef>
         </p:style>
       </p:cxnSp>
+      <p:sp>
+        <p:nvSpPr>
+          <p:cNvPr id="156" name="Rectangle 155">
+            <a:extLst>
+              <a:ext uri="{FF2B5EF4-FFF2-40B4-BE49-F238E27FC236}">
+                <a16:creationId xmlns:a16="http://schemas.microsoft.com/office/drawing/2014/main" id="{3F899571-686E-1E40-939C-372AD3BEB7A7}"/>
+              </a:ext>
+            </a:extLst>
+          </p:cNvPr>
+          <p:cNvSpPr/>
+          <p:nvPr/>
+        </p:nvSpPr>
+        <p:spPr>
+          <a:xfrm>
+            <a:off x="17468982" y="7371235"/>
+            <a:ext cx="3122965" cy="338554"/>
+          </a:xfrm>
+          <a:prstGeom prst="rect">
+            <a:avLst/>
+          </a:prstGeom>
+        </p:spPr>
+        <p:txBody>
+          <a:bodyPr wrap="square">
+            <a:spAutoFit/>
+          </a:bodyPr>
+          <a:lstStyle/>
+          <a:p>
+            <a:pPr algn="ctr"/>
+            <a:r>
+              <a:rPr lang="en-US" sz="1600" dirty="0">
+                <a:latin typeface="Helvetica" pitchFamily="2" charset="0"/>
+              </a:rPr>
+              <a:t>Correlate conditions</a:t>
+            </a:r>
+            <a:endParaRPr lang="en-US" sz="1600" dirty="0"/>
+          </a:p>
+        </p:txBody>
+      </p:sp>
     </p:spTree>
     <p:extLst>
       <p:ext uri="{BB962C8B-B14F-4D97-AF65-F5344CB8AC3E}">

--- a/navigateFMRI/flowchart.pptx
+++ b/navigateFMRI/flowchart.pptx
@@ -210,7 +210,7 @@
           <a:p>
             <a:fld id="{0940D478-5DA4-9E48-A18E-691F19DD5404}" type="datetimeFigureOut">
               <a:rPr lang="en-US" smtClean="0"/>
-              <a:t>3/11/21</a:t>
+              <a:t>3/12/21</a:t>
             </a:fld>
             <a:endParaRPr lang="en-US"/>
           </a:p>
@@ -786,7 +786,7 @@
           <a:p>
             <a:fld id="{61C4A074-6837-7843-BEBA-2B882681BD94}" type="datetimeFigureOut">
               <a:rPr lang="en-US" smtClean="0"/>
-              <a:t>3/11/21</a:t>
+              <a:t>3/12/21</a:t>
             </a:fld>
             <a:endParaRPr lang="en-US"/>
           </a:p>
@@ -956,7 +956,7 @@
           <a:p>
             <a:fld id="{61C4A074-6837-7843-BEBA-2B882681BD94}" type="datetimeFigureOut">
               <a:rPr lang="en-US" smtClean="0"/>
-              <a:t>3/11/21</a:t>
+              <a:t>3/12/21</a:t>
             </a:fld>
             <a:endParaRPr lang="en-US"/>
           </a:p>
@@ -1136,7 +1136,7 @@
           <a:p>
             <a:fld id="{61C4A074-6837-7843-BEBA-2B882681BD94}" type="datetimeFigureOut">
               <a:rPr lang="en-US" smtClean="0"/>
-              <a:t>3/11/21</a:t>
+              <a:t>3/12/21</a:t>
             </a:fld>
             <a:endParaRPr lang="en-US"/>
           </a:p>
@@ -1306,7 +1306,7 @@
           <a:p>
             <a:fld id="{61C4A074-6837-7843-BEBA-2B882681BD94}" type="datetimeFigureOut">
               <a:rPr lang="en-US" smtClean="0"/>
-              <a:t>3/11/21</a:t>
+              <a:t>3/12/21</a:t>
             </a:fld>
             <a:endParaRPr lang="en-US"/>
           </a:p>
@@ -1552,7 +1552,7 @@
           <a:p>
             <a:fld id="{61C4A074-6837-7843-BEBA-2B882681BD94}" type="datetimeFigureOut">
               <a:rPr lang="en-US" smtClean="0"/>
-              <a:t>3/11/21</a:t>
+              <a:t>3/12/21</a:t>
             </a:fld>
             <a:endParaRPr lang="en-US"/>
           </a:p>
@@ -1784,7 +1784,7 @@
           <a:p>
             <a:fld id="{61C4A074-6837-7843-BEBA-2B882681BD94}" type="datetimeFigureOut">
               <a:rPr lang="en-US" smtClean="0"/>
-              <a:t>3/11/21</a:t>
+              <a:t>3/12/21</a:t>
             </a:fld>
             <a:endParaRPr lang="en-US"/>
           </a:p>
@@ -2151,7 +2151,7 @@
           <a:p>
             <a:fld id="{61C4A074-6837-7843-BEBA-2B882681BD94}" type="datetimeFigureOut">
               <a:rPr lang="en-US" smtClean="0"/>
-              <a:t>3/11/21</a:t>
+              <a:t>3/12/21</a:t>
             </a:fld>
             <a:endParaRPr lang="en-US"/>
           </a:p>
@@ -2269,7 +2269,7 @@
           <a:p>
             <a:fld id="{61C4A074-6837-7843-BEBA-2B882681BD94}" type="datetimeFigureOut">
               <a:rPr lang="en-US" smtClean="0"/>
-              <a:t>3/11/21</a:t>
+              <a:t>3/12/21</a:t>
             </a:fld>
             <a:endParaRPr lang="en-US"/>
           </a:p>
@@ -2364,7 +2364,7 @@
           <a:p>
             <a:fld id="{61C4A074-6837-7843-BEBA-2B882681BD94}" type="datetimeFigureOut">
               <a:rPr lang="en-US" smtClean="0"/>
-              <a:t>3/11/21</a:t>
+              <a:t>3/12/21</a:t>
             </a:fld>
             <a:endParaRPr lang="en-US"/>
           </a:p>
@@ -2641,7 +2641,7 @@
           <a:p>
             <a:fld id="{61C4A074-6837-7843-BEBA-2B882681BD94}" type="datetimeFigureOut">
               <a:rPr lang="en-US" smtClean="0"/>
-              <a:t>3/11/21</a:t>
+              <a:t>3/12/21</a:t>
             </a:fld>
             <a:endParaRPr lang="en-US"/>
           </a:p>
@@ -2898,7 +2898,7 @@
           <a:p>
             <a:fld id="{61C4A074-6837-7843-BEBA-2B882681BD94}" type="datetimeFigureOut">
               <a:rPr lang="en-US" smtClean="0"/>
-              <a:t>3/11/21</a:t>
+              <a:t>3/12/21</a:t>
             </a:fld>
             <a:endParaRPr lang="en-US"/>
           </a:p>
@@ -3111,7 +3111,7 @@
           <a:p>
             <a:fld id="{61C4A074-6837-7843-BEBA-2B882681BD94}" type="datetimeFigureOut">
               <a:rPr lang="en-US" smtClean="0"/>
-              <a:t>3/11/21</a:t>
+              <a:t>3/12/21</a:t>
             </a:fld>
             <a:endParaRPr lang="en-US"/>
           </a:p>
@@ -3889,8 +3889,8 @@
         </p:nvCxnSpPr>
         <p:spPr>
           <a:xfrm>
-            <a:off x="17887450" y="6078204"/>
-            <a:ext cx="269921" cy="1962"/>
+            <a:off x="17121284" y="6080166"/>
+            <a:ext cx="1036087" cy="0"/>
           </a:xfrm>
           <a:prstGeom prst="straightConnector1">
             <a:avLst/>
@@ -5427,17 +5427,19 @@
           <p:cNvCxnSpPr>
             <a:cxnSpLocks/>
             <a:stCxn id="87" idx="3"/>
-            <a:endCxn id="135" idx="2"/>
+            <a:endCxn id="135" idx="1"/>
           </p:cNvCxnSpPr>
           <p:nvPr/>
         </p:nvCxnSpPr>
         <p:spPr>
           <a:xfrm flipV="1">
-            <a:off x="17746595" y="7355907"/>
-            <a:ext cx="1253670" cy="819656"/>
-          </a:xfrm>
-          <a:prstGeom prst="curvedConnector2">
-            <a:avLst/>
+            <a:off x="17746595" y="6402813"/>
+            <a:ext cx="401586" cy="1772750"/>
+          </a:xfrm>
+          <a:prstGeom prst="curvedConnector3">
+            <a:avLst>
+              <a:gd name="adj1" fmla="val 50000"/>
+            </a:avLst>
           </a:prstGeom>
           <a:ln w="28575">
             <a:solidFill>
@@ -7278,8 +7280,23 @@
                 </a:solidFill>
                 <a:latin typeface="Helvetica" pitchFamily="2" charset="0"/>
               </a:rPr>
-              <a:t>#rsa2</a:t>
-            </a:r>
+              <a:t>#</a:t>
+            </a:r>
+            <a:r>
+              <a:rPr lang="en-US" sz="1799" dirty="0" err="1">
+                <a:solidFill>
+                  <a:srgbClr val="FF3F3F"/>
+                </a:solidFill>
+                <a:latin typeface="Helvetica" pitchFamily="2" charset="0"/>
+              </a:rPr>
+              <a:t>rsa</a:t>
+            </a:r>
+            <a:endParaRPr lang="en-US" sz="1799" dirty="0">
+              <a:solidFill>
+                <a:srgbClr val="FF3F3F"/>
+              </a:solidFill>
+              <a:latin typeface="Helvetica" pitchFamily="2" charset="0"/>
+            </a:endParaRPr>
           </a:p>
         </p:txBody>
       </p:sp>
@@ -7362,7 +7379,7 @@
               <a:rPr lang="en-US" sz="1600" dirty="0">
                 <a:latin typeface="Helvetica" pitchFamily="2" charset="0"/>
               </a:rPr>
-              <a:t>Correlate the correlations of conditions</a:t>
+              <a:t>Pairwise correlations of conditions displayed in a matrix</a:t>
             </a:r>
             <a:endParaRPr lang="en-US" sz="1600" dirty="0"/>
           </a:p>
@@ -7590,7 +7607,7 @@
         <p:spPr>
           <a:xfrm>
             <a:off x="15703831" y="5414476"/>
-            <a:ext cx="2183619" cy="1327456"/>
+            <a:ext cx="1417453" cy="1605218"/>
           </a:xfrm>
           <a:prstGeom prst="roundRect">
             <a:avLst/>
@@ -7642,7 +7659,7 @@
         <p:spPr>
           <a:xfrm>
             <a:off x="15309976" y="5699441"/>
-            <a:ext cx="393855" cy="378763"/>
+            <a:ext cx="393855" cy="517644"/>
           </a:xfrm>
           <a:prstGeom prst="curvedConnector3">
             <a:avLst>
@@ -7751,7 +7768,7 @@
               <a:rPr lang="en-US" sz="1600" dirty="0">
                 <a:latin typeface="Helvetica" pitchFamily="2" charset="0"/>
               </a:rPr>
-              <a:t>Correlate representational similarity analyses to each other</a:t>
+              <a:t>Correlate representational similarity matrices to each other</a:t>
             </a:r>
             <a:endParaRPr lang="en-US" sz="1600" dirty="0"/>
           </a:p>
@@ -10015,10 +10032,10 @@
       </p:cxnSp>
       <p:sp>
         <p:nvSpPr>
-          <p:cNvPr id="156" name="Rectangle 155">
-            <a:extLst>
-              <a:ext uri="{FF2B5EF4-FFF2-40B4-BE49-F238E27FC236}">
-                <a16:creationId xmlns:a16="http://schemas.microsoft.com/office/drawing/2014/main" id="{3F899571-686E-1E40-939C-372AD3BEB7A7}"/>
+          <p:cNvPr id="131" name="Rectangle 130">
+            <a:extLst>
+              <a:ext uri="{FF2B5EF4-FFF2-40B4-BE49-F238E27FC236}">
+                <a16:creationId xmlns:a16="http://schemas.microsoft.com/office/drawing/2014/main" id="{10BB43FA-8C7C-AA4D-BB71-79C7B25C0EFF}"/>
               </a:ext>
             </a:extLst>
           </p:cNvPr>
@@ -10027,8 +10044,8 @@
         </p:nvSpPr>
         <p:spPr>
           <a:xfrm>
-            <a:off x="17468982" y="7371235"/>
-            <a:ext cx="3122965" cy="338554"/>
+            <a:off x="17787026" y="7375623"/>
+            <a:ext cx="2463983" cy="830997"/>
           </a:xfrm>
           <a:prstGeom prst="rect">
             <a:avLst/>
@@ -10045,7 +10062,7 @@
               <a:rPr lang="en-US" sz="1600" dirty="0">
                 <a:latin typeface="Helvetica" pitchFamily="2" charset="0"/>
               </a:rPr>
-              <a:t>Correlate conditions</a:t>
+              <a:t>Test if same-conditions have higher correlation than different-conditions</a:t>
             </a:r>
             <a:endParaRPr lang="en-US" sz="1600" dirty="0"/>
           </a:p>
